--- a/Diploma_Koshkareva.pptx
+++ b/Diploma_Koshkareva.pptx
@@ -5,24 +5,25 @@
     <p:sldMasterId id="2147483696" r:id="rId1"/>
   </p:sldMasterIdLst>
   <p:handoutMasterIdLst>
-    <p:handoutMasterId r:id="rId17"/>
+    <p:handoutMasterId r:id="rId18"/>
   </p:handoutMasterIdLst>
   <p:sldIdLst>
     <p:sldId id="256" r:id="rId2"/>
     <p:sldId id="271" r:id="rId3"/>
-    <p:sldId id="261" r:id="rId4"/>
-    <p:sldId id="264" r:id="rId5"/>
-    <p:sldId id="263" r:id="rId6"/>
-    <p:sldId id="259" r:id="rId7"/>
-    <p:sldId id="267" r:id="rId8"/>
-    <p:sldId id="258" r:id="rId9"/>
-    <p:sldId id="269" r:id="rId10"/>
-    <p:sldId id="270" r:id="rId11"/>
-    <p:sldId id="268" r:id="rId12"/>
-    <p:sldId id="265" r:id="rId13"/>
-    <p:sldId id="266" r:id="rId14"/>
-    <p:sldId id="262" r:id="rId15"/>
-    <p:sldId id="257" r:id="rId16"/>
+    <p:sldId id="272" r:id="rId4"/>
+    <p:sldId id="261" r:id="rId5"/>
+    <p:sldId id="264" r:id="rId6"/>
+    <p:sldId id="263" r:id="rId7"/>
+    <p:sldId id="273" r:id="rId8"/>
+    <p:sldId id="267" r:id="rId9"/>
+    <p:sldId id="258" r:id="rId10"/>
+    <p:sldId id="269" r:id="rId11"/>
+    <p:sldId id="270" r:id="rId12"/>
+    <p:sldId id="268" r:id="rId13"/>
+    <p:sldId id="265" r:id="rId14"/>
+    <p:sldId id="266" r:id="rId15"/>
+    <p:sldId id="262" r:id="rId16"/>
+    <p:sldId id="257" r:id="rId17"/>
   </p:sldIdLst>
   <p:sldSz cx="9144000" cy="6858000" type="screen4x3"/>
   <p:notesSz cx="6858000" cy="9144000"/>
@@ -222,7 +223,7 @@
             <a:fld id="{5161A95F-F6E9-4931-A0EE-3648C055E45D}" type="datetimeFigureOut">
               <a:rPr lang="ru-RU" smtClean="0"/>
               <a:pPr/>
-              <a:t>20.09.2017</a:t>
+              <a:t>21.09.2017</a:t>
             </a:fld>
             <a:endParaRPr lang="ru-RU"/>
           </a:p>
@@ -450,7 +451,7 @@
             <a:fld id="{5B106E36-FD25-4E2D-B0AA-010F637433A0}" type="datetimeFigureOut">
               <a:rPr lang="ru-RU" smtClean="0"/>
               <a:pPr/>
-              <a:t>20.09.2017</a:t>
+              <a:t>21.09.2017</a:t>
             </a:fld>
             <a:endParaRPr lang="ru-RU"/>
           </a:p>
@@ -814,7 +815,7 @@
             <a:fld id="{5B106E36-FD25-4E2D-B0AA-010F637433A0}" type="datetimeFigureOut">
               <a:rPr lang="ru-RU" smtClean="0"/>
               <a:pPr/>
-              <a:t>20.09.2017</a:t>
+              <a:t>21.09.2017</a:t>
             </a:fld>
             <a:endParaRPr lang="ru-RU"/>
           </a:p>
@@ -994,7 +995,7 @@
             <a:fld id="{5B106E36-FD25-4E2D-B0AA-010F637433A0}" type="datetimeFigureOut">
               <a:rPr lang="ru-RU" smtClean="0"/>
               <a:pPr/>
-              <a:t>20.09.2017</a:t>
+              <a:t>21.09.2017</a:t>
             </a:fld>
             <a:endParaRPr lang="ru-RU"/>
           </a:p>
@@ -1234,7 +1235,7 @@
             <a:fld id="{5B106E36-FD25-4E2D-B0AA-010F637433A0}" type="datetimeFigureOut">
               <a:rPr lang="ru-RU" smtClean="0"/>
               <a:pPr/>
-              <a:t>20.09.2017</a:t>
+              <a:t>21.09.2017</a:t>
             </a:fld>
             <a:endParaRPr lang="ru-RU"/>
           </a:p>
@@ -1508,7 +1509,7 @@
             <a:fld id="{5B106E36-FD25-4E2D-B0AA-010F637433A0}" type="datetimeFigureOut">
               <a:rPr lang="ru-RU" smtClean="0"/>
               <a:pPr/>
-              <a:t>20.09.2017</a:t>
+              <a:t>21.09.2017</a:t>
             </a:fld>
             <a:endParaRPr lang="ru-RU"/>
           </a:p>
@@ -1733,7 +1734,7 @@
             <a:fld id="{5B106E36-FD25-4E2D-B0AA-010F637433A0}" type="datetimeFigureOut">
               <a:rPr lang="ru-RU" smtClean="0"/>
               <a:pPr/>
-              <a:t>20.09.2017</a:t>
+              <a:t>21.09.2017</a:t>
             </a:fld>
             <a:endParaRPr lang="ru-RU"/>
           </a:p>
@@ -2090,7 +2091,7 @@
             <a:fld id="{5B106E36-FD25-4E2D-B0AA-010F637433A0}" type="datetimeFigureOut">
               <a:rPr lang="ru-RU" smtClean="0"/>
               <a:pPr/>
-              <a:t>20.09.2017</a:t>
+              <a:t>21.09.2017</a:t>
             </a:fld>
             <a:endParaRPr lang="ru-RU"/>
           </a:p>
@@ -2327,7 +2328,7 @@
             <a:fld id="{5B106E36-FD25-4E2D-B0AA-010F637433A0}" type="datetimeFigureOut">
               <a:rPr lang="ru-RU" smtClean="0"/>
               <a:pPr/>
-              <a:t>20.09.2017</a:t>
+              <a:t>21.09.2017</a:t>
             </a:fld>
             <a:endParaRPr lang="ru-RU"/>
           </a:p>
@@ -2472,7 +2473,7 @@
             <a:fld id="{5B106E36-FD25-4E2D-B0AA-010F637433A0}" type="datetimeFigureOut">
               <a:rPr lang="ru-RU" smtClean="0"/>
               <a:pPr/>
-              <a:t>20.09.2017</a:t>
+              <a:t>21.09.2017</a:t>
             </a:fld>
             <a:endParaRPr lang="ru-RU"/>
           </a:p>
@@ -2754,7 +2755,7 @@
             <a:fld id="{5B106E36-FD25-4E2D-B0AA-010F637433A0}" type="datetimeFigureOut">
               <a:rPr lang="ru-RU" smtClean="0"/>
               <a:pPr/>
-              <a:t>20.09.2017</a:t>
+              <a:t>21.09.2017</a:t>
             </a:fld>
             <a:endParaRPr lang="ru-RU"/>
           </a:p>
@@ -3166,7 +3167,7 @@
             <a:fld id="{5B106E36-FD25-4E2D-B0AA-010F637433A0}" type="datetimeFigureOut">
               <a:rPr lang="ru-RU" smtClean="0"/>
               <a:pPr/>
-              <a:t>20.09.2017</a:t>
+              <a:t>21.09.2017</a:t>
             </a:fld>
             <a:endParaRPr lang="ru-RU"/>
           </a:p>
@@ -3509,7 +3510,7 @@
             <a:fld id="{5B106E36-FD25-4E2D-B0AA-010F637433A0}" type="datetimeFigureOut">
               <a:rPr lang="ru-RU" smtClean="0"/>
               <a:pPr/>
-              <a:t>20.09.2017</a:t>
+              <a:t>21.09.2017</a:t>
             </a:fld>
             <a:endParaRPr lang="ru-RU"/>
           </a:p>
@@ -4253,25 +4254,7 @@
               <a:rPr lang="ru-RU" sz="1600" dirty="0" smtClean="0">
                 <a:cs typeface="Times New Roman" panose="02020603050405020304" pitchFamily="18" charset="0"/>
               </a:rPr>
-              <a:t>к.ф</a:t>
-            </a:r>
-            <a:r>
-              <a:rPr lang="ru-RU" sz="1600" dirty="0" smtClean="0">
-                <a:cs typeface="Times New Roman" panose="02020603050405020304" pitchFamily="18" charset="0"/>
-              </a:rPr>
-              <a:t>.-</a:t>
-            </a:r>
-            <a:r>
-              <a:rPr lang="ru-RU" sz="1600" dirty="0" smtClean="0">
-                <a:cs typeface="Times New Roman" panose="02020603050405020304" pitchFamily="18" charset="0"/>
-              </a:rPr>
-              <a:t>м.н</a:t>
-            </a:r>
-            <a:r>
-              <a:rPr lang="ru-RU" sz="1600" dirty="0" smtClean="0">
-                <a:cs typeface="Times New Roman" panose="02020603050405020304" pitchFamily="18" charset="0"/>
-              </a:rPr>
-              <a:t>., </a:t>
+              <a:t>к.ф.-м.н., </a:t>
             </a:r>
           </a:p>
           <a:p>
@@ -4282,9 +4265,6 @@
               </a:rPr>
               <a:t>Лукинов В.Л.</a:t>
             </a:r>
-            <a:endParaRPr lang="ru-RU" sz="1600" dirty="0">
-              <a:cs typeface="Times New Roman" panose="02020603050405020304" pitchFamily="18" charset="0"/>
-            </a:endParaRPr>
           </a:p>
         </p:txBody>
       </p:sp>
@@ -4314,37 +4294,19 @@
               <a:rPr lang="ru-RU" sz="1600" dirty="0" smtClean="0">
                 <a:cs typeface="Times New Roman" panose="02020603050405020304" pitchFamily="18" charset="0"/>
               </a:rPr>
-              <a:t>Студентка: </a:t>
-            </a:r>
+              <a:t>Студентка: Кошкарева С.В.                                                                                             </a:t>
+            </a:r>
+            <a:endParaRPr lang="en-US" sz="1600" dirty="0" smtClean="0">
+              <a:cs typeface="Times New Roman" panose="02020603050405020304" pitchFamily="18" charset="0"/>
+            </a:endParaRPr>
+          </a:p>
+          <a:p>
+            <a:pPr algn="r"/>
             <a:r>
               <a:rPr lang="ru-RU" sz="1600" dirty="0" smtClean="0">
                 <a:cs typeface="Times New Roman" panose="02020603050405020304" pitchFamily="18" charset="0"/>
               </a:rPr>
-              <a:t>Кошкарева </a:t>
-            </a:r>
-            <a:r>
-              <a:rPr lang="ru-RU" sz="1600" dirty="0" smtClean="0">
-                <a:cs typeface="Times New Roman" panose="02020603050405020304" pitchFamily="18" charset="0"/>
-              </a:rPr>
-              <a:t>С.В.                                                                                             </a:t>
-            </a:r>
-            <a:endParaRPr lang="en-US" sz="1600" dirty="0" smtClean="0">
-              <a:cs typeface="Times New Roman" panose="02020603050405020304" pitchFamily="18" charset="0"/>
-            </a:endParaRPr>
-          </a:p>
-          <a:p>
-            <a:pPr algn="r"/>
-            <a:r>
-              <a:rPr lang="ru-RU" sz="1600" dirty="0" smtClean="0">
-                <a:cs typeface="Times New Roman" panose="02020603050405020304" pitchFamily="18" charset="0"/>
-              </a:rPr>
-              <a:t>Группа </a:t>
-            </a:r>
-            <a:r>
-              <a:rPr lang="ru-RU" sz="1600" dirty="0" smtClean="0">
-                <a:cs typeface="Times New Roman" panose="02020603050405020304" pitchFamily="18" charset="0"/>
-              </a:rPr>
-              <a:t>14214</a:t>
+              <a:t>Группа 14214</a:t>
             </a:r>
             <a:endParaRPr lang="ru-RU" sz="1600" dirty="0">
               <a:cs typeface="Times New Roman" panose="02020603050405020304" pitchFamily="18" charset="0"/>
@@ -4440,15 +4402,10 @@
             <p:ph type="title"/>
           </p:nvPr>
         </p:nvSpPr>
-        <p:spPr>
-          <a:xfrm>
-            <a:off x="0" y="782216"/>
-            <a:ext cx="9144000" cy="990600"/>
-          </a:xfrm>
-        </p:spPr>
+        <p:spPr/>
         <p:txBody>
           <a:bodyPr>
-            <a:normAutofit fontScale="90000"/>
+            <a:normAutofit/>
           </a:bodyPr>
           <a:lstStyle/>
           <a:p>
@@ -4460,82 +4417,11 @@
                 </a:solidFill>
                 <a:latin typeface="+mn-lt"/>
               </a:rPr>
-              <a:t>Видеофильм</a:t>
-            </a:r>
-            <a:r>
-              <a:rPr lang="ru-RU" sz="3600" i="1" dirty="0" smtClean="0">
-                <a:solidFill>
-                  <a:srgbClr val="800000"/>
-                </a:solidFill>
-                <a:latin typeface="+mn-lt"/>
-              </a:rPr>
-              <a:t> </a:t>
-            </a:r>
-            <a:r>
-              <a:rPr lang="ru-RU" sz="3600" dirty="0" smtClean="0">
-                <a:solidFill>
-                  <a:srgbClr val="800000"/>
-                </a:solidFill>
-                <a:latin typeface="+mn-lt"/>
-              </a:rPr>
-              <a:t>  </a:t>
-            </a:r>
-            <a:r>
-              <a:rPr lang="en-US" sz="3600" dirty="0" smtClean="0">
-                <a:solidFill>
-                  <a:srgbClr val="800000"/>
-                </a:solidFill>
-                <a:latin typeface="+mn-lt"/>
-              </a:rPr>
-              <a:t/>
-            </a:r>
-            <a:br>
-              <a:rPr lang="en-US" sz="3600" dirty="0" smtClean="0">
-                <a:solidFill>
-                  <a:srgbClr val="800000"/>
-                </a:solidFill>
-                <a:latin typeface="+mn-lt"/>
-              </a:rPr>
-            </a:br>
-            <a:r>
-              <a:rPr lang="ru-RU" sz="2200" dirty="0" smtClean="0">
-                <a:solidFill>
-                  <a:schemeClr val="tx1"/>
-                </a:solidFill>
-                <a:latin typeface="+mn-lt"/>
-              </a:rPr>
-              <a:t>(пятиконечная звезда с расширяющимися лучами, дефект в форме сферической каверны,</a:t>
-            </a:r>
-            <a:r>
-              <a:rPr lang="en-US" sz="2200" dirty="0" smtClean="0">
-                <a:solidFill>
-                  <a:schemeClr val="tx1"/>
-                </a:solidFill>
-                <a:latin typeface="+mn-lt"/>
-              </a:rPr>
-              <a:t> N= 21</a:t>
-            </a:r>
-            <a:r>
-              <a:rPr lang="ru-RU" sz="2200" dirty="0" smtClean="0">
-                <a:solidFill>
-                  <a:schemeClr val="tx1"/>
-                </a:solidFill>
-                <a:latin typeface="+mn-lt"/>
-              </a:rPr>
-              <a:t>)</a:t>
-            </a:r>
-            <a:r>
-              <a:rPr lang="en-US" sz="2200" dirty="0" smtClean="0">
-                <a:solidFill>
-                  <a:schemeClr val="tx1"/>
-                </a:solidFill>
-                <a:latin typeface="+mn-lt"/>
-              </a:rPr>
-              <a:t> </a:t>
-            </a:r>
-            <a:endParaRPr lang="ru-RU" sz="2200" dirty="0">
+              <a:t>Вид приложения в процессе счёта</a:t>
+            </a:r>
+            <a:endParaRPr lang="ru-RU" sz="4000" i="1" dirty="0">
               <a:solidFill>
-                <a:schemeClr val="tx1"/>
+                <a:srgbClr val="800000"/>
               </a:solidFill>
               <a:latin typeface="+mn-lt"/>
             </a:endParaRPr>
@@ -4580,6 +4466,28 @@
           </a:p>
         </p:txBody>
       </p:sp>
+      <p:pic>
+        <p:nvPicPr>
+          <p:cNvPr id="6" name="Рисунок 5" descr="17.PNG"/>
+          <p:cNvPicPr/>
+          <p:nvPr/>
+        </p:nvPicPr>
+        <p:blipFill>
+          <a:blip r:embed="rId2" cstate="print"/>
+          <a:stretch>
+            <a:fillRect/>
+          </a:stretch>
+        </p:blipFill>
+        <p:spPr>
+          <a:xfrm>
+            <a:off x="1285852" y="1428736"/>
+            <a:ext cx="6929486" cy="4714908"/>
+          </a:xfrm>
+          <a:prstGeom prst="rect">
+            <a:avLst/>
+          </a:prstGeom>
+        </p:spPr>
+      </p:pic>
     </p:spTree>
   </p:cSld>
   <p:clrMapOvr>
@@ -4627,57 +4535,101 @@
         </p:nvSpPr>
         <p:spPr>
           <a:xfrm>
-            <a:off x="179512" y="116632"/>
-            <a:ext cx="8729634" cy="990600"/>
+            <a:off x="0" y="782216"/>
+            <a:ext cx="9144000" cy="990600"/>
           </a:xfrm>
         </p:spPr>
         <p:txBody>
           <a:bodyPr>
-            <a:noAutofit/>
+            <a:normAutofit fontScale="90000"/>
           </a:bodyPr>
           <a:lstStyle/>
           <a:p>
             <a:pPr algn="ctr"/>
             <a:r>
-              <a:rPr lang="ru-RU" sz="2400" b="1" i="1" dirty="0" smtClean="0">
-                <a:latin typeface="+mn-lt"/>
-              </a:rPr>
-              <a:t>Диаграммы горения </a:t>
-            </a:r>
-            <a:r>
-              <a:rPr lang="ru-RU" sz="2400" dirty="0" smtClean="0">
-                <a:latin typeface="+mn-lt"/>
-              </a:rPr>
-              <a:t>– принятый  в </a:t>
-            </a:r>
-            <a:r>
-              <a:rPr lang="ru-RU" sz="2400" dirty="0" smtClean="0">
+              <a:rPr lang="ru-RU" sz="4000" i="1" dirty="0" smtClean="0">
                 <a:solidFill>
-                  <a:srgbClr val="7030A0"/>
+                  <a:srgbClr val="800000"/>
                 </a:solidFill>
                 <a:latin typeface="+mn-lt"/>
               </a:rPr>
-              <a:t>литературе</a:t>
-            </a:r>
-            <a:r>
-              <a:rPr lang="ru-RU" sz="2400" dirty="0" smtClean="0">
+              <a:t>Видеофильм</a:t>
+            </a:r>
+            <a:r>
+              <a:rPr lang="ru-RU" sz="3600" i="1" dirty="0" smtClean="0">
                 <a:solidFill>
-                  <a:schemeClr val="tx1">
-                    <a:lumMod val="95000"/>
-                    <a:lumOff val="5000"/>
-                  </a:schemeClr>
+                  <a:srgbClr val="800000"/>
                 </a:solidFill>
                 <a:latin typeface="+mn-lt"/>
               </a:rPr>
-              <a:t>*</a:t>
-            </a:r>
-            <a:r>
-              <a:rPr lang="ru-RU" sz="2400" dirty="0" smtClean="0">
+              <a:t> </a:t>
+            </a:r>
+            <a:r>
+              <a:rPr lang="ru-RU" sz="3600" dirty="0" smtClean="0">
+                <a:solidFill>
+                  <a:srgbClr val="800000"/>
+                </a:solidFill>
                 <a:latin typeface="+mn-lt"/>
               </a:rPr>
-              <a:t> способ характеризации процесса газообразования при работе двигателя</a:t>
-            </a:r>
-            <a:endParaRPr lang="ru-RU" sz="2400" dirty="0">
+              <a:t>  </a:t>
+            </a:r>
+            <a:r>
+              <a:rPr lang="en-US" sz="3600" dirty="0" smtClean="0">
+                <a:solidFill>
+                  <a:srgbClr val="800000"/>
+                </a:solidFill>
+                <a:latin typeface="+mn-lt"/>
+              </a:rPr>
+              <a:t/>
+            </a:r>
+            <a:br>
+              <a:rPr lang="en-US" sz="3600" dirty="0" smtClean="0">
+                <a:solidFill>
+                  <a:srgbClr val="800000"/>
+                </a:solidFill>
+                <a:latin typeface="+mn-lt"/>
+              </a:rPr>
+            </a:br>
+            <a:r>
+              <a:rPr lang="ru-RU" sz="2200" dirty="0" smtClean="0">
+                <a:solidFill>
+                  <a:schemeClr val="tx1"/>
+                </a:solidFill>
+                <a:latin typeface="+mn-lt"/>
+              </a:rPr>
+              <a:t>(пятиконечная звезда с расширяющимися лучами, дефект в форме сферической каверны,</a:t>
+            </a:r>
+            <a:r>
+              <a:rPr lang="en-US" sz="2200" dirty="0" smtClean="0">
+                <a:solidFill>
+                  <a:schemeClr val="tx1"/>
+                </a:solidFill>
+                <a:latin typeface="+mn-lt"/>
+              </a:rPr>
+              <a:t> N= 21</a:t>
+            </a:r>
+            <a:r>
+              <a:rPr lang="ru-RU" sz="2200" dirty="0" smtClean="0">
+                <a:solidFill>
+                  <a:schemeClr val="tx1"/>
+                </a:solidFill>
+                <a:latin typeface="+mn-lt"/>
+              </a:rPr>
+              <a:t>)</a:t>
+            </a:r>
+            <a:r>
+              <a:rPr lang="en-US" sz="2200" dirty="0" smtClean="0">
+                <a:solidFill>
+                  <a:schemeClr val="tx1"/>
+                </a:solidFill>
+                <a:latin typeface="+mn-lt"/>
+              </a:rPr>
+              <a:t> </a:t>
+            </a:r>
+            <a:endParaRPr lang="ru-RU" sz="2200" dirty="0">
+              <a:solidFill>
+                <a:schemeClr val="tx1"/>
+              </a:solidFill>
               <a:latin typeface="+mn-lt"/>
             </a:endParaRPr>
           </a:p>
@@ -4721,149 +4673,6 @@
           </a:p>
         </p:txBody>
       </p:sp>
-      <p:sp>
-        <p:nvSpPr>
-          <p:cNvPr id="8" name="TextBox 7"/>
-          <p:cNvSpPr txBox="1"/>
-          <p:nvPr/>
-        </p:nvSpPr>
-        <p:spPr>
-          <a:xfrm>
-            <a:off x="539552" y="5013176"/>
-            <a:ext cx="8429684" cy="1723549"/>
-          </a:xfrm>
-          <a:prstGeom prst="rect">
-            <a:avLst/>
-          </a:prstGeom>
-          <a:noFill/>
-        </p:spPr>
-        <p:txBody>
-          <a:bodyPr wrap="square" rtlCol="0">
-            <a:spAutoFit/>
-          </a:bodyPr>
-          <a:lstStyle/>
-          <a:p>
-            <a:r>
-              <a:rPr lang="ru-RU" i="1" dirty="0" smtClean="0"/>
-              <a:t>а</a:t>
-            </a:r>
-            <a:r>
-              <a:rPr lang="ru-RU" dirty="0" smtClean="0"/>
-              <a:t> – </a:t>
-            </a:r>
-            <a:r>
-              <a:rPr lang="ru-RU" dirty="0" err="1" smtClean="0"/>
-              <a:t>бесканальный</a:t>
-            </a:r>
-            <a:r>
-              <a:rPr lang="ru-RU" dirty="0" smtClean="0"/>
-              <a:t> заряд, </a:t>
-            </a:r>
-            <a:r>
-              <a:rPr lang="ru-RU" dirty="0" err="1" smtClean="0"/>
-              <a:t>дегрессивное</a:t>
-            </a:r>
-            <a:r>
-              <a:rPr lang="ru-RU" dirty="0" smtClean="0"/>
-              <a:t> горение; </a:t>
-            </a:r>
-          </a:p>
-          <a:p>
-            <a:r>
-              <a:rPr lang="ru-RU" i="1" dirty="0" smtClean="0"/>
-              <a:t>б </a:t>
-            </a:r>
-            <a:r>
-              <a:rPr lang="ru-RU" dirty="0" smtClean="0"/>
-              <a:t>– одноканальный заряд, слабо </a:t>
-            </a:r>
-            <a:r>
-              <a:rPr lang="ru-RU" dirty="0" err="1" smtClean="0"/>
-              <a:t>дегрессивное</a:t>
-            </a:r>
-            <a:r>
-              <a:rPr lang="ru-RU" dirty="0" smtClean="0"/>
-              <a:t> горение;</a:t>
-            </a:r>
-          </a:p>
-          <a:p>
-            <a:r>
-              <a:rPr lang="ru-RU" i="1" dirty="0" smtClean="0"/>
-              <a:t>в </a:t>
-            </a:r>
-            <a:r>
-              <a:rPr lang="ru-RU" dirty="0" smtClean="0"/>
-              <a:t>– одноканальный заряд с бронировкой торцов, нейтральное горение; </a:t>
-            </a:r>
-          </a:p>
-          <a:p>
-            <a:r>
-              <a:rPr lang="ru-RU" i="1" dirty="0" smtClean="0"/>
-              <a:t>г</a:t>
-            </a:r>
-            <a:r>
-              <a:rPr lang="ru-RU" dirty="0" smtClean="0"/>
-              <a:t> – многоканальный заряд, прогрессивное горние. </a:t>
-            </a:r>
-          </a:p>
-          <a:p>
-            <a:endParaRPr lang="ru-RU" dirty="0" smtClean="0"/>
-          </a:p>
-          <a:p>
-            <a:r>
-              <a:rPr lang="ru-RU" sz="1600" b="1" dirty="0" smtClean="0">
-                <a:solidFill>
-                  <a:srgbClr val="7030A0"/>
-                </a:solidFill>
-              </a:rPr>
-              <a:t>* </a:t>
-            </a:r>
-            <a:r>
-              <a:rPr lang="ru-RU" sz="1600" b="1" dirty="0" err="1" smtClean="0">
-                <a:solidFill>
-                  <a:srgbClr val="7030A0"/>
-                </a:solidFill>
-              </a:rPr>
-              <a:t>Поллард</a:t>
-            </a:r>
-            <a:r>
-              <a:rPr lang="ru-RU" sz="1600" b="1" dirty="0" smtClean="0">
-                <a:solidFill>
-                  <a:srgbClr val="7030A0"/>
-                </a:solidFill>
-              </a:rPr>
-              <a:t> Ф. Б. Вспомогательные системы ракетно-космической техники:— М.: Мир, 1970. </a:t>
-            </a:r>
-            <a:endParaRPr lang="ru-RU" sz="1600" b="1" dirty="0">
-              <a:solidFill>
-                <a:srgbClr val="7030A0"/>
-              </a:solidFill>
-            </a:endParaRPr>
-          </a:p>
-        </p:txBody>
-      </p:sp>
-      <p:pic>
-        <p:nvPicPr>
-          <p:cNvPr id="9" name="Рисунок 8" descr="Копия диаграммы горения.PNG"/>
-          <p:cNvPicPr/>
-          <p:nvPr/>
-        </p:nvPicPr>
-        <p:blipFill>
-          <a:blip r:embed="rId2" cstate="print"/>
-          <a:stretch>
-            <a:fillRect/>
-          </a:stretch>
-        </p:blipFill>
-        <p:spPr>
-          <a:xfrm>
-            <a:off x="857224" y="1440136"/>
-            <a:ext cx="7286676" cy="3429024"/>
-          </a:xfrm>
-          <a:prstGeom prst="rect">
-            <a:avLst/>
-          </a:prstGeom>
-        </p:spPr>
-      </p:pic>
     </p:spTree>
   </p:cSld>
   <p:clrMapOvr>
@@ -4911,6 +4720,290 @@
         </p:nvSpPr>
         <p:spPr>
           <a:xfrm>
+            <a:off x="179512" y="116632"/>
+            <a:ext cx="8729634" cy="990600"/>
+          </a:xfrm>
+        </p:spPr>
+        <p:txBody>
+          <a:bodyPr>
+            <a:noAutofit/>
+          </a:bodyPr>
+          <a:lstStyle/>
+          <a:p>
+            <a:pPr algn="ctr"/>
+            <a:r>
+              <a:rPr lang="ru-RU" sz="2400" b="1" i="1" dirty="0" smtClean="0">
+                <a:latin typeface="+mn-lt"/>
+              </a:rPr>
+              <a:t>Диаграммы горения </a:t>
+            </a:r>
+            <a:r>
+              <a:rPr lang="ru-RU" sz="2400" dirty="0" smtClean="0">
+                <a:latin typeface="+mn-lt"/>
+              </a:rPr>
+              <a:t>– принятый  в </a:t>
+            </a:r>
+            <a:r>
+              <a:rPr lang="ru-RU" sz="2400" dirty="0" smtClean="0">
+                <a:solidFill>
+                  <a:srgbClr val="7030A0"/>
+                </a:solidFill>
+                <a:latin typeface="+mn-lt"/>
+              </a:rPr>
+              <a:t>литературе</a:t>
+            </a:r>
+            <a:r>
+              <a:rPr lang="ru-RU" sz="2400" dirty="0" smtClean="0">
+                <a:solidFill>
+                  <a:schemeClr val="tx1">
+                    <a:lumMod val="95000"/>
+                    <a:lumOff val="5000"/>
+                  </a:schemeClr>
+                </a:solidFill>
+                <a:latin typeface="+mn-lt"/>
+              </a:rPr>
+              <a:t>*</a:t>
+            </a:r>
+            <a:r>
+              <a:rPr lang="ru-RU" sz="2400" dirty="0" smtClean="0">
+                <a:latin typeface="+mn-lt"/>
+              </a:rPr>
+              <a:t> способ характеризации процесса газообразования при работе двигателя</a:t>
+            </a:r>
+            <a:endParaRPr lang="ru-RU" sz="2400" dirty="0">
+              <a:latin typeface="+mn-lt"/>
+            </a:endParaRPr>
+          </a:p>
+        </p:txBody>
+      </p:sp>
+      <p:sp>
+        <p:nvSpPr>
+          <p:cNvPr id="18434" name="Rectangle 2"/>
+          <p:cNvSpPr>
+            <a:spLocks noChangeArrowheads="1"/>
+          </p:cNvSpPr>
+          <p:nvPr/>
+        </p:nvSpPr>
+        <p:spPr bwMode="auto">
+          <a:xfrm>
+            <a:off x="0" y="0"/>
+            <a:ext cx="9144000" cy="0"/>
+          </a:xfrm>
+          <a:prstGeom prst="rect">
+            <a:avLst/>
+          </a:prstGeom>
+          <a:noFill/>
+          <a:ln w="9525">
+            <a:noFill/>
+            <a:miter lim="800000"/>
+            <a:headEnd/>
+            <a:tailEnd/>
+          </a:ln>
+          <a:effectLst/>
+        </p:spPr>
+        <p:txBody>
+          <a:bodyPr vert="horz" wrap="none" lIns="91440" tIns="45720" rIns="91440" bIns="45720" numCol="1" anchor="ctr" anchorCtr="0" compatLnSpc="1">
+            <a:prstTxWarp prst="textNoShape">
+              <a:avLst/>
+            </a:prstTxWarp>
+            <a:spAutoFit/>
+          </a:bodyPr>
+          <a:lstStyle/>
+          <a:p>
+            <a:endParaRPr lang="ru-RU"/>
+          </a:p>
+        </p:txBody>
+      </p:sp>
+      <p:sp>
+        <p:nvSpPr>
+          <p:cNvPr id="8" name="TextBox 7"/>
+          <p:cNvSpPr txBox="1"/>
+          <p:nvPr/>
+        </p:nvSpPr>
+        <p:spPr>
+          <a:xfrm>
+            <a:off x="539552" y="5013176"/>
+            <a:ext cx="8429684" cy="1723549"/>
+          </a:xfrm>
+          <a:prstGeom prst="rect">
+            <a:avLst/>
+          </a:prstGeom>
+          <a:noFill/>
+        </p:spPr>
+        <p:txBody>
+          <a:bodyPr wrap="square" rtlCol="0">
+            <a:spAutoFit/>
+          </a:bodyPr>
+          <a:lstStyle/>
+          <a:p>
+            <a:r>
+              <a:rPr lang="ru-RU" i="1" dirty="0" smtClean="0"/>
+              <a:t>а</a:t>
+            </a:r>
+            <a:r>
+              <a:rPr lang="ru-RU" dirty="0" smtClean="0"/>
+              <a:t> – </a:t>
+            </a:r>
+            <a:r>
+              <a:rPr lang="ru-RU" dirty="0" err="1" smtClean="0"/>
+              <a:t>бесканальный</a:t>
+            </a:r>
+            <a:r>
+              <a:rPr lang="ru-RU" dirty="0" smtClean="0"/>
+              <a:t> заряд, </a:t>
+            </a:r>
+            <a:r>
+              <a:rPr lang="ru-RU" dirty="0" err="1" smtClean="0"/>
+              <a:t>дегрессивное</a:t>
+            </a:r>
+            <a:r>
+              <a:rPr lang="ru-RU" dirty="0" smtClean="0"/>
+              <a:t> горение; </a:t>
+            </a:r>
+          </a:p>
+          <a:p>
+            <a:r>
+              <a:rPr lang="ru-RU" i="1" dirty="0" smtClean="0"/>
+              <a:t>б </a:t>
+            </a:r>
+            <a:r>
+              <a:rPr lang="ru-RU" dirty="0" smtClean="0"/>
+              <a:t>– одноканальный заряд, слабо </a:t>
+            </a:r>
+            <a:r>
+              <a:rPr lang="ru-RU" dirty="0" err="1" smtClean="0"/>
+              <a:t>дегрессивное</a:t>
+            </a:r>
+            <a:r>
+              <a:rPr lang="ru-RU" dirty="0" smtClean="0"/>
+              <a:t> горение;</a:t>
+            </a:r>
+          </a:p>
+          <a:p>
+            <a:r>
+              <a:rPr lang="ru-RU" i="1" dirty="0" smtClean="0"/>
+              <a:t>в </a:t>
+            </a:r>
+            <a:r>
+              <a:rPr lang="ru-RU" dirty="0" smtClean="0"/>
+              <a:t>– одноканальный заряд с бронировкой торцов, нейтральное горение; </a:t>
+            </a:r>
+          </a:p>
+          <a:p>
+            <a:r>
+              <a:rPr lang="ru-RU" i="1" dirty="0" smtClean="0"/>
+              <a:t>г</a:t>
+            </a:r>
+            <a:r>
+              <a:rPr lang="ru-RU" dirty="0" smtClean="0"/>
+              <a:t> – многоканальный заряд, прогрессивное горние. </a:t>
+            </a:r>
+          </a:p>
+          <a:p>
+            <a:endParaRPr lang="ru-RU" dirty="0" smtClean="0"/>
+          </a:p>
+          <a:p>
+            <a:r>
+              <a:rPr lang="ru-RU" sz="1600" b="1" dirty="0" smtClean="0">
+                <a:solidFill>
+                  <a:srgbClr val="7030A0"/>
+                </a:solidFill>
+              </a:rPr>
+              <a:t>* </a:t>
+            </a:r>
+            <a:r>
+              <a:rPr lang="ru-RU" sz="1600" b="1" dirty="0" err="1" smtClean="0">
+                <a:solidFill>
+                  <a:srgbClr val="7030A0"/>
+                </a:solidFill>
+              </a:rPr>
+              <a:t>Поллард</a:t>
+            </a:r>
+            <a:r>
+              <a:rPr lang="ru-RU" sz="1600" b="1" dirty="0" smtClean="0">
+                <a:solidFill>
+                  <a:srgbClr val="7030A0"/>
+                </a:solidFill>
+              </a:rPr>
+              <a:t> Ф. Б. Вспомогательные системы ракетно-космической техники:— М.: Мир, 1970. </a:t>
+            </a:r>
+            <a:endParaRPr lang="ru-RU" sz="1600" b="1" dirty="0">
+              <a:solidFill>
+                <a:srgbClr val="7030A0"/>
+              </a:solidFill>
+            </a:endParaRPr>
+          </a:p>
+        </p:txBody>
+      </p:sp>
+      <p:pic>
+        <p:nvPicPr>
+          <p:cNvPr id="9" name="Рисунок 8" descr="Копия диаграммы горения.PNG"/>
+          <p:cNvPicPr/>
+          <p:nvPr/>
+        </p:nvPicPr>
+        <p:blipFill>
+          <a:blip r:embed="rId2" cstate="print"/>
+          <a:stretch>
+            <a:fillRect/>
+          </a:stretch>
+        </p:blipFill>
+        <p:spPr>
+          <a:xfrm>
+            <a:off x="857224" y="1440136"/>
+            <a:ext cx="7286676" cy="3429024"/>
+          </a:xfrm>
+          <a:prstGeom prst="rect">
+            <a:avLst/>
+          </a:prstGeom>
+        </p:spPr>
+      </p:pic>
+    </p:spTree>
+  </p:cSld>
+  <p:clrMapOvr>
+    <a:masterClrMapping/>
+  </p:clrMapOvr>
+  <p:transition>
+    <p:fade/>
+  </p:transition>
+  <p:timing>
+    <p:tnLst>
+      <p:par>
+        <p:cTn id="1" dur="indefinite" restart="never" nodeType="tmRoot"/>
+      </p:par>
+    </p:tnLst>
+  </p:timing>
+</p:sld>
+</file>
+
+<file path=ppt/slides/slide13.xml><?xml version="1.0" encoding="utf-8"?>
+<p:sld xmlns:a="http://schemas.openxmlformats.org/drawingml/2006/main" xmlns:r="http://schemas.openxmlformats.org/officeDocument/2006/relationships" xmlns:p="http://schemas.openxmlformats.org/presentationml/2006/main">
+  <p:cSld>
+    <p:spTree>
+      <p:nvGrpSpPr>
+        <p:cNvPr id="1" name=""/>
+        <p:cNvGrpSpPr/>
+        <p:nvPr/>
+      </p:nvGrpSpPr>
+      <p:grpSpPr>
+        <a:xfrm>
+          <a:off x="0" y="0"/>
+          <a:ext cx="0" cy="0"/>
+          <a:chOff x="0" y="0"/>
+          <a:chExt cx="0" cy="0"/>
+        </a:xfrm>
+      </p:grpSpPr>
+      <p:sp>
+        <p:nvSpPr>
+          <p:cNvPr id="2" name="Заголовок 1"/>
+          <p:cNvSpPr>
+            <a:spLocks noGrp="1"/>
+          </p:cNvSpPr>
+          <p:nvPr>
+            <p:ph type="title"/>
+          </p:nvPr>
+        </p:nvSpPr>
+        <p:spPr>
+          <a:xfrm>
             <a:off x="457200" y="44624"/>
             <a:ext cx="8229600" cy="990600"/>
           </a:xfrm>
@@ -5030,7 +5123,7 @@
           <a:graphicData uri="http://schemas.openxmlformats.org/presentationml/2006/ole">
             <mc:AlternateContent xmlns:mc="http://schemas.openxmlformats.org/markup-compatibility/2006">
               <mc:Choice xmlns:v="urn:schemas-microsoft-com:vml" Requires="v">
-                <p:oleObj spid="_x0000_s18435" r:id="rId3" imgW="4153814" imgH="2895600" progId="">
+                <p:oleObj spid="_x0000_s18438" r:id="rId3" imgW="4153814" imgH="2895600" progId="">
                   <p:embed/>
                 </p:oleObj>
               </mc:Choice>
@@ -5469,7 +5562,7 @@
 </p:sld>
 </file>
 
-<file path=ppt/slides/slide13.xml><?xml version="1.0" encoding="utf-8"?>
+<file path=ppt/slides/slide14.xml><?xml version="1.0" encoding="utf-8"?>
 <p:sld xmlns:a="http://schemas.openxmlformats.org/drawingml/2006/main" xmlns:r="http://schemas.openxmlformats.org/officeDocument/2006/relationships" xmlns:p="http://schemas.openxmlformats.org/presentationml/2006/main">
   <p:cSld>
     <p:spTree>
@@ -5635,7 +5728,7 @@
           <a:graphicData uri="http://schemas.openxmlformats.org/presentationml/2006/ole">
             <mc:AlternateContent xmlns:mc="http://schemas.openxmlformats.org/markup-compatibility/2006">
               <mc:Choice xmlns:v="urn:schemas-microsoft-com:vml" Requires="v">
-                <p:oleObj spid="_x0000_s22531" r:id="rId3" imgW="4153814" imgH="2895600" progId="">
+                <p:oleObj spid="_x0000_s22534" r:id="rId3" imgW="4153814" imgH="2895600" progId="">
                   <p:embed/>
                 </p:oleObj>
               </mc:Choice>
@@ -6015,7 +6108,7 @@
 </p:sld>
 </file>
 
-<file path=ppt/slides/slide14.xml><?xml version="1.0" encoding="utf-8"?>
+<file path=ppt/slides/slide15.xml><?xml version="1.0" encoding="utf-8"?>
 <p:sld xmlns:a="http://schemas.openxmlformats.org/drawingml/2006/main" xmlns:r="http://schemas.openxmlformats.org/officeDocument/2006/relationships" xmlns:p="http://schemas.openxmlformats.org/presentationml/2006/main">
   <p:cSld>
     <p:spTree>
@@ -6091,45 +6184,16 @@
           <a:lstStyle/>
           <a:p>
             <a:r>
-              <a:rPr lang="ru-RU" sz="2400" dirty="0" smtClean="0"/>
-              <a:t>.</a:t>
-            </a:r>
-            <a:endParaRPr lang="ru-RU" sz="2400" b="1" dirty="0" smtClean="0"/>
-          </a:p>
-          <a:p>
-            <a:r>
               <a:rPr lang="ru-RU" sz="2400" dirty="0"/>
-              <a:t>Разработанная в </a:t>
-            </a:r>
-            <a:r>
-              <a:rPr lang="ru-RU" sz="2400" dirty="0" smtClean="0"/>
-              <a:t>библиотека </a:t>
+              <a:t>Разработанная библиотека решает проблему подготовки входных данных для статистического анализа в автоматическом режиме. Библиотека сводит к минимуму затраченное на это время, а также позволяет биостатистикам в удобной форме анализировать данные исследования. </a:t>
             </a:r>
             <a:r>
               <a:rPr lang="ru-RU" sz="2400" dirty="0"/>
-              <a:t>решает задачи проверки входных данных, а также позволять </a:t>
-            </a:r>
-            <a:r>
-              <a:rPr lang="ru-RU" sz="2400" dirty="0" err="1" smtClean="0"/>
-              <a:t>биостатистикам</a:t>
-            </a:r>
-            <a:r>
-              <a:rPr lang="ru-RU" sz="2400" dirty="0" smtClean="0"/>
               <a:t> </a:t>
             </a:r>
             <a:r>
               <a:rPr lang="ru-RU" sz="2400" dirty="0"/>
-              <a:t>в удобной форме анализировать данные исследования.</a:t>
-            </a:r>
-          </a:p>
-          <a:p>
-            <a:pPr>
-              <a:buFont typeface="Wingdings 3" pitchFamily="18" charset="2"/>
-              <a:buChar char="}"/>
-            </a:pPr>
-            <a:r>
-              <a:rPr lang="ru-RU" sz="2400" dirty="0"/>
-              <a:t>Библиотека обладает большими возможностями и потенциалом к дальнейшему развитию и улучшению.</a:t>
+              <a:t> </a:t>
             </a:r>
             <a:endParaRPr lang="ru-RU" sz="2400" dirty="0"/>
           </a:p>
@@ -6153,7 +6217,7 @@
 </p:sld>
 </file>
 
-<file path=ppt/slides/slide15.xml><?xml version="1.0" encoding="utf-8"?>
+<file path=ppt/slides/slide16.xml><?xml version="1.0" encoding="utf-8"?>
 <p:sld xmlns:a="http://schemas.openxmlformats.org/drawingml/2006/main" xmlns:r="http://schemas.openxmlformats.org/officeDocument/2006/relationships" xmlns:p="http://schemas.openxmlformats.org/presentationml/2006/main">
   <p:cSld>
     <p:spTree>
@@ -6273,12 +6337,6 @@
               </a:rPr>
               <a:t>Введение</a:t>
             </a:r>
-            <a:endParaRPr lang="ru-RU" sz="4000" i="1" dirty="0">
-              <a:solidFill>
-                <a:srgbClr val="800000"/>
-              </a:solidFill>
-              <a:latin typeface="+mn-lt"/>
-            </a:endParaRPr>
           </a:p>
         </p:txBody>
       </p:sp>
@@ -6292,12 +6350,79 @@
             <p:ph sz="quarter" idx="1"/>
           </p:nvPr>
         </p:nvSpPr>
-        <p:spPr/>
-        <p:txBody>
-          <a:bodyPr/>
-          <a:lstStyle/>
-          <a:p>
-            <a:endParaRPr lang="ru-RU" dirty="0"/>
+        <p:spPr>
+          <a:xfrm>
+            <a:off x="467544" y="1412776"/>
+            <a:ext cx="8229600" cy="5032216"/>
+          </a:xfrm>
+        </p:spPr>
+        <p:txBody>
+          <a:bodyPr>
+            <a:normAutofit/>
+          </a:bodyPr>
+          <a:lstStyle/>
+          <a:p>
+            <a:r>
+              <a:rPr lang="ru-RU" dirty="0" smtClean="0"/>
+              <a:t>Современная медицина использует доказательный </a:t>
+            </a:r>
+            <a:r>
+              <a:rPr lang="ru-RU" dirty="0"/>
+              <a:t>подход </a:t>
+            </a:r>
+            <a:r>
+              <a:rPr lang="ru-RU" dirty="0" smtClean="0"/>
+              <a:t>в </a:t>
+            </a:r>
+            <a:r>
+              <a:rPr lang="ru-RU" dirty="0"/>
+              <a:t>медицинской </a:t>
+            </a:r>
+            <a:r>
+              <a:rPr lang="ru-RU" dirty="0" smtClean="0"/>
+              <a:t>практике.</a:t>
+            </a:r>
+          </a:p>
+          <a:p>
+            <a:endParaRPr lang="ru-RU" dirty="0" smtClean="0"/>
+          </a:p>
+          <a:p>
+            <a:r>
+              <a:rPr lang="ru-RU" dirty="0" smtClean="0"/>
+              <a:t>Доказательный подход означает, что </a:t>
+            </a:r>
+            <a:r>
+              <a:rPr lang="ru-RU" dirty="0"/>
+              <a:t>каждое решение, </a:t>
+            </a:r>
+            <a:r>
+              <a:rPr lang="ru-RU" dirty="0" smtClean="0"/>
+              <a:t>по </a:t>
+            </a:r>
+            <a:r>
+              <a:rPr lang="ru-RU" dirty="0"/>
+              <a:t>выбору метода лечения, должно иметь научное обоснование</a:t>
+            </a:r>
+            <a:r>
+              <a:rPr lang="ru-RU" dirty="0" smtClean="0"/>
+              <a:t>.</a:t>
+            </a:r>
+          </a:p>
+          <a:p>
+            <a:endParaRPr lang="ru-RU" dirty="0" smtClean="0"/>
+          </a:p>
+          <a:p>
+            <a:r>
+              <a:rPr lang="ru-RU" dirty="0" smtClean="0"/>
+              <a:t>Научное обоснование базируется на </a:t>
+            </a:r>
+            <a:r>
+              <a:rPr lang="ru-RU" dirty="0"/>
+              <a:t>данных, полученных в ходе четко спланированного и документированного исследования, использующего методы статистического анализа.</a:t>
+            </a:r>
+          </a:p>
+          <a:p>
+            <a:endParaRPr lang="en-US" dirty="0" smtClean="0"/>
           </a:p>
         </p:txBody>
       </p:sp>
@@ -6314,6 +6439,97 @@
   <p:transition>
     <p:fade/>
   </p:transition>
+  <p:timing>
+    <p:tnLst>
+      <p:par>
+        <p:cTn id="1" dur="indefinite" restart="never" nodeType="tmRoot">
+          <p:childTnLst>
+            <p:seq concurrent="1" nextAc="seek">
+              <p:cTn id="2" dur="indefinite" nodeType="mainSeq">
+                <p:childTnLst>
+                  <p:par>
+                    <p:cTn id="3" fill="hold">
+                      <p:stCondLst>
+                        <p:cond delay="indefinite"/>
+                      </p:stCondLst>
+                      <p:childTnLst>
+                        <p:par>
+                          <p:cTn id="4" fill="hold">
+                            <p:stCondLst>
+                              <p:cond delay="0"/>
+                            </p:stCondLst>
+                            <p:childTnLst>
+                              <p:par>
+                                <p:cTn id="5" presetID="10" presetClass="entr" presetSubtype="0" fill="hold" nodeType="clickEffect">
+                                  <p:stCondLst>
+                                    <p:cond delay="0"/>
+                                  </p:stCondLst>
+                                  <p:childTnLst>
+                                    <p:set>
+                                      <p:cBhvr>
+                                        <p:cTn id="6" dur="1" fill="hold">
+                                          <p:stCondLst>
+                                            <p:cond delay="0"/>
+                                          </p:stCondLst>
+                                        </p:cTn>
+                                        <p:tgtEl>
+                                          <p:spTgt spid="3">
+                                            <p:txEl>
+                                              <p:pRg st="0" end="0"/>
+                                            </p:txEl>
+                                          </p:spTgt>
+                                        </p:tgtEl>
+                                        <p:attrNameLst>
+                                          <p:attrName>style.visibility</p:attrName>
+                                        </p:attrNameLst>
+                                      </p:cBhvr>
+                                      <p:to>
+                                        <p:strVal val="visible"/>
+                                      </p:to>
+                                    </p:set>
+                                    <p:animEffect transition="in" filter="fade">
+                                      <p:cBhvr>
+                                        <p:cTn id="7" dur="500"/>
+                                        <p:tgtEl>
+                                          <p:spTgt spid="3">
+                                            <p:txEl>
+                                              <p:pRg st="0" end="0"/>
+                                            </p:txEl>
+                                          </p:spTgt>
+                                        </p:tgtEl>
+                                      </p:cBhvr>
+                                    </p:animEffect>
+                                  </p:childTnLst>
+                                </p:cTn>
+                              </p:par>
+                            </p:childTnLst>
+                          </p:cTn>
+                        </p:par>
+                      </p:childTnLst>
+                    </p:cTn>
+                  </p:par>
+                </p:childTnLst>
+              </p:cTn>
+              <p:prevCondLst>
+                <p:cond evt="onPrev" delay="0">
+                  <p:tgtEl>
+                    <p:sldTgt/>
+                  </p:tgtEl>
+                </p:cond>
+              </p:prevCondLst>
+              <p:nextCondLst>
+                <p:cond evt="onNext" delay="0">
+                  <p:tgtEl>
+                    <p:sldTgt/>
+                  </p:tgtEl>
+                </p:cond>
+              </p:nextCondLst>
+            </p:seq>
+          </p:childTnLst>
+        </p:cTn>
+      </p:par>
+    </p:tnLst>
+  </p:timing>
 </p:sld>
 </file>
 
@@ -6346,9 +6562,7 @@
         </p:nvSpPr>
         <p:spPr/>
         <p:txBody>
-          <a:bodyPr>
-            <a:normAutofit/>
-          </a:bodyPr>
+          <a:bodyPr/>
           <a:lstStyle/>
           <a:p>
             <a:pPr algn="ctr"/>
@@ -6361,9 +6575,9 @@
               </a:rPr>
               <a:t>Актуальность работы</a:t>
             </a:r>
-            <a:endParaRPr lang="ru-RU" sz="4000" dirty="0">
+            <a:endParaRPr lang="ru-RU" sz="4000" i="1" dirty="0">
               <a:solidFill>
-                <a:schemeClr val="tx1"/>
+                <a:srgbClr val="800000"/>
               </a:solidFill>
               <a:latin typeface="+mn-lt"/>
             </a:endParaRPr>
@@ -6372,7 +6586,7 @@
       </p:sp>
       <p:sp>
         <p:nvSpPr>
-          <p:cNvPr id="3" name="Содержимое 2"/>
+          <p:cNvPr id="3" name="Объект 2"/>
           <p:cNvSpPr>
             <a:spLocks noGrp="1"/>
           </p:cNvSpPr>
@@ -6382,241 +6596,77 @@
         </p:nvSpPr>
         <p:spPr>
           <a:xfrm>
-            <a:off x="571472" y="1643050"/>
-            <a:ext cx="8153400" cy="4495800"/>
+            <a:off x="467544" y="1412776"/>
+            <a:ext cx="8229600" cy="5032216"/>
           </a:xfrm>
         </p:spPr>
         <p:txBody>
           <a:bodyPr>
-            <a:normAutofit fontScale="25000" lnSpcReduction="20000"/>
+            <a:normAutofit fontScale="92500" lnSpcReduction="10000"/>
           </a:bodyPr>
           <a:lstStyle/>
           <a:p>
-            <a:pPr indent="0">
-              <a:spcBef>
-                <a:spcPts val="0"/>
-              </a:spcBef>
-              <a:buNone/>
-            </a:pPr>
-            <a:r>
-              <a:rPr lang="ru-RU" sz="8000" b="1" i="1" dirty="0" smtClean="0">
-                <a:solidFill>
-                  <a:srgbClr val="FF0000"/>
-                </a:solidFill>
-                <a:cs typeface="Arial" pitchFamily="34" charset="0"/>
-              </a:rPr>
-              <a:t>Важная отрасль</a:t>
-            </a:r>
-            <a:r>
-              <a:rPr lang="ru-RU" sz="8000" b="1" i="1" dirty="0" smtClean="0">
-                <a:solidFill>
-                  <a:srgbClr val="FF0000"/>
-                </a:solidFill>
-                <a:cs typeface="Arial" pitchFamily="34" charset="0"/>
-              </a:rPr>
-              <a:t>: </a:t>
-            </a:r>
-            <a:r>
-              <a:rPr lang="ru-RU" sz="8000" dirty="0">
-                <a:cs typeface="Arial" pitchFamily="34" charset="0"/>
-              </a:rPr>
-              <a:t>Статистический анализ </a:t>
-            </a:r>
-            <a:r>
-              <a:rPr lang="ru-RU" sz="8000" dirty="0" smtClean="0">
-                <a:cs typeface="Arial" pitchFamily="34" charset="0"/>
-              </a:rPr>
-              <a:t> - это неотъемлемая часть практически </a:t>
-            </a:r>
-            <a:r>
-              <a:rPr lang="ru-RU" sz="8000" dirty="0">
-                <a:cs typeface="Arial" pitchFamily="34" charset="0"/>
-              </a:rPr>
-              <a:t>любого медицинского исследования, и только с его помощью можно объективно судить о результатах</a:t>
-            </a:r>
-            <a:r>
-              <a:rPr lang="ru-RU" sz="8000" dirty="0" smtClean="0">
-                <a:cs typeface="Arial" pitchFamily="34" charset="0"/>
-              </a:rPr>
-              <a:t>.</a:t>
-            </a:r>
-          </a:p>
-          <a:p>
-            <a:pPr indent="0">
-              <a:spcBef>
-                <a:spcPts val="0"/>
-              </a:spcBef>
-              <a:buNone/>
-            </a:pPr>
-            <a:endParaRPr lang="ru-RU" sz="8000" dirty="0" smtClean="0">
-              <a:cs typeface="Arial" pitchFamily="34" charset="0"/>
-            </a:endParaRPr>
-          </a:p>
-          <a:p>
-            <a:pPr indent="0">
-              <a:spcBef>
-                <a:spcPts val="0"/>
-              </a:spcBef>
-              <a:buNone/>
-            </a:pPr>
-            <a:r>
-              <a:rPr lang="ru-RU" sz="8000" b="1" i="1" dirty="0">
-                <a:solidFill>
-                  <a:srgbClr val="FF0000"/>
-                </a:solidFill>
-                <a:cs typeface="Arial" pitchFamily="34" charset="0"/>
-              </a:rPr>
+            <a:r>
+              <a:rPr lang="ru-RU" dirty="0" smtClean="0"/>
+              <a:t>Статистический </a:t>
+            </a:r>
+            <a:r>
+              <a:rPr lang="ru-RU" dirty="0"/>
+              <a:t>анализ  - это неотъемлемая часть практически любого медицинского исследования, и только с его помощью можно объективно судить о результатах.</a:t>
+            </a:r>
+          </a:p>
+          <a:p>
+            <a:endParaRPr lang="ru-RU" dirty="0"/>
+          </a:p>
+          <a:p>
+            <a:r>
+              <a:rPr lang="ru-RU" u="sng" dirty="0" smtClean="0"/>
               <a:t>Трудности:</a:t>
             </a:r>
             <a:r>
-              <a:rPr lang="ru-RU" sz="8000" dirty="0">
-                <a:cs typeface="Arial" pitchFamily="34" charset="0"/>
-              </a:rPr>
-              <a:t> </a:t>
-            </a:r>
-            <a:r>
-              <a:rPr lang="ru-RU" sz="8000" dirty="0" smtClean="0">
-                <a:cs typeface="Arial" pitchFamily="34" charset="0"/>
-              </a:rPr>
+              <a:rPr lang="ru-RU" dirty="0" smtClean="0"/>
               <a:t> Опечатки </a:t>
             </a:r>
             <a:r>
-              <a:rPr lang="ru-RU" sz="8000" dirty="0">
-                <a:cs typeface="Arial" pitchFamily="34" charset="0"/>
-              </a:rPr>
-              <a:t>и пропуски отдельных значений в данных исследований являются постоянной проблемой. </a:t>
-            </a:r>
-            <a:r>
-              <a:rPr lang="ru-RU" sz="8000" dirty="0" smtClean="0">
-                <a:cs typeface="Arial" pitchFamily="34" charset="0"/>
-              </a:rPr>
-              <a:t>Другой важной проблемой, серьезно влияющей на  работу статистических моделей, является </a:t>
-            </a:r>
-            <a:r>
-              <a:rPr lang="ru-RU" sz="8000" dirty="0">
-                <a:cs typeface="Arial" pitchFamily="34" charset="0"/>
-              </a:rPr>
-              <a:t>наличие выбросов. </a:t>
-            </a:r>
-            <a:r>
-              <a:rPr lang="ru-RU" sz="8000" dirty="0" smtClean="0">
-                <a:cs typeface="Arial" pitchFamily="34" charset="0"/>
-              </a:rPr>
-              <a:t> Нарушение нормальности распределения данных влияет на выбор статистического метода.</a:t>
-            </a:r>
-            <a:endParaRPr lang="ru-RU" sz="3200" dirty="0"/>
-          </a:p>
-          <a:p>
-            <a:pPr indent="0">
-              <a:spcBef>
-                <a:spcPts val="0"/>
-              </a:spcBef>
-              <a:buNone/>
-            </a:pPr>
-            <a:endParaRPr lang="ru-RU" sz="8000" dirty="0">
-              <a:cs typeface="Arial" pitchFamily="34" charset="0"/>
-            </a:endParaRPr>
-          </a:p>
-          <a:p>
-            <a:pPr indent="0">
-              <a:spcBef>
-                <a:spcPts val="0"/>
-              </a:spcBef>
-              <a:buNone/>
-            </a:pPr>
-            <a:r>
-              <a:rPr lang="ru-RU" sz="8000" b="1" i="1" dirty="0">
-                <a:solidFill>
-                  <a:srgbClr val="FF0000"/>
-                </a:solidFill>
-                <a:cs typeface="Arial" pitchFamily="34" charset="0"/>
-              </a:rPr>
+              <a:rPr lang="ru-RU" dirty="0"/>
+              <a:t>и пропуски отдельных значений в данных исследований являются постоянной проблемой. Другой важной </a:t>
+            </a:r>
+            <a:r>
+              <a:rPr lang="ru-RU" dirty="0" smtClean="0"/>
+              <a:t>проблемой, серьезно влияющей на  работу статистических моделей, является </a:t>
+            </a:r>
+            <a:r>
+              <a:rPr lang="ru-RU" dirty="0"/>
+              <a:t>наличие выбросов.  Нарушение нормальности распределения данных влияет на выбор статистического метода.</a:t>
+            </a:r>
+          </a:p>
+          <a:p>
+            <a:endParaRPr lang="ru-RU" dirty="0"/>
+          </a:p>
+          <a:p>
+            <a:r>
+              <a:rPr lang="ru-RU" u="sng" dirty="0"/>
               <a:t>Решение: </a:t>
             </a:r>
             <a:r>
-              <a:rPr lang="ru-RU" sz="8000" b="1" i="1" dirty="0" smtClean="0">
-                <a:solidFill>
-                  <a:srgbClr val="FF0000"/>
-                </a:solidFill>
-                <a:cs typeface="Arial" pitchFamily="34" charset="0"/>
-              </a:rPr>
-              <a:t> </a:t>
-            </a:r>
-            <a:r>
-              <a:rPr lang="ru-RU" sz="8000" dirty="0" smtClean="0">
-                <a:cs typeface="Arial" pitchFamily="34" charset="0"/>
-              </a:rPr>
-              <a:t>Проверка </a:t>
-            </a:r>
-            <a:r>
-              <a:rPr lang="ru-RU" sz="8000" dirty="0">
-                <a:cs typeface="Arial" pitchFamily="34" charset="0"/>
-              </a:rPr>
-              <a:t>начальных данных на валидность </a:t>
-            </a:r>
-            <a:r>
-              <a:rPr lang="ru-RU" sz="8000" dirty="0" smtClean="0">
-                <a:cs typeface="Arial" pitchFamily="34" charset="0"/>
-              </a:rPr>
-              <a:t>перед </a:t>
-            </a:r>
-            <a:r>
-              <a:rPr lang="ru-RU" sz="8000" dirty="0">
-                <a:cs typeface="Arial" pitchFamily="34" charset="0"/>
-              </a:rPr>
-              <a:t>проведением статистического </a:t>
-            </a:r>
-            <a:r>
-              <a:rPr lang="ru-RU" sz="8000" dirty="0" smtClean="0">
-                <a:cs typeface="Arial" pitchFamily="34" charset="0"/>
-              </a:rPr>
-              <a:t>анализа.</a:t>
-            </a:r>
-          </a:p>
-          <a:p>
-            <a:pPr indent="0">
-              <a:spcBef>
-                <a:spcPts val="0"/>
-              </a:spcBef>
-              <a:buNone/>
-            </a:pPr>
-            <a:endParaRPr lang="ru-RU" sz="8000" dirty="0">
-              <a:cs typeface="Arial" pitchFamily="34" charset="0"/>
-            </a:endParaRPr>
-          </a:p>
-          <a:p>
-            <a:pPr indent="0">
-              <a:spcBef>
-                <a:spcPts val="0"/>
-              </a:spcBef>
-              <a:buNone/>
-            </a:pPr>
-            <a:r>
-              <a:rPr lang="ru-RU" sz="8000" b="1" i="1" dirty="0" smtClean="0">
-                <a:solidFill>
-                  <a:srgbClr val="FF0000"/>
-                </a:solidFill>
-                <a:cs typeface="Arial" pitchFamily="34" charset="0"/>
-              </a:rPr>
-              <a:t>Текущее положение дел:  </a:t>
-            </a:r>
-            <a:r>
-              <a:rPr lang="ru-RU" sz="8000" dirty="0">
-                <a:cs typeface="Arial" pitchFamily="34" charset="0"/>
-              </a:rPr>
-              <a:t>На данный момент валидизация данных зачастую осуществляется при помощи визуальной «ручной» проверки. </a:t>
-            </a:r>
-            <a:r>
-              <a:rPr lang="ru-RU" sz="8000" dirty="0" smtClean="0">
-                <a:cs typeface="Arial" pitchFamily="34" charset="0"/>
-              </a:rPr>
-              <a:t> Отсутствую стандартные алгоритмы первоначальной обработки.</a:t>
-            </a:r>
+              <a:rPr lang="ru-RU" dirty="0"/>
+              <a:t> Проверка начальных данных на валидность перед проведением статистического анализа.</a:t>
+            </a:r>
+          </a:p>
+          <a:p>
             <a:endParaRPr lang="ru-RU" dirty="0"/>
           </a:p>
+          <a:p>
+            <a:endParaRPr lang="en-US" dirty="0" smtClean="0"/>
+          </a:p>
         </p:txBody>
       </p:sp>
     </p:spTree>
+    <p:extLst>
+      <p:ext uri="{BB962C8B-B14F-4D97-AF65-F5344CB8AC3E}">
+        <p14:creationId xmlns:p14="http://schemas.microsoft.com/office/powerpoint/2010/main" val="545166999"/>
+      </p:ext>
+    </p:extLst>
   </p:cSld>
   <p:clrMapOvr>
     <a:masterClrMapping/>
@@ -6668,15 +6718,24 @@
           </a:bodyPr>
           <a:lstStyle/>
           <a:p>
-            <a:pPr algn="ctr"/>
-            <a:r>
-              <a:rPr lang="ru-RU" sz="4000" i="1" dirty="0" smtClean="0">
+            <a:pPr marL="0" indent="0" algn="ctr"/>
+            <a:r>
+              <a:rPr lang="ru-RU" sz="4000" i="1" dirty="0">
                 <a:solidFill>
                   <a:srgbClr val="800000"/>
                 </a:solidFill>
                 <a:latin typeface="+mn-lt"/>
               </a:rPr>
-              <a:t>Новый подход</a:t>
+              <a:t>Текущее положение </a:t>
+            </a:r>
+            <a:r>
+              <a:rPr lang="ru-RU" sz="4000" i="1" dirty="0">
+                <a:solidFill>
+                  <a:srgbClr val="800000"/>
+                </a:solidFill>
+                <a:latin typeface="+mn-lt"/>
+              </a:rPr>
+              <a:t>дел</a:t>
             </a:r>
             <a:endParaRPr lang="ru-RU" sz="4000" i="1" dirty="0">
               <a:solidFill>
@@ -6689,88 +6748,67 @@
       </p:sp>
       <p:sp>
         <p:nvSpPr>
-          <p:cNvPr id="4" name="Прямоугольник 3"/>
-          <p:cNvSpPr/>
-          <p:nvPr/>
+          <p:cNvPr id="3" name="Содержимое 2"/>
+          <p:cNvSpPr>
+            <a:spLocks noGrp="1"/>
+          </p:cNvSpPr>
+          <p:nvPr>
+            <p:ph sz="quarter" idx="1"/>
+          </p:nvPr>
         </p:nvSpPr>
         <p:spPr>
           <a:xfrm>
-            <a:off x="4396602" y="5085184"/>
-            <a:ext cx="4747398" cy="1292662"/>
-          </a:xfrm>
-          <a:prstGeom prst="rect">
-            <a:avLst/>
-          </a:prstGeom>
-        </p:spPr>
-        <p:txBody>
-          <a:bodyPr wrap="square">
-            <a:spAutoFit/>
+            <a:off x="539552" y="1484784"/>
+            <a:ext cx="8153400" cy="4495800"/>
+          </a:xfrm>
+        </p:spPr>
+        <p:txBody>
+          <a:bodyPr>
+            <a:noAutofit/>
           </a:bodyPr>
           <a:lstStyle/>
           <a:p>
-            <a:pPr marL="514350" indent="-514350"/>
-            <a:r>
-              <a:rPr lang="en-US" sz="2000" dirty="0" smtClean="0">
-                <a:latin typeface="Calibri" pitchFamily="34" charset="0"/>
-              </a:rPr>
-              <a:t>3. </a:t>
-            </a:r>
-            <a:r>
-              <a:rPr lang="en-US" sz="2000" dirty="0" smtClean="0"/>
-              <a:t>	</a:t>
-            </a:r>
-            <a:r>
-              <a:rPr lang="ru-RU" sz="2000" dirty="0" smtClean="0"/>
-              <a:t>Моделирование поведения структуры заряда методом клеточных автоматов. </a:t>
-            </a:r>
-          </a:p>
-          <a:p>
-            <a:pPr marL="514350" indent="-514350"/>
-            <a:endParaRPr lang="ru-RU" dirty="0"/>
-          </a:p>
-        </p:txBody>
-      </p:sp>
-      <p:sp>
-        <p:nvSpPr>
-          <p:cNvPr id="6" name="Прямоугольник 5"/>
-          <p:cNvSpPr/>
-          <p:nvPr/>
-        </p:nvSpPr>
-        <p:spPr>
-          <a:xfrm>
-            <a:off x="2643174" y="3143248"/>
-            <a:ext cx="5169186" cy="1600438"/>
-          </a:xfrm>
-          <a:prstGeom prst="rect">
-            <a:avLst/>
-          </a:prstGeom>
-        </p:spPr>
-        <p:txBody>
-          <a:bodyPr wrap="square">
-            <a:spAutoFit/>
-          </a:bodyPr>
-          <a:lstStyle/>
-          <a:p>
-            <a:pPr marL="457200" indent="-457200"/>
-            <a:r>
-              <a:rPr lang="en-US" sz="2000" dirty="0" smtClean="0">
-                <a:latin typeface="Calibri" pitchFamily="34" charset="0"/>
-              </a:rPr>
-              <a:t>2. 	</a:t>
-            </a:r>
-            <a:r>
-              <a:rPr lang="ru-RU" sz="2000" dirty="0" smtClean="0">
-                <a:latin typeface="Calibri" pitchFamily="34" charset="0"/>
-                <a:cs typeface="Times New Roman" pitchFamily="18" charset="0"/>
-              </a:rPr>
-              <a:t>Представление формы в виде совокупности кубических ячеек–клеток, обладающих заданным набором свойств.</a:t>
-            </a:r>
-            <a:endParaRPr lang="ru-RU" sz="2000" dirty="0" smtClean="0">
-              <a:latin typeface="Calibri" pitchFamily="34" charset="0"/>
-            </a:endParaRPr>
-          </a:p>
-          <a:p>
-            <a:pPr marL="342900" indent="-342900"/>
+            <a:r>
+              <a:rPr lang="ru-RU" dirty="0" smtClean="0"/>
+              <a:t>На </a:t>
+            </a:r>
+            <a:r>
+              <a:rPr lang="ru-RU" dirty="0"/>
+              <a:t>данный момент выполнение этих процедур происходит в ручном режиме</a:t>
+            </a:r>
+            <a:r>
+              <a:rPr lang="ru-RU" dirty="0" smtClean="0"/>
+              <a:t>.</a:t>
+            </a:r>
+          </a:p>
+          <a:p>
+            <a:endParaRPr lang="ru-RU" dirty="0" smtClean="0"/>
+          </a:p>
+          <a:p>
+            <a:r>
+              <a:rPr lang="ru-RU" dirty="0" smtClean="0"/>
+              <a:t> </a:t>
+            </a:r>
+            <a:r>
+              <a:rPr lang="ru-RU" dirty="0"/>
+              <a:t>Такой подход является неэффективным из-за невнимательности проверяющего человека. </a:t>
+            </a:r>
+            <a:endParaRPr lang="ru-RU" dirty="0" smtClean="0"/>
+          </a:p>
+          <a:p>
+            <a:endParaRPr lang="ru-RU" dirty="0" smtClean="0"/>
+          </a:p>
+          <a:p>
+            <a:r>
+              <a:rPr lang="ru-RU" dirty="0" smtClean="0"/>
+              <a:t>При </a:t>
+            </a:r>
+            <a:r>
+              <a:rPr lang="ru-RU" dirty="0"/>
+              <a:t>таком подходе не возможно обработать большой объем данных за разумное время.</a:t>
+            </a:r>
+          </a:p>
+          <a:p>
             <a:endParaRPr lang="ru-RU" dirty="0"/>
           </a:p>
         </p:txBody>
@@ -6835,7 +6873,7 @@
                 </a:solidFill>
                 <a:latin typeface="+mn-lt"/>
               </a:rPr>
-              <a:t>Задачи</a:t>
+              <a:t>Новый подход</a:t>
             </a:r>
             <a:endParaRPr lang="ru-RU" sz="4000" i="1" dirty="0">
               <a:solidFill>
@@ -6848,112 +6886,107 @@
       </p:sp>
       <p:sp>
         <p:nvSpPr>
-          <p:cNvPr id="3" name="Содержимое 2"/>
-          <p:cNvSpPr>
-            <a:spLocks noGrp="1"/>
-          </p:cNvSpPr>
-          <p:nvPr>
-            <p:ph sz="quarter" idx="1"/>
-          </p:nvPr>
+          <p:cNvPr id="5" name="Прямоугольник 4"/>
+          <p:cNvSpPr/>
+          <p:nvPr/>
         </p:nvSpPr>
         <p:spPr>
           <a:xfrm>
-            <a:off x="467544" y="1412776"/>
-            <a:ext cx="8229600" cy="4937760"/>
-          </a:xfrm>
-        </p:spPr>
-        <p:txBody>
-          <a:bodyPr>
-            <a:normAutofit/>
+            <a:off x="467544" y="1484784"/>
+            <a:ext cx="8280920" cy="4401205"/>
+          </a:xfrm>
+          <a:prstGeom prst="rect">
+            <a:avLst/>
+          </a:prstGeom>
+        </p:spPr>
+        <p:txBody>
+          <a:bodyPr wrap="square">
+            <a:spAutoFit/>
           </a:bodyPr>
           <a:lstStyle/>
           <a:p>
-            <a:pPr lvl="0"/>
-            <a:r>
-              <a:rPr lang="ru-RU" sz="2800" dirty="0"/>
-              <a:t>Поиск пропущенных </a:t>
-            </a:r>
-            <a:r>
-              <a:rPr lang="ru-RU" sz="2800" dirty="0" smtClean="0"/>
-              <a:t>значений.</a:t>
-            </a:r>
-            <a:endParaRPr lang="ru-RU" sz="2800" dirty="0"/>
-          </a:p>
-          <a:p>
-            <a:pPr lvl="0"/>
-            <a:r>
-              <a:rPr lang="ru-RU" sz="2800" dirty="0"/>
-              <a:t>Поиск опечаток.</a:t>
-            </a:r>
-          </a:p>
-          <a:p>
-            <a:pPr lvl="0"/>
-            <a:r>
-              <a:rPr lang="ru-RU" sz="2800" dirty="0"/>
-              <a:t>Поиск «выдающихся значений» или «выбросов».</a:t>
-            </a:r>
-          </a:p>
-          <a:p>
-            <a:pPr lvl="0"/>
-            <a:r>
-              <a:rPr lang="ru-RU" sz="2800" dirty="0"/>
-              <a:t>Выявление непоследовательных дат.</a:t>
-            </a:r>
-          </a:p>
-          <a:p>
-            <a:pPr lvl="0"/>
-            <a:r>
-              <a:rPr lang="ru-RU" sz="2800" dirty="0"/>
-              <a:t>Исследование нормальности распределений методами Шапиро-</a:t>
-            </a:r>
-            <a:r>
-              <a:rPr lang="ru-RU" sz="2800" dirty="0" err="1"/>
-              <a:t>Уилка</a:t>
-            </a:r>
-            <a:r>
-              <a:rPr lang="ru-RU" sz="2800" dirty="0"/>
-              <a:t>, Андерсона-Дарлинга, </a:t>
-            </a:r>
-            <a:r>
-              <a:rPr lang="ru-RU" sz="2800" dirty="0" err="1"/>
-              <a:t>Крамера</a:t>
-            </a:r>
-            <a:r>
-              <a:rPr lang="ru-RU" sz="2800" dirty="0"/>
-              <a:t>-фон </a:t>
-            </a:r>
-            <a:r>
-              <a:rPr lang="ru-RU" sz="2800" dirty="0" err="1"/>
-              <a:t>Мизеса</a:t>
-            </a:r>
-            <a:r>
-              <a:rPr lang="ru-RU" sz="2800" dirty="0"/>
-              <a:t>, </a:t>
-            </a:r>
-            <a:r>
-              <a:rPr lang="ru-RU" sz="2800" dirty="0" err="1"/>
-              <a:t>Лиллиефорса</a:t>
-            </a:r>
-            <a:r>
-              <a:rPr lang="ru-RU" sz="2800" dirty="0"/>
-              <a:t>, </a:t>
-            </a:r>
-            <a:r>
-              <a:rPr lang="ru-RU" sz="2800" dirty="0" smtClean="0"/>
-              <a:t>Шапиро-</a:t>
-            </a:r>
-            <a:r>
-              <a:rPr lang="ru-RU" sz="2800" dirty="0" err="1" smtClean="0"/>
-              <a:t>Франчиа</a:t>
-            </a:r>
-            <a:r>
-              <a:rPr lang="ru-RU" sz="2800" dirty="0" smtClean="0"/>
+            <a:pPr marL="274320" indent="-274320">
+              <a:spcBef>
+                <a:spcPts val="600"/>
+              </a:spcBef>
+              <a:buClr>
+                <a:schemeClr val="accent1"/>
+              </a:buClr>
+              <a:buSzPct val="76000"/>
+              <a:buFont typeface="Wingdings 3"/>
+              <a:buChar char=""/>
+            </a:pPr>
+            <a:r>
+              <a:rPr lang="ru-RU" sz="2600" dirty="0"/>
+              <a:t>Создание библиотеки алгоритмов для статистического анализа данных клинических исследований в параллельных группах </a:t>
+            </a:r>
+            <a:r>
+              <a:rPr lang="ru-RU" sz="2600" dirty="0"/>
               <a:t>.</a:t>
             </a:r>
-            <a:endParaRPr lang="ru-RU" sz="2800" dirty="0" smtClean="0"/>
-          </a:p>
-          <a:p>
-            <a:endParaRPr lang="ru-RU" sz="2000" dirty="0"/>
+          </a:p>
+          <a:p>
+            <a:pPr marL="274320" indent="-274320">
+              <a:spcBef>
+                <a:spcPts val="600"/>
+              </a:spcBef>
+              <a:buClr>
+                <a:schemeClr val="accent1"/>
+              </a:buClr>
+              <a:buSzPct val="76000"/>
+              <a:buFont typeface="Wingdings 3"/>
+              <a:buChar char=""/>
+            </a:pPr>
+            <a:endParaRPr lang="ru-RU" sz="2600" dirty="0"/>
+          </a:p>
+          <a:p>
+            <a:pPr marL="274320" indent="-274320">
+              <a:spcBef>
+                <a:spcPts val="600"/>
+              </a:spcBef>
+              <a:buClr>
+                <a:schemeClr val="accent1"/>
+              </a:buClr>
+              <a:buSzPct val="76000"/>
+              <a:buFont typeface="Wingdings 3"/>
+              <a:buChar char=""/>
+            </a:pPr>
+            <a:r>
+              <a:rPr lang="ru-RU" sz="2600" dirty="0" smtClean="0"/>
+              <a:t>Программная </a:t>
+            </a:r>
+            <a:r>
+              <a:rPr lang="ru-RU" sz="2600" dirty="0"/>
+              <a:t>проверка существенно ускорит дальнейший анализ, а так же окажется более эффективной по сравнению с проверкой, выполняемой в ручном режиме.</a:t>
+            </a:r>
+          </a:p>
+          <a:p>
+            <a:pPr marL="457200" indent="-457200">
+              <a:spcBef>
+                <a:spcPts val="600"/>
+              </a:spcBef>
+              <a:buClr>
+                <a:schemeClr val="accent1"/>
+              </a:buClr>
+              <a:buSzPct val="76000"/>
+              <a:buFont typeface="Wingdings" panose="05000000000000000000" pitchFamily="2" charset="2"/>
+              <a:buChar char="Ø"/>
+            </a:pPr>
+            <a:endParaRPr lang="ru-RU" sz="2600" dirty="0"/>
+          </a:p>
+          <a:p>
+            <a:pPr marL="457200" indent="-457200">
+              <a:spcBef>
+                <a:spcPts val="600"/>
+              </a:spcBef>
+              <a:buClr>
+                <a:schemeClr val="accent1"/>
+              </a:buClr>
+              <a:buSzPct val="76000"/>
+              <a:buFont typeface="Wingdings" panose="05000000000000000000" pitchFamily="2" charset="2"/>
+              <a:buChar char="Ø"/>
+            </a:pPr>
+            <a:endParaRPr lang="ru-RU" sz="2600" dirty="0"/>
           </a:p>
         </p:txBody>
       </p:sp>
@@ -7002,12 +7035,7 @@
             <p:ph type="title"/>
           </p:nvPr>
         </p:nvSpPr>
-        <p:spPr>
-          <a:xfrm>
-            <a:off x="457200" y="116632"/>
-            <a:ext cx="8229600" cy="990600"/>
-          </a:xfrm>
-        </p:spPr>
+        <p:spPr/>
         <p:txBody>
           <a:bodyPr>
             <a:normAutofit/>
@@ -7022,7 +7050,7 @@
                 </a:solidFill>
                 <a:latin typeface="+mn-lt"/>
               </a:rPr>
-              <a:t>Распространение волны горения</a:t>
+              <a:t>Задачи</a:t>
             </a:r>
             <a:endParaRPr lang="ru-RU" sz="4000" i="1" dirty="0">
               <a:solidFill>
@@ -7043,469 +7071,92 @@
             <p:ph sz="quarter" idx="1"/>
           </p:nvPr>
         </p:nvSpPr>
-        <p:spPr/>
-        <p:txBody>
-          <a:bodyPr/>
-          <a:lstStyle/>
-          <a:p>
-            <a:pPr>
-              <a:buNone/>
-            </a:pPr>
-            <a:r>
-              <a:rPr lang="ru-RU" sz="2400" dirty="0" smtClean="0"/>
-              <a:t>Время сгорания клетки зависит</a:t>
-            </a:r>
-            <a:r>
-              <a:rPr lang="en-US" sz="2400" dirty="0" smtClean="0"/>
-              <a:t> </a:t>
-            </a:r>
-            <a:r>
-              <a:rPr lang="ru-RU" sz="2400" dirty="0" smtClean="0"/>
-              <a:t>от</a:t>
-            </a:r>
-            <a:r>
-              <a:rPr lang="en-US" sz="2400" dirty="0" smtClean="0"/>
-              <a:t>:</a:t>
-            </a:r>
-          </a:p>
-          <a:p>
-            <a:r>
-              <a:rPr lang="ru-RU" sz="2400" dirty="0" smtClean="0"/>
-              <a:t> индивидуальной скорости горения вещества, заполняющего клетку</a:t>
-            </a:r>
-            <a:endParaRPr lang="en-US" sz="2400" dirty="0" smtClean="0"/>
-          </a:p>
-          <a:p>
-            <a:r>
-              <a:rPr lang="ru-RU" sz="2400" dirty="0" smtClean="0"/>
-              <a:t> её геометрического окружения</a:t>
+        <p:spPr>
+          <a:xfrm>
+            <a:off x="467544" y="1412776"/>
+            <a:ext cx="8229600" cy="4793744"/>
+          </a:xfrm>
+        </p:spPr>
+        <p:txBody>
+          <a:bodyPr>
+            <a:normAutofit lnSpcReduction="10000"/>
+          </a:bodyPr>
+          <a:lstStyle/>
+          <a:p>
+            <a:r>
+              <a:rPr lang="ru-RU" dirty="0"/>
+              <a:t>Выявление пропущенных значений (незаполненных полей</a:t>
+            </a:r>
+            <a:r>
+              <a:rPr lang="ru-RU" dirty="0" smtClean="0"/>
+              <a:t>).</a:t>
             </a:r>
           </a:p>
           <a:p>
             <a:endParaRPr lang="ru-RU" dirty="0"/>
           </a:p>
-        </p:txBody>
-      </p:sp>
-      <p:sp>
-        <p:nvSpPr>
-          <p:cNvPr id="4" name="TextBox 3"/>
-          <p:cNvSpPr txBox="1"/>
-          <p:nvPr/>
-        </p:nvSpPr>
-        <p:spPr>
-          <a:xfrm>
-            <a:off x="1785918" y="3214686"/>
-            <a:ext cx="6048672" cy="369332"/>
-          </a:xfrm>
-          <a:prstGeom prst="rect">
-            <a:avLst/>
-          </a:prstGeom>
-          <a:noFill/>
-        </p:spPr>
-        <p:txBody>
-          <a:bodyPr wrap="square" rtlCol="0">
-            <a:spAutoFit/>
-          </a:bodyPr>
-          <a:lstStyle/>
-          <a:p>
-            <a:pPr algn="ctr"/>
+          <a:p>
+            <a:pPr lvl="0"/>
+            <a:r>
+              <a:rPr lang="ru-RU" dirty="0"/>
+              <a:t>Поиск опечаток</a:t>
+            </a:r>
             <a:r>
               <a:rPr lang="ru-RU" dirty="0" smtClean="0"/>
-              <a:t>Ускоряющие коэффициенты </a:t>
-            </a:r>
-            <a:r>
-              <a:rPr lang="en-US" i="1" dirty="0" err="1" smtClean="0"/>
-              <a:t>koef</a:t>
-            </a:r>
-            <a:endParaRPr lang="ru-RU" i="1" dirty="0"/>
-          </a:p>
-        </p:txBody>
-      </p:sp>
-      <p:sp>
-        <p:nvSpPr>
-          <p:cNvPr id="5" name="Rectangle 18"/>
-          <p:cNvSpPr>
-            <a:spLocks noChangeArrowheads="1"/>
-          </p:cNvSpPr>
-          <p:nvPr/>
-        </p:nvSpPr>
-        <p:spPr bwMode="auto">
-          <a:xfrm>
-            <a:off x="1785918" y="3718742"/>
-            <a:ext cx="6192838" cy="2520950"/>
-          </a:xfrm>
-          <a:prstGeom prst="rect">
-            <a:avLst/>
-          </a:prstGeom>
-          <a:solidFill>
-            <a:schemeClr val="accent4">
-              <a:lumMod val="20000"/>
-              <a:lumOff val="80000"/>
-            </a:schemeClr>
-          </a:solidFill>
-          <a:ln w="9525">
-            <a:solidFill>
-              <a:schemeClr val="tx1"/>
-            </a:solidFill>
-            <a:miter lim="800000"/>
-            <a:headEnd/>
-            <a:tailEnd/>
-          </a:ln>
-          <a:effectLst/>
-        </p:spPr>
-        <p:txBody>
-          <a:bodyPr wrap="none" anchor="ctr"/>
-          <a:lstStyle/>
-          <a:p>
-            <a:endParaRPr lang="ru-RU"/>
-          </a:p>
-        </p:txBody>
-      </p:sp>
-      <p:graphicFrame>
-        <p:nvGraphicFramePr>
-          <p:cNvPr id="6" name="Object 7"/>
-          <p:cNvGraphicFramePr>
-            <a:graphicFrameLocks noChangeAspect="1"/>
-          </p:cNvGraphicFramePr>
-          <p:nvPr/>
-        </p:nvGraphicFramePr>
-        <p:xfrm>
-          <a:off x="1928794" y="5643578"/>
-          <a:ext cx="519236" cy="513937"/>
-        </p:xfrm>
-        <a:graphic>
-          <a:graphicData uri="http://schemas.openxmlformats.org/presentationml/2006/ole">
-            <mc:AlternateContent xmlns:mc="http://schemas.openxmlformats.org/markup-compatibility/2006">
-              <mc:Choice xmlns:v="urn:schemas-microsoft-com:vml" Requires="v">
-                <p:oleObj spid="_x0000_s1028" name="Точечный рисунок" r:id="rId3" imgW="777307" imgH="769687" progId="PBrush">
-                  <p:embed/>
-                </p:oleObj>
-              </mc:Choice>
-              <mc:Fallback>
-                <p:oleObj name="Точечный рисунок" r:id="rId3" imgW="777307" imgH="769687" progId="PBrush">
-                  <p:embed/>
-                  <p:pic>
-                    <p:nvPicPr>
-                      <p:cNvPr id="0" name="Picture 2"/>
-                      <p:cNvPicPr>
-                        <a:picLocks noChangeAspect="1" noChangeArrowheads="1"/>
-                      </p:cNvPicPr>
-                      <p:nvPr/>
-                    </p:nvPicPr>
-                    <p:blipFill>
-                      <a:blip r:embed="rId4">
-                        <a:extLst>
-                          <a:ext uri="{28A0092B-C50C-407E-A947-70E740481C1C}">
-                            <a14:useLocalDpi xmlns:a14="http://schemas.microsoft.com/office/drawing/2010/main" val="0"/>
-                          </a:ext>
-                        </a:extLst>
-                      </a:blip>
-                      <a:srcRect/>
-                      <a:stretch>
-                        <a:fillRect/>
-                      </a:stretch>
-                    </p:blipFill>
-                    <p:spPr bwMode="auto">
-                      <a:xfrm>
-                        <a:off x="1928794" y="5643578"/>
-                        <a:ext cx="519236" cy="513937"/>
-                      </a:xfrm>
-                      <a:prstGeom prst="rect">
-                        <a:avLst/>
-                      </a:prstGeom>
-                      <a:noFill/>
-                      <a:extLst>
-                        <a:ext uri="{909E8E84-426E-40DD-AFC4-6F175D3DCCD1}">
-                          <a14:hiddenFill xmlns:a14="http://schemas.microsoft.com/office/drawing/2010/main">
-                            <a:solidFill>
-                              <a:srgbClr val="FFFFFF"/>
-                            </a:solidFill>
-                          </a14:hiddenFill>
-                        </a:ext>
-                      </a:extLst>
-                    </p:spPr>
-                  </p:pic>
-                </p:oleObj>
-              </mc:Fallback>
-            </mc:AlternateContent>
-          </a:graphicData>
-        </a:graphic>
-      </p:graphicFrame>
-      <p:sp>
-        <p:nvSpPr>
-          <p:cNvPr id="7" name="Text Box 12"/>
-          <p:cNvSpPr txBox="1">
-            <a:spLocks noChangeArrowheads="1"/>
-          </p:cNvSpPr>
-          <p:nvPr/>
-        </p:nvSpPr>
-        <p:spPr bwMode="auto">
-          <a:xfrm>
-            <a:off x="2725713" y="4286622"/>
-            <a:ext cx="2950616" cy="369332"/>
-          </a:xfrm>
-          <a:prstGeom prst="rect">
-            <a:avLst/>
-          </a:prstGeom>
-          <a:noFill/>
-          <a:ln w="9525">
-            <a:noFill/>
-            <a:miter lim="800000"/>
-            <a:headEnd/>
-            <a:tailEnd/>
-          </a:ln>
-          <a:effectLst/>
-        </p:spPr>
-        <p:txBody>
-          <a:bodyPr wrap="none">
-            <a:spAutoFit/>
-          </a:bodyPr>
-          <a:lstStyle/>
-          <a:p>
+              <a:t>.</a:t>
+            </a:r>
+          </a:p>
+          <a:p>
+            <a:pPr lvl="0"/>
+            <a:endParaRPr lang="ru-RU" dirty="0"/>
+          </a:p>
+          <a:p>
+            <a:pPr lvl="0"/>
             <a:r>
               <a:rPr lang="ru-RU" dirty="0"/>
-              <a:t>Горит с одной грани</a:t>
-            </a:r>
-            <a:r>
-              <a:rPr lang="en-US" dirty="0"/>
-              <a:t> </a:t>
-            </a:r>
-            <a:r>
-              <a:rPr lang="en-US" b="1" dirty="0" err="1" smtClean="0">
-                <a:solidFill>
-                  <a:srgbClr val="FF3300"/>
-                </a:solidFill>
-              </a:rPr>
-              <a:t>koef</a:t>
-            </a:r>
-            <a:r>
-              <a:rPr lang="en-US" b="1" dirty="0" smtClean="0">
-                <a:solidFill>
-                  <a:srgbClr val="FF3300"/>
-                </a:solidFill>
-              </a:rPr>
-              <a:t>=1</a:t>
-            </a:r>
-            <a:endParaRPr lang="ru-RU" b="1" dirty="0">
-              <a:solidFill>
-                <a:srgbClr val="FF3300"/>
-              </a:solidFill>
-            </a:endParaRPr>
-          </a:p>
-        </p:txBody>
-      </p:sp>
-      <p:sp>
-        <p:nvSpPr>
-          <p:cNvPr id="9" name="Text Box 16"/>
-          <p:cNvSpPr txBox="1">
-            <a:spLocks noChangeArrowheads="1"/>
-          </p:cNvSpPr>
-          <p:nvPr/>
-        </p:nvSpPr>
-        <p:spPr bwMode="auto">
-          <a:xfrm>
-            <a:off x="2746351" y="4935909"/>
-            <a:ext cx="4685706" cy="369332"/>
-          </a:xfrm>
-          <a:prstGeom prst="rect">
-            <a:avLst/>
-          </a:prstGeom>
-          <a:noFill/>
-          <a:ln w="9525">
-            <a:noFill/>
-            <a:miter lim="800000"/>
-            <a:headEnd/>
-            <a:tailEnd/>
-          </a:ln>
-          <a:effectLst/>
-        </p:spPr>
-        <p:txBody>
-          <a:bodyPr wrap="none">
-            <a:spAutoFit/>
-          </a:bodyPr>
-          <a:lstStyle/>
-          <a:p>
+              <a:t>Поиск «выдающихся значений» или «выбросов</a:t>
+            </a:r>
+            <a:r>
+              <a:rPr lang="ru-RU" dirty="0" smtClean="0"/>
+              <a:t>».</a:t>
+            </a:r>
+          </a:p>
+          <a:p>
+            <a:pPr lvl="0"/>
+            <a:endParaRPr lang="ru-RU" dirty="0"/>
+          </a:p>
+          <a:p>
+            <a:pPr lvl="0"/>
             <a:r>
               <a:rPr lang="ru-RU" dirty="0"/>
-              <a:t>Горит с двух противолежащих  граней</a:t>
-            </a:r>
-            <a:r>
-              <a:rPr lang="en-US" dirty="0"/>
-              <a:t> </a:t>
-            </a:r>
-            <a:r>
-              <a:rPr lang="en-US" b="1" dirty="0" err="1" smtClean="0">
-                <a:solidFill>
-                  <a:srgbClr val="FF3300"/>
-                </a:solidFill>
-              </a:rPr>
-              <a:t>koef</a:t>
-            </a:r>
-            <a:r>
-              <a:rPr lang="en-US" b="1" dirty="0" smtClean="0">
-                <a:solidFill>
-                  <a:srgbClr val="FF3300"/>
-                </a:solidFill>
-              </a:rPr>
-              <a:t>=</a:t>
-            </a:r>
-            <a:r>
-              <a:rPr lang="ru-RU" b="1" dirty="0">
-                <a:solidFill>
-                  <a:srgbClr val="FF3300"/>
-                </a:solidFill>
-              </a:rPr>
-              <a:t>2</a:t>
-            </a:r>
-          </a:p>
-        </p:txBody>
-      </p:sp>
-      <p:sp>
-        <p:nvSpPr>
-          <p:cNvPr id="10" name="Text Box 17"/>
-          <p:cNvSpPr txBox="1">
-            <a:spLocks noChangeArrowheads="1"/>
-          </p:cNvSpPr>
-          <p:nvPr/>
-        </p:nvSpPr>
-        <p:spPr bwMode="auto">
-          <a:xfrm>
-            <a:off x="2771800" y="5733256"/>
-            <a:ext cx="3633944" cy="369332"/>
-          </a:xfrm>
-          <a:prstGeom prst="rect">
-            <a:avLst/>
-          </a:prstGeom>
-          <a:noFill/>
-          <a:ln w="9525">
-            <a:noFill/>
-            <a:miter lim="800000"/>
-            <a:headEnd/>
-            <a:tailEnd/>
-          </a:ln>
-          <a:effectLst/>
-        </p:spPr>
-        <p:txBody>
-          <a:bodyPr wrap="none">
-            <a:spAutoFit/>
-          </a:bodyPr>
-          <a:lstStyle/>
-          <a:p>
+              <a:t>Проверка на упорядочение дат</a:t>
+            </a:r>
+            <a:r>
+              <a:rPr lang="ru-RU" dirty="0" smtClean="0"/>
+              <a:t>;</a:t>
+            </a:r>
+          </a:p>
+          <a:p>
+            <a:pPr lvl="0"/>
+            <a:endParaRPr lang="ru-RU" dirty="0"/>
+          </a:p>
+          <a:p>
+            <a:pPr lvl="0"/>
             <a:r>
               <a:rPr lang="ru-RU" dirty="0"/>
-              <a:t>Горит со всех шести граней</a:t>
-            </a:r>
-            <a:r>
-              <a:rPr lang="en-US" dirty="0"/>
-              <a:t> </a:t>
-            </a:r>
-            <a:r>
-              <a:rPr lang="en-US" b="1" dirty="0" err="1" smtClean="0">
-                <a:solidFill>
-                  <a:srgbClr val="FF3300"/>
-                </a:solidFill>
-              </a:rPr>
-              <a:t>koef</a:t>
-            </a:r>
-            <a:r>
-              <a:rPr lang="en-US" b="1" dirty="0" smtClean="0">
-                <a:solidFill>
-                  <a:srgbClr val="FF3300"/>
-                </a:solidFill>
-              </a:rPr>
-              <a:t>=</a:t>
-            </a:r>
-            <a:r>
-              <a:rPr lang="ru-RU" b="1" dirty="0">
-                <a:solidFill>
-                  <a:srgbClr val="FF3300"/>
-                </a:solidFill>
-              </a:rPr>
-              <a:t>6</a:t>
-            </a:r>
-          </a:p>
-        </p:txBody>
-      </p:sp>
-      <p:sp>
-        <p:nvSpPr>
-          <p:cNvPr id="11" name="Line 19"/>
-          <p:cNvSpPr>
-            <a:spLocks noChangeShapeType="1"/>
-          </p:cNvSpPr>
-          <p:nvPr/>
-        </p:nvSpPr>
-        <p:spPr bwMode="auto">
-          <a:xfrm>
-            <a:off x="2051720" y="5589240"/>
-            <a:ext cx="5256213" cy="0"/>
-          </a:xfrm>
-          <a:prstGeom prst="line">
-            <a:avLst/>
-          </a:prstGeom>
-          <a:noFill/>
-          <a:ln w="38100">
-            <a:solidFill>
-              <a:schemeClr val="tx1"/>
-            </a:solidFill>
-            <a:prstDash val="sysDot"/>
-            <a:round/>
-            <a:headEnd/>
-            <a:tailEnd/>
-          </a:ln>
-          <a:effectLst/>
-        </p:spPr>
-        <p:txBody>
-          <a:bodyPr/>
-          <a:lstStyle/>
-          <a:p>
-            <a:endParaRPr lang="ru-RU"/>
-          </a:p>
-        </p:txBody>
-      </p:sp>
-      <p:pic>
-        <p:nvPicPr>
-          <p:cNvPr id="13" name="Рисунок 12" descr="2.PNG"/>
-          <p:cNvPicPr/>
-          <p:nvPr/>
-        </p:nvPicPr>
-        <p:blipFill>
-          <a:blip r:embed="rId5" cstate="print"/>
-          <a:stretch>
-            <a:fillRect/>
-          </a:stretch>
-        </p:blipFill>
-        <p:spPr>
-          <a:xfrm>
-            <a:off x="1979712" y="4293096"/>
-            <a:ext cx="485775" cy="485775"/>
-          </a:xfrm>
-          <a:prstGeom prst="rect">
-            <a:avLst/>
-          </a:prstGeom>
-        </p:spPr>
-      </p:pic>
-      <p:pic>
-        <p:nvPicPr>
-          <p:cNvPr id="14" name="Рисунок 13" descr="3.PNG"/>
-          <p:cNvPicPr/>
-          <p:nvPr/>
-        </p:nvPicPr>
-        <p:blipFill>
-          <a:blip r:embed="rId6" cstate="print"/>
-          <a:stretch>
-            <a:fillRect/>
-          </a:stretch>
-        </p:blipFill>
-        <p:spPr>
-          <a:xfrm>
-            <a:off x="1979712" y="4941168"/>
-            <a:ext cx="485775" cy="457200"/>
-          </a:xfrm>
-          <a:prstGeom prst="rect">
-            <a:avLst/>
-          </a:prstGeom>
-        </p:spPr>
-      </p:pic>
+              <a:t>Исследование нормальности распределения различными статистическими </a:t>
+            </a:r>
+            <a:r>
+              <a:rPr lang="ru-RU" dirty="0"/>
+              <a:t>методами.</a:t>
+            </a:r>
+            <a:endParaRPr lang="ru-RU" dirty="0"/>
+          </a:p>
+          <a:p>
+            <a:endParaRPr lang="ru-RU" sz="2000" dirty="0"/>
+          </a:p>
+        </p:txBody>
+      </p:sp>
     </p:spTree>
   </p:cSld>
   <p:clrMapOvr>
@@ -7553,242 +7204,97 @@
         </p:nvSpPr>
         <p:spPr/>
         <p:txBody>
-          <a:bodyPr>
-            <a:normAutofit/>
-          </a:bodyPr>
+          <a:bodyPr/>
           <a:lstStyle/>
           <a:p>
             <a:pPr algn="ctr"/>
             <a:r>
-              <a:rPr lang="ru-RU" sz="4000" i="1" dirty="0" smtClean="0">
-                <a:solidFill>
-                  <a:srgbClr val="800000"/>
-                </a:solidFill>
-                <a:latin typeface="+mn-lt"/>
-              </a:rPr>
-              <a:t>Формы канала</a:t>
-            </a:r>
-            <a:endParaRPr lang="ru-RU" sz="4000" i="1" dirty="0">
-              <a:solidFill>
-                <a:srgbClr val="800000"/>
-              </a:solidFill>
-              <a:latin typeface="+mn-lt"/>
-            </a:endParaRPr>
-          </a:p>
-        </p:txBody>
-      </p:sp>
-      <p:sp>
-        <p:nvSpPr>
-          <p:cNvPr id="6" name="TextBox 5"/>
-          <p:cNvSpPr txBox="1"/>
-          <p:nvPr/>
-        </p:nvSpPr>
-        <p:spPr>
-          <a:xfrm>
-            <a:off x="142844" y="4643446"/>
-            <a:ext cx="2765501" cy="646331"/>
-          </a:xfrm>
-          <a:prstGeom prst="rect">
-            <a:avLst/>
-          </a:prstGeom>
-          <a:noFill/>
-        </p:spPr>
-        <p:txBody>
-          <a:bodyPr wrap="none" rtlCol="0">
-            <a:spAutoFit/>
-          </a:bodyPr>
-          <a:lstStyle/>
-          <a:p>
-            <a:pPr algn="ctr"/>
-            <a:r>
-              <a:rPr lang="ru-RU" dirty="0" err="1" smtClean="0"/>
-              <a:t>Трёхлучевая</a:t>
+              <a:rPr lang="ru-RU" dirty="0"/>
+              <a:t>Опечатки</a:t>
+            </a:r>
+          </a:p>
+        </p:txBody>
+      </p:sp>
+      <p:sp>
+        <p:nvSpPr>
+          <p:cNvPr id="3" name="Объект 2"/>
+          <p:cNvSpPr>
+            <a:spLocks noGrp="1"/>
+          </p:cNvSpPr>
+          <p:nvPr>
+            <p:ph sz="quarter" idx="1"/>
+          </p:nvPr>
+        </p:nvSpPr>
+        <p:spPr/>
+        <p:txBody>
+          <a:bodyPr/>
+          <a:lstStyle/>
+          <a:p>
+            <a:pPr marL="0" indent="0">
+              <a:buNone/>
+            </a:pPr>
+            <a:r>
+              <a:rPr lang="ru-RU" i="1" u="sng" dirty="0"/>
+              <a:t>Опечатки</a:t>
+            </a:r>
+            <a:r>
+              <a:rPr lang="ru-RU" i="1" dirty="0"/>
+              <a:t> </a:t>
+            </a:r>
+            <a:r>
+              <a:rPr lang="ru-RU" dirty="0"/>
+              <a:t>– это некорректно введенные пользователем данные</a:t>
             </a:r>
             <a:r>
               <a:rPr lang="ru-RU" dirty="0" smtClean="0"/>
-              <a:t> звезда с</a:t>
-            </a:r>
-          </a:p>
-          <a:p>
-            <a:pPr algn="ctr"/>
+              <a:t>.</a:t>
+            </a:r>
+          </a:p>
+          <a:p>
+            <a:pPr marL="0" indent="0">
+              <a:buNone/>
+            </a:pPr>
             <a:r>
               <a:rPr lang="ru-RU" dirty="0" smtClean="0"/>
-              <a:t>расширяющимися лучами</a:t>
-            </a:r>
+              <a:t>Примером </a:t>
+            </a:r>
+            <a:r>
+              <a:rPr lang="ru-RU" dirty="0"/>
+              <a:t>опечаток может служить:</a:t>
+            </a:r>
+          </a:p>
+          <a:p>
+            <a:pPr lvl="0"/>
+            <a:r>
+              <a:rPr lang="ru-RU" dirty="0"/>
+              <a:t>Наличие букв в числовых данных;</a:t>
+            </a:r>
+          </a:p>
+          <a:p>
+            <a:pPr lvl="0"/>
+            <a:r>
+              <a:rPr lang="ru-RU" dirty="0"/>
+              <a:t>Неправильные разделители между числами в датах;</a:t>
+            </a:r>
+          </a:p>
+          <a:p>
+            <a:pPr lvl="0"/>
+            <a:r>
+              <a:rPr lang="ru-RU" dirty="0"/>
+              <a:t>Лишние пробелы в записи десятичных дробей.</a:t>
+            </a:r>
+          </a:p>
+          <a:p>
             <a:endParaRPr lang="ru-RU" dirty="0"/>
           </a:p>
         </p:txBody>
       </p:sp>
-      <p:sp>
-        <p:nvSpPr>
-          <p:cNvPr id="7" name="Прямоугольник 6"/>
-          <p:cNvSpPr/>
-          <p:nvPr/>
-        </p:nvSpPr>
-        <p:spPr>
-          <a:xfrm>
-            <a:off x="6143636" y="4786322"/>
-            <a:ext cx="2534540" cy="646331"/>
-          </a:xfrm>
-          <a:prstGeom prst="rect">
-            <a:avLst/>
-          </a:prstGeom>
-        </p:spPr>
-        <p:txBody>
-          <a:bodyPr wrap="none">
-            <a:spAutoFit/>
-          </a:bodyPr>
-          <a:lstStyle/>
-          <a:p>
-            <a:r>
-              <a:rPr lang="ru-RU" dirty="0" err="1" smtClean="0"/>
-              <a:t>Семиконечная</a:t>
-            </a:r>
-            <a:r>
-              <a:rPr lang="ru-RU" dirty="0" smtClean="0"/>
-              <a:t> звезда с </a:t>
-            </a:r>
-          </a:p>
-          <a:p>
-            <a:r>
-              <a:rPr lang="ru-RU" dirty="0" smtClean="0"/>
-              <a:t>сужающимися лучами</a:t>
-            </a:r>
-            <a:endParaRPr lang="ru-RU" dirty="0"/>
-          </a:p>
-        </p:txBody>
-      </p:sp>
-      <p:sp>
-        <p:nvSpPr>
-          <p:cNvPr id="8" name="TextBox 7"/>
-          <p:cNvSpPr txBox="1"/>
-          <p:nvPr/>
-        </p:nvSpPr>
-        <p:spPr>
-          <a:xfrm>
-            <a:off x="4071934" y="4786322"/>
-            <a:ext cx="614207" cy="369332"/>
-          </a:xfrm>
-          <a:prstGeom prst="rect">
-            <a:avLst/>
-          </a:prstGeom>
-          <a:noFill/>
-        </p:spPr>
-        <p:txBody>
-          <a:bodyPr wrap="none" rtlCol="0">
-            <a:spAutoFit/>
-          </a:bodyPr>
-          <a:lstStyle/>
-          <a:p>
-            <a:pPr algn="ctr"/>
-            <a:r>
-              <a:rPr lang="ru-RU" dirty="0" smtClean="0"/>
-              <a:t>Круг</a:t>
-            </a:r>
-            <a:endParaRPr lang="ru-RU" dirty="0"/>
-          </a:p>
-        </p:txBody>
-      </p:sp>
-      <p:pic>
-        <p:nvPicPr>
-          <p:cNvPr id="20482" name="Picture 2"/>
-          <p:cNvPicPr>
-            <a:picLocks noChangeAspect="1" noChangeArrowheads="1"/>
-          </p:cNvPicPr>
-          <p:nvPr/>
-        </p:nvPicPr>
-        <p:blipFill>
-          <a:blip r:embed="rId2" cstate="print"/>
-          <a:srcRect/>
-          <a:stretch>
-            <a:fillRect/>
-          </a:stretch>
-        </p:blipFill>
-        <p:spPr bwMode="auto">
-          <a:xfrm>
-            <a:off x="3143241" y="2145454"/>
-            <a:ext cx="2500329" cy="2419997"/>
-          </a:xfrm>
-          <a:prstGeom prst="rect">
-            <a:avLst/>
-          </a:prstGeom>
-          <a:noFill/>
-          <a:ln w="9525">
-            <a:noFill/>
-            <a:miter lim="800000"/>
-            <a:headEnd/>
-            <a:tailEnd/>
-          </a:ln>
-          <a:effectLst/>
-        </p:spPr>
-      </p:pic>
-      <p:pic>
-        <p:nvPicPr>
-          <p:cNvPr id="20483" name="Picture 3"/>
-          <p:cNvPicPr>
-            <a:picLocks noChangeAspect="1" noChangeArrowheads="1"/>
-          </p:cNvPicPr>
-          <p:nvPr/>
-        </p:nvPicPr>
-        <p:blipFill>
-          <a:blip r:embed="rId3" cstate="print"/>
-          <a:srcRect/>
-          <a:stretch>
-            <a:fillRect/>
-          </a:stretch>
-        </p:blipFill>
-        <p:spPr bwMode="auto">
-          <a:xfrm>
-            <a:off x="5786446" y="1857364"/>
-            <a:ext cx="3000396" cy="2800259"/>
-          </a:xfrm>
-          <a:prstGeom prst="rect">
-            <a:avLst/>
-          </a:prstGeom>
-          <a:noFill/>
-          <a:ln w="9525">
-            <a:noFill/>
-            <a:miter lim="800000"/>
-            <a:headEnd/>
-            <a:tailEnd/>
-          </a:ln>
-          <a:effectLst/>
-        </p:spPr>
-      </p:pic>
-      <p:pic>
-        <p:nvPicPr>
-          <p:cNvPr id="20484" name="Picture 4"/>
-          <p:cNvPicPr>
-            <a:picLocks noChangeAspect="1" noChangeArrowheads="1"/>
-          </p:cNvPicPr>
-          <p:nvPr/>
-        </p:nvPicPr>
-        <p:blipFill>
-          <a:blip r:embed="rId4" cstate="print"/>
-          <a:srcRect/>
-          <a:stretch>
-            <a:fillRect/>
-          </a:stretch>
-        </p:blipFill>
-        <p:spPr bwMode="auto">
-          <a:xfrm>
-            <a:off x="142844" y="1928802"/>
-            <a:ext cx="2857339" cy="2643206"/>
-          </a:xfrm>
-          <a:prstGeom prst="rect">
-            <a:avLst/>
-          </a:prstGeom>
-          <a:noFill/>
-          <a:ln w="9525">
-            <a:noFill/>
-            <a:miter lim="800000"/>
-            <a:headEnd/>
-            <a:tailEnd/>
-          </a:ln>
-          <a:effectLst/>
-        </p:spPr>
-      </p:pic>
     </p:spTree>
+    <p:extLst>
+      <p:ext uri="{BB962C8B-B14F-4D97-AF65-F5344CB8AC3E}">
+        <p14:creationId xmlns:p14="http://schemas.microsoft.com/office/powerpoint/2010/main" val="752837119"/>
+      </p:ext>
+    </p:extLst>
   </p:cSld>
   <p:clrMapOvr>
     <a:masterClrMapping/>
@@ -7843,11 +7349,17 @@
             <a:pPr algn="ctr"/>
             <a:r>
               <a:rPr lang="ru-RU" sz="4000" i="1" dirty="0" smtClean="0">
+                <a:solidFill>
+                  <a:srgbClr val="800000"/>
+                </a:solidFill>
                 <a:latin typeface="+mn-lt"/>
               </a:rPr>
-              <a:t>Входные и выходные данные</a:t>
+              <a:t>Формы канала</a:t>
             </a:r>
             <a:endParaRPr lang="ru-RU" sz="4000" i="1" dirty="0">
+              <a:solidFill>
+                <a:srgbClr val="800000"/>
+              </a:solidFill>
               <a:latin typeface="+mn-lt"/>
             </a:endParaRPr>
           </a:p>
@@ -7855,247 +7367,215 @@
       </p:sp>
       <p:sp>
         <p:nvSpPr>
-          <p:cNvPr id="3" name="Содержимое 2"/>
-          <p:cNvSpPr>
-            <a:spLocks noGrp="1"/>
-          </p:cNvSpPr>
-          <p:nvPr>
-            <p:ph sz="quarter" idx="1"/>
-          </p:nvPr>
+          <p:cNvPr id="6" name="TextBox 5"/>
+          <p:cNvSpPr txBox="1"/>
+          <p:nvPr/>
         </p:nvSpPr>
         <p:spPr>
           <a:xfrm>
-            <a:off x="683568" y="1916832"/>
-            <a:ext cx="7388894" cy="1512168"/>
-          </a:xfrm>
-        </p:spPr>
-        <p:txBody>
-          <a:bodyPr>
-            <a:noAutofit/>
-          </a:bodyPr>
-          <a:lstStyle/>
-          <a:p>
-            <a:pPr>
-              <a:buNone/>
-            </a:pPr>
-            <a:r>
-              <a:rPr lang="ru-RU" sz="2000" b="1" i="1" dirty="0" smtClean="0">
-                <a:solidFill>
-                  <a:srgbClr val="7030A0"/>
-                </a:solidFill>
-              </a:rPr>
-              <a:t>Входные данные:</a:t>
-            </a:r>
-          </a:p>
-          <a:p>
-            <a:pPr>
-              <a:buFont typeface="Wingdings 3" pitchFamily="18" charset="2"/>
-              <a:buChar char="}"/>
-            </a:pPr>
-            <a:r>
-              <a:rPr lang="ru-RU" sz="2000" dirty="0" smtClean="0"/>
-              <a:t>Задание размерности клеточного пространства (меню).</a:t>
-            </a:r>
-          </a:p>
-          <a:p>
-            <a:pPr>
-              <a:buFont typeface="Wingdings 3" pitchFamily="18" charset="2"/>
-              <a:buChar char=""/>
-            </a:pPr>
-            <a:r>
-              <a:rPr lang="ru-RU" sz="2000" dirty="0" smtClean="0"/>
-              <a:t>Задание формы канала (меню).</a:t>
-            </a:r>
-          </a:p>
-          <a:p>
-            <a:pPr>
-              <a:buFont typeface="Wingdings 3" pitchFamily="18" charset="2"/>
-              <a:buChar char="}"/>
-            </a:pPr>
-            <a:r>
-              <a:rPr lang="ru-RU" sz="2000" dirty="0" smtClean="0"/>
-              <a:t>Задание области воспламенения (меню).</a:t>
-            </a:r>
-          </a:p>
-          <a:p>
-            <a:pPr>
-              <a:buFont typeface="Wingdings 3" pitchFamily="18" charset="2"/>
-              <a:buChar char="}"/>
-            </a:pPr>
-            <a:r>
-              <a:rPr lang="ru-RU" sz="2000" dirty="0" smtClean="0"/>
-              <a:t>Задание  параметров дефекта (файл). </a:t>
-            </a:r>
-            <a:endParaRPr lang="ru-RU" sz="2000" dirty="0"/>
-          </a:p>
-        </p:txBody>
-      </p:sp>
-      <p:sp>
-        <p:nvSpPr>
-          <p:cNvPr id="7" name="Содержимое 2"/>
-          <p:cNvSpPr txBox="1">
-            <a:spLocks/>
-          </p:cNvSpPr>
-          <p:nvPr/>
-        </p:nvSpPr>
-        <p:spPr>
-          <a:xfrm>
-            <a:off x="3357554" y="4143380"/>
-            <a:ext cx="5255496" cy="1828800"/>
+            <a:off x="142844" y="4643446"/>
+            <a:ext cx="2765501" cy="646331"/>
           </a:xfrm>
           <a:prstGeom prst="rect">
             <a:avLst/>
           </a:prstGeom>
-        </p:spPr>
-        <p:txBody>
-          <a:bodyPr vert="horz">
-            <a:noAutofit/>
+          <a:noFill/>
+        </p:spPr>
+        <p:txBody>
+          <a:bodyPr wrap="none" rtlCol="0">
+            <a:spAutoFit/>
           </a:bodyPr>
           <a:lstStyle/>
           <a:p>
-            <a:pPr marL="320040" marR="0" lvl="0" indent="-320040" algn="l" defTabSz="914400" rtl="0" eaLnBrk="1" fontAlgn="auto" latinLnBrk="0" hangingPunct="1">
-              <a:lnSpc>
-                <a:spcPct val="100000"/>
-              </a:lnSpc>
-              <a:spcBef>
-                <a:spcPts val="700"/>
-              </a:spcBef>
-              <a:spcAft>
-                <a:spcPts val="0"/>
-              </a:spcAft>
-              <a:buClr>
-                <a:schemeClr val="accent2"/>
-              </a:buClr>
-              <a:buSzPct val="60000"/>
-              <a:tabLst/>
-              <a:defRPr/>
-            </a:pPr>
-            <a:r>
-              <a:rPr kumimoji="0" lang="ru-RU" sz="2000" b="1" i="1" u="none" strike="noStrike" kern="1200" cap="none" spc="0" normalizeH="0" baseline="0" noProof="0" dirty="0" smtClean="0">
-                <a:ln>
-                  <a:noFill/>
-                </a:ln>
-                <a:solidFill>
-                  <a:srgbClr val="7030A0"/>
-                </a:solidFill>
-                <a:effectLst/>
-                <a:uLnTx/>
-                <a:uFillTx/>
-                <a:latin typeface="+mn-lt"/>
-                <a:ea typeface="+mn-ea"/>
-                <a:cs typeface="+mn-cs"/>
-              </a:rPr>
-              <a:t>Выходные данные:</a:t>
-            </a:r>
-          </a:p>
-          <a:p>
-            <a:pPr marL="320040" indent="-320040">
-              <a:spcBef>
-                <a:spcPts val="700"/>
-              </a:spcBef>
-              <a:buClr>
-                <a:schemeClr val="accent1"/>
-              </a:buClr>
-              <a:buSzPct val="76000"/>
-              <a:buFont typeface="Wingdings 3" pitchFamily="18" charset="2"/>
-              <a:buChar char="}"/>
-              <a:defRPr/>
-            </a:pPr>
-            <a:r>
-              <a:rPr lang="ru-RU" sz="2000" dirty="0" smtClean="0"/>
-              <a:t>Собственно 3</a:t>
-            </a:r>
-            <a:r>
-              <a:rPr lang="en-US" sz="2000" dirty="0" smtClean="0"/>
-              <a:t>D</a:t>
-            </a:r>
-            <a:r>
-              <a:rPr lang="ru-RU" sz="2000" dirty="0" smtClean="0"/>
-              <a:t>-визуализация.</a:t>
-            </a:r>
-          </a:p>
-          <a:p>
-            <a:pPr marL="320040" marR="0" lvl="0" indent="-320040" algn="l" defTabSz="914400" rtl="0" eaLnBrk="1" fontAlgn="auto" latinLnBrk="0" hangingPunct="1">
-              <a:lnSpc>
-                <a:spcPct val="100000"/>
-              </a:lnSpc>
-              <a:spcBef>
-                <a:spcPts val="700"/>
-              </a:spcBef>
-              <a:spcAft>
-                <a:spcPts val="0"/>
-              </a:spcAft>
-              <a:buClr>
-                <a:schemeClr val="accent1"/>
-              </a:buClr>
-              <a:buSzPct val="76000"/>
-              <a:buFont typeface="Wingdings 3" pitchFamily="18" charset="2"/>
-              <a:buChar char="}"/>
-              <a:tabLst/>
-              <a:defRPr/>
-            </a:pPr>
-            <a:r>
-              <a:rPr lang="ru-RU" sz="2000" noProof="0" dirty="0" smtClean="0"/>
-              <a:t>В</a:t>
-            </a:r>
-            <a:r>
-              <a:rPr kumimoji="0" lang="ru-RU" sz="2000" b="0" i="0" u="none" strike="noStrike" kern="1200" cap="none" spc="0" normalizeH="0" baseline="0" noProof="0" dirty="0" smtClean="0">
-                <a:ln>
-                  <a:noFill/>
-                </a:ln>
-                <a:solidFill>
-                  <a:schemeClr val="tx1"/>
-                </a:solidFill>
-                <a:effectLst/>
-                <a:uLnTx/>
-                <a:uFillTx/>
-                <a:latin typeface="+mn-lt"/>
-                <a:ea typeface="+mn-ea"/>
-                <a:cs typeface="+mn-cs"/>
-              </a:rPr>
-              <a:t>идеофайл с записью распространения волны горения.</a:t>
-            </a:r>
-          </a:p>
-          <a:p>
-            <a:pPr marL="320040" marR="0" lvl="0" indent="-320040" algn="l" defTabSz="914400" rtl="0" eaLnBrk="1" fontAlgn="auto" latinLnBrk="0" hangingPunct="1">
-              <a:lnSpc>
-                <a:spcPct val="100000"/>
-              </a:lnSpc>
-              <a:spcBef>
-                <a:spcPts val="700"/>
-              </a:spcBef>
-              <a:spcAft>
-                <a:spcPts val="0"/>
-              </a:spcAft>
-              <a:buClr>
-                <a:schemeClr val="accent1"/>
-              </a:buClr>
-              <a:buSzPct val="76000"/>
-              <a:buFont typeface="Wingdings 3" pitchFamily="18" charset="2"/>
-              <a:buChar char="}"/>
-              <a:tabLst/>
-              <a:defRPr/>
-            </a:pPr>
-            <a:r>
-              <a:rPr kumimoji="0" lang="ru-RU" sz="2000" b="0" i="0" u="none" strike="noStrike" kern="1200" cap="none" spc="0" normalizeH="0" baseline="0" noProof="0" dirty="0" smtClean="0">
-                <a:ln>
-                  <a:noFill/>
-                </a:ln>
-                <a:solidFill>
-                  <a:schemeClr val="tx1"/>
-                </a:solidFill>
-                <a:effectLst/>
-                <a:uLnTx/>
-                <a:uFillTx/>
-                <a:latin typeface="+mn-lt"/>
-                <a:ea typeface="+mn-ea"/>
-                <a:cs typeface="+mn-cs"/>
-              </a:rPr>
-              <a:t>Текстовый файл-таблица результатов.</a:t>
-            </a:r>
-          </a:p>
-        </p:txBody>
-      </p:sp>
+            <a:pPr algn="ctr"/>
+            <a:r>
+              <a:rPr lang="ru-RU" dirty="0" err="1" smtClean="0"/>
+              <a:t>Трёхлучевая</a:t>
+            </a:r>
+            <a:r>
+              <a:rPr lang="ru-RU" dirty="0" smtClean="0"/>
+              <a:t> звезда с</a:t>
+            </a:r>
+          </a:p>
+          <a:p>
+            <a:pPr algn="ctr"/>
+            <a:r>
+              <a:rPr lang="ru-RU" dirty="0" smtClean="0"/>
+              <a:t>расширяющимися лучами</a:t>
+            </a:r>
+            <a:endParaRPr lang="ru-RU" dirty="0"/>
+          </a:p>
+        </p:txBody>
+      </p:sp>
+      <p:sp>
+        <p:nvSpPr>
+          <p:cNvPr id="7" name="Прямоугольник 6"/>
+          <p:cNvSpPr/>
+          <p:nvPr/>
+        </p:nvSpPr>
+        <p:spPr>
+          <a:xfrm>
+            <a:off x="6143636" y="4786322"/>
+            <a:ext cx="2534540" cy="646331"/>
+          </a:xfrm>
+          <a:prstGeom prst="rect">
+            <a:avLst/>
+          </a:prstGeom>
+        </p:spPr>
+        <p:txBody>
+          <a:bodyPr wrap="none">
+            <a:spAutoFit/>
+          </a:bodyPr>
+          <a:lstStyle/>
+          <a:p>
+            <a:r>
+              <a:rPr lang="ru-RU" dirty="0" err="1" smtClean="0"/>
+              <a:t>Семиконечная</a:t>
+            </a:r>
+            <a:r>
+              <a:rPr lang="ru-RU" dirty="0" smtClean="0"/>
+              <a:t> звезда с </a:t>
+            </a:r>
+          </a:p>
+          <a:p>
+            <a:r>
+              <a:rPr lang="ru-RU" dirty="0" smtClean="0"/>
+              <a:t>сужающимися лучами</a:t>
+            </a:r>
+            <a:endParaRPr lang="ru-RU" dirty="0"/>
+          </a:p>
+        </p:txBody>
+      </p:sp>
+      <p:sp>
+        <p:nvSpPr>
+          <p:cNvPr id="8" name="TextBox 7"/>
+          <p:cNvSpPr txBox="1"/>
+          <p:nvPr/>
+        </p:nvSpPr>
+        <p:spPr>
+          <a:xfrm>
+            <a:off x="4071934" y="4786322"/>
+            <a:ext cx="614207" cy="369332"/>
+          </a:xfrm>
+          <a:prstGeom prst="rect">
+            <a:avLst/>
+          </a:prstGeom>
+          <a:noFill/>
+        </p:spPr>
+        <p:txBody>
+          <a:bodyPr wrap="none" rtlCol="0">
+            <a:spAutoFit/>
+          </a:bodyPr>
+          <a:lstStyle/>
+          <a:p>
+            <a:pPr algn="ctr"/>
+            <a:r>
+              <a:rPr lang="ru-RU" dirty="0" smtClean="0"/>
+              <a:t>Круг</a:t>
+            </a:r>
+            <a:endParaRPr lang="ru-RU" dirty="0"/>
+          </a:p>
+        </p:txBody>
+      </p:sp>
+      <p:pic>
+        <p:nvPicPr>
+          <p:cNvPr id="20482" name="Picture 2"/>
+          <p:cNvPicPr>
+            <a:picLocks noChangeAspect="1" noChangeArrowheads="1"/>
+          </p:cNvPicPr>
+          <p:nvPr/>
+        </p:nvPicPr>
+        <p:blipFill>
+          <a:blip r:embed="rId2" cstate="print"/>
+          <a:srcRect/>
+          <a:stretch>
+            <a:fillRect/>
+          </a:stretch>
+        </p:blipFill>
+        <p:spPr bwMode="auto">
+          <a:xfrm>
+            <a:off x="3143241" y="2145454"/>
+            <a:ext cx="2500329" cy="2419997"/>
+          </a:xfrm>
+          <a:prstGeom prst="rect">
+            <a:avLst/>
+          </a:prstGeom>
+          <a:noFill/>
+          <a:ln w="9525">
+            <a:noFill/>
+            <a:miter lim="800000"/>
+            <a:headEnd/>
+            <a:tailEnd/>
+          </a:ln>
+          <a:effectLst/>
+        </p:spPr>
+      </p:pic>
+      <p:pic>
+        <p:nvPicPr>
+          <p:cNvPr id="20483" name="Picture 3"/>
+          <p:cNvPicPr>
+            <a:picLocks noChangeAspect="1" noChangeArrowheads="1"/>
+          </p:cNvPicPr>
+          <p:nvPr/>
+        </p:nvPicPr>
+        <p:blipFill>
+          <a:blip r:embed="rId3" cstate="print"/>
+          <a:srcRect/>
+          <a:stretch>
+            <a:fillRect/>
+          </a:stretch>
+        </p:blipFill>
+        <p:spPr bwMode="auto">
+          <a:xfrm>
+            <a:off x="5786446" y="1857364"/>
+            <a:ext cx="3000396" cy="2800259"/>
+          </a:xfrm>
+          <a:prstGeom prst="rect">
+            <a:avLst/>
+          </a:prstGeom>
+          <a:noFill/>
+          <a:ln w="9525">
+            <a:noFill/>
+            <a:miter lim="800000"/>
+            <a:headEnd/>
+            <a:tailEnd/>
+          </a:ln>
+          <a:effectLst/>
+        </p:spPr>
+      </p:pic>
+      <p:pic>
+        <p:nvPicPr>
+          <p:cNvPr id="20484" name="Picture 4"/>
+          <p:cNvPicPr>
+            <a:picLocks noChangeAspect="1" noChangeArrowheads="1"/>
+          </p:cNvPicPr>
+          <p:nvPr/>
+        </p:nvPicPr>
+        <p:blipFill>
+          <a:blip r:embed="rId4" cstate="print"/>
+          <a:srcRect/>
+          <a:stretch>
+            <a:fillRect/>
+          </a:stretch>
+        </p:blipFill>
+        <p:spPr bwMode="auto">
+          <a:xfrm>
+            <a:off x="142844" y="1928802"/>
+            <a:ext cx="2857339" cy="2643206"/>
+          </a:xfrm>
+          <a:prstGeom prst="rect">
+            <a:avLst/>
+          </a:prstGeom>
+          <a:noFill/>
+          <a:ln w="9525">
+            <a:noFill/>
+            <a:miter lim="800000"/>
+            <a:headEnd/>
+            <a:tailEnd/>
+          </a:ln>
+          <a:effectLst/>
+        </p:spPr>
+      </p:pic>
     </p:spTree>
   </p:cSld>
   <p:clrMapOvr>
@@ -8151,17 +7631,11 @@
             <a:pPr algn="ctr"/>
             <a:r>
               <a:rPr lang="ru-RU" sz="4000" i="1" dirty="0" smtClean="0">
-                <a:solidFill>
-                  <a:srgbClr val="800000"/>
-                </a:solidFill>
                 <a:latin typeface="+mn-lt"/>
               </a:rPr>
-              <a:t>Вид приложения в процессе счёта</a:t>
+              <a:t>Входные и выходные данные</a:t>
             </a:r>
             <a:endParaRPr lang="ru-RU" sz="4000" i="1" dirty="0">
-              <a:solidFill>
-                <a:srgbClr val="800000"/>
-              </a:solidFill>
               <a:latin typeface="+mn-lt"/>
             </a:endParaRPr>
           </a:p>
@@ -8169,64 +7643,247 @@
       </p:sp>
       <p:sp>
         <p:nvSpPr>
-          <p:cNvPr id="18434" name="Rectangle 2"/>
-          <p:cNvSpPr>
-            <a:spLocks noChangeArrowheads="1"/>
+          <p:cNvPr id="3" name="Содержимое 2"/>
+          <p:cNvSpPr>
+            <a:spLocks noGrp="1"/>
+          </p:cNvSpPr>
+          <p:nvPr>
+            <p:ph sz="quarter" idx="1"/>
+          </p:nvPr>
+        </p:nvSpPr>
+        <p:spPr>
+          <a:xfrm>
+            <a:off x="683568" y="1916832"/>
+            <a:ext cx="7388894" cy="1512168"/>
+          </a:xfrm>
+        </p:spPr>
+        <p:txBody>
+          <a:bodyPr>
+            <a:noAutofit/>
+          </a:bodyPr>
+          <a:lstStyle/>
+          <a:p>
+            <a:pPr>
+              <a:buNone/>
+            </a:pPr>
+            <a:r>
+              <a:rPr lang="ru-RU" sz="2000" b="1" i="1" dirty="0" smtClean="0">
+                <a:solidFill>
+                  <a:srgbClr val="7030A0"/>
+                </a:solidFill>
+              </a:rPr>
+              <a:t>Входные данные:</a:t>
+            </a:r>
+          </a:p>
+          <a:p>
+            <a:pPr>
+              <a:buFont typeface="Wingdings 3" pitchFamily="18" charset="2"/>
+              <a:buChar char="}"/>
+            </a:pPr>
+            <a:r>
+              <a:rPr lang="ru-RU" sz="2000" dirty="0" smtClean="0"/>
+              <a:t>Задание размерности клеточного пространства (меню).</a:t>
+            </a:r>
+          </a:p>
+          <a:p>
+            <a:pPr>
+              <a:buFont typeface="Wingdings 3" pitchFamily="18" charset="2"/>
+              <a:buChar char=""/>
+            </a:pPr>
+            <a:r>
+              <a:rPr lang="ru-RU" sz="2000" dirty="0" smtClean="0"/>
+              <a:t>Задание формы канала (меню).</a:t>
+            </a:r>
+          </a:p>
+          <a:p>
+            <a:pPr>
+              <a:buFont typeface="Wingdings 3" pitchFamily="18" charset="2"/>
+              <a:buChar char="}"/>
+            </a:pPr>
+            <a:r>
+              <a:rPr lang="ru-RU" sz="2000" dirty="0" smtClean="0"/>
+              <a:t>Задание области воспламенения (меню).</a:t>
+            </a:r>
+          </a:p>
+          <a:p>
+            <a:pPr>
+              <a:buFont typeface="Wingdings 3" pitchFamily="18" charset="2"/>
+              <a:buChar char="}"/>
+            </a:pPr>
+            <a:r>
+              <a:rPr lang="ru-RU" sz="2000" dirty="0" smtClean="0"/>
+              <a:t>Задание  параметров дефекта (файл). </a:t>
+            </a:r>
+            <a:endParaRPr lang="ru-RU" sz="2000" dirty="0"/>
+          </a:p>
+        </p:txBody>
+      </p:sp>
+      <p:sp>
+        <p:nvSpPr>
+          <p:cNvPr id="7" name="Содержимое 2"/>
+          <p:cNvSpPr txBox="1">
+            <a:spLocks/>
           </p:cNvSpPr>
           <p:nvPr/>
         </p:nvSpPr>
-        <p:spPr bwMode="auto">
-          <a:xfrm>
-            <a:off x="0" y="0"/>
-            <a:ext cx="9144000" cy="0"/>
+        <p:spPr>
+          <a:xfrm>
+            <a:off x="3357554" y="4143380"/>
+            <a:ext cx="5255496" cy="1828800"/>
           </a:xfrm>
           <a:prstGeom prst="rect">
             <a:avLst/>
           </a:prstGeom>
-          <a:noFill/>
-          <a:ln w="9525">
-            <a:noFill/>
-            <a:miter lim="800000"/>
-            <a:headEnd/>
-            <a:tailEnd/>
-          </a:ln>
-          <a:effectLst/>
-        </p:spPr>
-        <p:txBody>
-          <a:bodyPr vert="horz" wrap="none" lIns="91440" tIns="45720" rIns="91440" bIns="45720" numCol="1" anchor="ctr" anchorCtr="0" compatLnSpc="1">
-            <a:prstTxWarp prst="textNoShape">
-              <a:avLst/>
-            </a:prstTxWarp>
-            <a:spAutoFit/>
+        </p:spPr>
+        <p:txBody>
+          <a:bodyPr vert="horz">
+            <a:noAutofit/>
           </a:bodyPr>
           <a:lstStyle/>
           <a:p>
-            <a:endParaRPr lang="ru-RU"/>
-          </a:p>
-        </p:txBody>
-      </p:sp>
-      <p:pic>
-        <p:nvPicPr>
-          <p:cNvPr id="6" name="Рисунок 5" descr="17.PNG"/>
-          <p:cNvPicPr/>
-          <p:nvPr/>
-        </p:nvPicPr>
-        <p:blipFill>
-          <a:blip r:embed="rId2" cstate="print"/>
-          <a:stretch>
-            <a:fillRect/>
-          </a:stretch>
-        </p:blipFill>
-        <p:spPr>
-          <a:xfrm>
-            <a:off x="1285852" y="1428736"/>
-            <a:ext cx="6929486" cy="4714908"/>
-          </a:xfrm>
-          <a:prstGeom prst="rect">
-            <a:avLst/>
-          </a:prstGeom>
-        </p:spPr>
-      </p:pic>
+            <a:pPr marL="320040" marR="0" lvl="0" indent="-320040" algn="l" defTabSz="914400" rtl="0" eaLnBrk="1" fontAlgn="auto" latinLnBrk="0" hangingPunct="1">
+              <a:lnSpc>
+                <a:spcPct val="100000"/>
+              </a:lnSpc>
+              <a:spcBef>
+                <a:spcPts val="700"/>
+              </a:spcBef>
+              <a:spcAft>
+                <a:spcPts val="0"/>
+              </a:spcAft>
+              <a:buClr>
+                <a:schemeClr val="accent2"/>
+              </a:buClr>
+              <a:buSzPct val="60000"/>
+              <a:tabLst/>
+              <a:defRPr/>
+            </a:pPr>
+            <a:r>
+              <a:rPr kumimoji="0" lang="ru-RU" sz="2000" b="1" i="1" u="none" strike="noStrike" kern="1200" cap="none" spc="0" normalizeH="0" baseline="0" noProof="0" dirty="0" smtClean="0">
+                <a:ln>
+                  <a:noFill/>
+                </a:ln>
+                <a:solidFill>
+                  <a:srgbClr val="7030A0"/>
+                </a:solidFill>
+                <a:effectLst/>
+                <a:uLnTx/>
+                <a:uFillTx/>
+                <a:latin typeface="+mn-lt"/>
+                <a:ea typeface="+mn-ea"/>
+                <a:cs typeface="+mn-cs"/>
+              </a:rPr>
+              <a:t>Выходные данные:</a:t>
+            </a:r>
+          </a:p>
+          <a:p>
+            <a:pPr marL="320040" indent="-320040">
+              <a:spcBef>
+                <a:spcPts val="700"/>
+              </a:spcBef>
+              <a:buClr>
+                <a:schemeClr val="accent1"/>
+              </a:buClr>
+              <a:buSzPct val="76000"/>
+              <a:buFont typeface="Wingdings 3" pitchFamily="18" charset="2"/>
+              <a:buChar char="}"/>
+              <a:defRPr/>
+            </a:pPr>
+            <a:r>
+              <a:rPr lang="ru-RU" sz="2000" dirty="0" smtClean="0"/>
+              <a:t>Собственно 3</a:t>
+            </a:r>
+            <a:r>
+              <a:rPr lang="en-US" sz="2000" dirty="0" smtClean="0"/>
+              <a:t>D</a:t>
+            </a:r>
+            <a:r>
+              <a:rPr lang="ru-RU" sz="2000" dirty="0" smtClean="0"/>
+              <a:t>-визуализация.</a:t>
+            </a:r>
+          </a:p>
+          <a:p>
+            <a:pPr marL="320040" marR="0" lvl="0" indent="-320040" algn="l" defTabSz="914400" rtl="0" eaLnBrk="1" fontAlgn="auto" latinLnBrk="0" hangingPunct="1">
+              <a:lnSpc>
+                <a:spcPct val="100000"/>
+              </a:lnSpc>
+              <a:spcBef>
+                <a:spcPts val="700"/>
+              </a:spcBef>
+              <a:spcAft>
+                <a:spcPts val="0"/>
+              </a:spcAft>
+              <a:buClr>
+                <a:schemeClr val="accent1"/>
+              </a:buClr>
+              <a:buSzPct val="76000"/>
+              <a:buFont typeface="Wingdings 3" pitchFamily="18" charset="2"/>
+              <a:buChar char="}"/>
+              <a:tabLst/>
+              <a:defRPr/>
+            </a:pPr>
+            <a:r>
+              <a:rPr lang="ru-RU" sz="2000" noProof="0" dirty="0" smtClean="0"/>
+              <a:t>В</a:t>
+            </a:r>
+            <a:r>
+              <a:rPr kumimoji="0" lang="ru-RU" sz="2000" b="0" i="0" u="none" strike="noStrike" kern="1200" cap="none" spc="0" normalizeH="0" baseline="0" noProof="0" dirty="0" smtClean="0">
+                <a:ln>
+                  <a:noFill/>
+                </a:ln>
+                <a:solidFill>
+                  <a:schemeClr val="tx1"/>
+                </a:solidFill>
+                <a:effectLst/>
+                <a:uLnTx/>
+                <a:uFillTx/>
+                <a:latin typeface="+mn-lt"/>
+                <a:ea typeface="+mn-ea"/>
+                <a:cs typeface="+mn-cs"/>
+              </a:rPr>
+              <a:t>идеофайл с записью распространения волны горения.</a:t>
+            </a:r>
+          </a:p>
+          <a:p>
+            <a:pPr marL="320040" marR="0" lvl="0" indent="-320040" algn="l" defTabSz="914400" rtl="0" eaLnBrk="1" fontAlgn="auto" latinLnBrk="0" hangingPunct="1">
+              <a:lnSpc>
+                <a:spcPct val="100000"/>
+              </a:lnSpc>
+              <a:spcBef>
+                <a:spcPts val="700"/>
+              </a:spcBef>
+              <a:spcAft>
+                <a:spcPts val="0"/>
+              </a:spcAft>
+              <a:buClr>
+                <a:schemeClr val="accent1"/>
+              </a:buClr>
+              <a:buSzPct val="76000"/>
+              <a:buFont typeface="Wingdings 3" pitchFamily="18" charset="2"/>
+              <a:buChar char="}"/>
+              <a:tabLst/>
+              <a:defRPr/>
+            </a:pPr>
+            <a:r>
+              <a:rPr kumimoji="0" lang="ru-RU" sz="2000" b="0" i="0" u="none" strike="noStrike" kern="1200" cap="none" spc="0" normalizeH="0" baseline="0" noProof="0" dirty="0" smtClean="0">
+                <a:ln>
+                  <a:noFill/>
+                </a:ln>
+                <a:solidFill>
+                  <a:schemeClr val="tx1"/>
+                </a:solidFill>
+                <a:effectLst/>
+                <a:uLnTx/>
+                <a:uFillTx/>
+                <a:latin typeface="+mn-lt"/>
+                <a:ea typeface="+mn-ea"/>
+                <a:cs typeface="+mn-cs"/>
+              </a:rPr>
+              <a:t>Текстовый файл-таблица результатов.</a:t>
+            </a:r>
+          </a:p>
+        </p:txBody>
+      </p:sp>
     </p:spTree>
   </p:cSld>
   <p:clrMapOvr>

--- a/Diploma_Koshkareva.pptx
+++ b/Diploma_Koshkareva.pptx
@@ -4,26 +4,29 @@
   <p:sldMasterIdLst>
     <p:sldMasterId id="2147483696" r:id="rId1"/>
   </p:sldMasterIdLst>
+  <p:notesMasterIdLst>
+    <p:notesMasterId r:id="rId18"/>
+  </p:notesMasterIdLst>
   <p:handoutMasterIdLst>
-    <p:handoutMasterId r:id="rId18"/>
+    <p:handoutMasterId r:id="rId19"/>
   </p:handoutMasterIdLst>
   <p:sldIdLst>
     <p:sldId id="256" r:id="rId2"/>
     <p:sldId id="271" r:id="rId3"/>
-    <p:sldId id="272" r:id="rId4"/>
-    <p:sldId id="261" r:id="rId5"/>
+    <p:sldId id="261" r:id="rId4"/>
+    <p:sldId id="274" r:id="rId5"/>
     <p:sldId id="264" r:id="rId6"/>
-    <p:sldId id="263" r:id="rId7"/>
-    <p:sldId id="273" r:id="rId8"/>
-    <p:sldId id="267" r:id="rId9"/>
-    <p:sldId id="258" r:id="rId10"/>
-    <p:sldId id="269" r:id="rId11"/>
-    <p:sldId id="270" r:id="rId12"/>
-    <p:sldId id="268" r:id="rId13"/>
-    <p:sldId id="265" r:id="rId14"/>
-    <p:sldId id="266" r:id="rId15"/>
-    <p:sldId id="262" r:id="rId16"/>
-    <p:sldId id="257" r:id="rId17"/>
+    <p:sldId id="273" r:id="rId7"/>
+    <p:sldId id="267" r:id="rId8"/>
+    <p:sldId id="258" r:id="rId9"/>
+    <p:sldId id="269" r:id="rId10"/>
+    <p:sldId id="270" r:id="rId11"/>
+    <p:sldId id="268" r:id="rId12"/>
+    <p:sldId id="265" r:id="rId13"/>
+    <p:sldId id="266" r:id="rId14"/>
+    <p:sldId id="262" r:id="rId15"/>
+    <p:sldId id="257" r:id="rId16"/>
+    <p:sldId id="263" r:id="rId17"/>
   </p:sldIdLst>
   <p:sldSz cx="9144000" cy="6858000" type="screen4x3"/>
   <p:notesSz cx="6858000" cy="9144000"/>
@@ -305,6 +308,666 @@
   </p:cSld>
   <p:clrMap bg1="lt1" tx1="dk1" bg2="lt2" tx2="dk2" accent1="accent1" accent2="accent2" accent3="accent3" accent4="accent4" accent5="accent5" accent6="accent6" hlink="hlink" folHlink="folHlink"/>
 </p:handoutMaster>
+</file>
+
+<file path=ppt/notesMasters/notesMaster1.xml><?xml version="1.0" encoding="utf-8"?>
+<p:notesMaster xmlns:a="http://schemas.openxmlformats.org/drawingml/2006/main" xmlns:r="http://schemas.openxmlformats.org/officeDocument/2006/relationships" xmlns:p="http://schemas.openxmlformats.org/presentationml/2006/main">
+  <p:cSld>
+    <p:bg>
+      <p:bgRef idx="1001">
+        <a:schemeClr val="bg1"/>
+      </p:bgRef>
+    </p:bg>
+    <p:spTree>
+      <p:nvGrpSpPr>
+        <p:cNvPr id="1" name=""/>
+        <p:cNvGrpSpPr/>
+        <p:nvPr/>
+      </p:nvGrpSpPr>
+      <p:grpSpPr>
+        <a:xfrm>
+          <a:off x="0" y="0"/>
+          <a:ext cx="0" cy="0"/>
+          <a:chOff x="0" y="0"/>
+          <a:chExt cx="0" cy="0"/>
+        </a:xfrm>
+      </p:grpSpPr>
+      <p:sp>
+        <p:nvSpPr>
+          <p:cNvPr id="2" name="Верхний колонтитул 1"/>
+          <p:cNvSpPr>
+            <a:spLocks noGrp="1"/>
+          </p:cNvSpPr>
+          <p:nvPr>
+            <p:ph type="hdr" sz="quarter"/>
+          </p:nvPr>
+        </p:nvSpPr>
+        <p:spPr>
+          <a:xfrm>
+            <a:off x="0" y="0"/>
+            <a:ext cx="2971800" cy="457200"/>
+          </a:xfrm>
+          <a:prstGeom prst="rect">
+            <a:avLst/>
+          </a:prstGeom>
+        </p:spPr>
+        <p:txBody>
+          <a:bodyPr vert="horz" lIns="91440" tIns="45720" rIns="91440" bIns="45720" rtlCol="0"/>
+          <a:lstStyle>
+            <a:lvl1pPr algn="l">
+              <a:defRPr sz="1200"/>
+            </a:lvl1pPr>
+          </a:lstStyle>
+          <a:p>
+            <a:endParaRPr lang="ru-RU"/>
+          </a:p>
+        </p:txBody>
+      </p:sp>
+      <p:sp>
+        <p:nvSpPr>
+          <p:cNvPr id="3" name="Дата 2"/>
+          <p:cNvSpPr>
+            <a:spLocks noGrp="1"/>
+          </p:cNvSpPr>
+          <p:nvPr>
+            <p:ph type="dt" idx="1"/>
+          </p:nvPr>
+        </p:nvSpPr>
+        <p:spPr>
+          <a:xfrm>
+            <a:off x="3884613" y="0"/>
+            <a:ext cx="2971800" cy="457200"/>
+          </a:xfrm>
+          <a:prstGeom prst="rect">
+            <a:avLst/>
+          </a:prstGeom>
+        </p:spPr>
+        <p:txBody>
+          <a:bodyPr vert="horz" lIns="91440" tIns="45720" rIns="91440" bIns="45720" rtlCol="0"/>
+          <a:lstStyle>
+            <a:lvl1pPr algn="r">
+              <a:defRPr sz="1200"/>
+            </a:lvl1pPr>
+          </a:lstStyle>
+          <a:p>
+            <a:fld id="{13CA7FAF-A460-4BC2-AC51-5ADCCFCF2422}" type="datetimeFigureOut">
+              <a:rPr lang="ru-RU" smtClean="0"/>
+              <a:t>21.09.2017</a:t>
+            </a:fld>
+            <a:endParaRPr lang="ru-RU"/>
+          </a:p>
+        </p:txBody>
+      </p:sp>
+      <p:sp>
+        <p:nvSpPr>
+          <p:cNvPr id="4" name="Образ слайда 3"/>
+          <p:cNvSpPr>
+            <a:spLocks noGrp="1" noRot="1" noChangeAspect="1"/>
+          </p:cNvSpPr>
+          <p:nvPr>
+            <p:ph type="sldImg" idx="2"/>
+          </p:nvPr>
+        </p:nvSpPr>
+        <p:spPr>
+          <a:xfrm>
+            <a:off x="1143000" y="685800"/>
+            <a:ext cx="4572000" cy="3429000"/>
+          </a:xfrm>
+          <a:prstGeom prst="rect">
+            <a:avLst/>
+          </a:prstGeom>
+          <a:noFill/>
+          <a:ln w="12700">
+            <a:solidFill>
+              <a:prstClr val="black"/>
+            </a:solidFill>
+          </a:ln>
+        </p:spPr>
+        <p:txBody>
+          <a:bodyPr vert="horz" lIns="91440" tIns="45720" rIns="91440" bIns="45720" rtlCol="0" anchor="ctr"/>
+          <a:lstStyle/>
+          <a:p>
+            <a:endParaRPr lang="ru-RU"/>
+          </a:p>
+        </p:txBody>
+      </p:sp>
+      <p:sp>
+        <p:nvSpPr>
+          <p:cNvPr id="5" name="Заметки 4"/>
+          <p:cNvSpPr>
+            <a:spLocks noGrp="1"/>
+          </p:cNvSpPr>
+          <p:nvPr>
+            <p:ph type="body" sz="quarter" idx="3"/>
+          </p:nvPr>
+        </p:nvSpPr>
+        <p:spPr>
+          <a:xfrm>
+            <a:off x="685800" y="4343400"/>
+            <a:ext cx="5486400" cy="4114800"/>
+          </a:xfrm>
+          <a:prstGeom prst="rect">
+            <a:avLst/>
+          </a:prstGeom>
+        </p:spPr>
+        <p:txBody>
+          <a:bodyPr vert="horz" lIns="91440" tIns="45720" rIns="91440" bIns="45720" rtlCol="0"/>
+          <a:lstStyle/>
+          <a:p>
+            <a:pPr lvl="0"/>
+            <a:r>
+              <a:rPr lang="ru-RU" smtClean="0"/>
+              <a:t>Образец текста</a:t>
+            </a:r>
+          </a:p>
+          <a:p>
+            <a:pPr lvl="1"/>
+            <a:r>
+              <a:rPr lang="ru-RU" smtClean="0"/>
+              <a:t>Второй уровень</a:t>
+            </a:r>
+          </a:p>
+          <a:p>
+            <a:pPr lvl="2"/>
+            <a:r>
+              <a:rPr lang="ru-RU" smtClean="0"/>
+              <a:t>Третий уровень</a:t>
+            </a:r>
+          </a:p>
+          <a:p>
+            <a:pPr lvl="3"/>
+            <a:r>
+              <a:rPr lang="ru-RU" smtClean="0"/>
+              <a:t>Четвертый уровень</a:t>
+            </a:r>
+          </a:p>
+          <a:p>
+            <a:pPr lvl="4"/>
+            <a:r>
+              <a:rPr lang="ru-RU" smtClean="0"/>
+              <a:t>Пятый уровень</a:t>
+            </a:r>
+            <a:endParaRPr lang="ru-RU"/>
+          </a:p>
+        </p:txBody>
+      </p:sp>
+      <p:sp>
+        <p:nvSpPr>
+          <p:cNvPr id="6" name="Нижний колонтитул 5"/>
+          <p:cNvSpPr>
+            <a:spLocks noGrp="1"/>
+          </p:cNvSpPr>
+          <p:nvPr>
+            <p:ph type="ftr" sz="quarter" idx="4"/>
+          </p:nvPr>
+        </p:nvSpPr>
+        <p:spPr>
+          <a:xfrm>
+            <a:off x="0" y="8685213"/>
+            <a:ext cx="2971800" cy="457200"/>
+          </a:xfrm>
+          <a:prstGeom prst="rect">
+            <a:avLst/>
+          </a:prstGeom>
+        </p:spPr>
+        <p:txBody>
+          <a:bodyPr vert="horz" lIns="91440" tIns="45720" rIns="91440" bIns="45720" rtlCol="0" anchor="b"/>
+          <a:lstStyle>
+            <a:lvl1pPr algn="l">
+              <a:defRPr sz="1200"/>
+            </a:lvl1pPr>
+          </a:lstStyle>
+          <a:p>
+            <a:endParaRPr lang="ru-RU"/>
+          </a:p>
+        </p:txBody>
+      </p:sp>
+      <p:sp>
+        <p:nvSpPr>
+          <p:cNvPr id="7" name="Номер слайда 6"/>
+          <p:cNvSpPr>
+            <a:spLocks noGrp="1"/>
+          </p:cNvSpPr>
+          <p:nvPr>
+            <p:ph type="sldNum" sz="quarter" idx="5"/>
+          </p:nvPr>
+        </p:nvSpPr>
+        <p:spPr>
+          <a:xfrm>
+            <a:off x="3884613" y="8685213"/>
+            <a:ext cx="2971800" cy="457200"/>
+          </a:xfrm>
+          <a:prstGeom prst="rect">
+            <a:avLst/>
+          </a:prstGeom>
+        </p:spPr>
+        <p:txBody>
+          <a:bodyPr vert="horz" lIns="91440" tIns="45720" rIns="91440" bIns="45720" rtlCol="0" anchor="b"/>
+          <a:lstStyle>
+            <a:lvl1pPr algn="r">
+              <a:defRPr sz="1200"/>
+            </a:lvl1pPr>
+          </a:lstStyle>
+          <a:p>
+            <a:fld id="{9ED50A87-9950-4549-A3B6-B08DF564A38B}" type="slidenum">
+              <a:rPr lang="ru-RU" smtClean="0"/>
+              <a:t>‹#›</a:t>
+            </a:fld>
+            <a:endParaRPr lang="ru-RU"/>
+          </a:p>
+        </p:txBody>
+      </p:sp>
+    </p:spTree>
+    <p:extLst>
+      <p:ext uri="{BB962C8B-B14F-4D97-AF65-F5344CB8AC3E}">
+        <p14:creationId xmlns:p14="http://schemas.microsoft.com/office/powerpoint/2010/main" val="850728349"/>
+      </p:ext>
+    </p:extLst>
+  </p:cSld>
+  <p:clrMap bg1="lt1" tx1="dk1" bg2="lt2" tx2="dk2" accent1="accent1" accent2="accent2" accent3="accent3" accent4="accent4" accent5="accent5" accent6="accent6" hlink="hlink" folHlink="folHlink"/>
+  <p:notesStyle>
+    <a:lvl1pPr marL="0" algn="l" defTabSz="914400" rtl="0" eaLnBrk="1" latinLnBrk="0" hangingPunct="1">
+      <a:defRPr sz="1200" kern="1200">
+        <a:solidFill>
+          <a:schemeClr val="tx1"/>
+        </a:solidFill>
+        <a:latin typeface="+mn-lt"/>
+        <a:ea typeface="+mn-ea"/>
+        <a:cs typeface="+mn-cs"/>
+      </a:defRPr>
+    </a:lvl1pPr>
+    <a:lvl2pPr marL="457200" algn="l" defTabSz="914400" rtl="0" eaLnBrk="1" latinLnBrk="0" hangingPunct="1">
+      <a:defRPr sz="1200" kern="1200">
+        <a:solidFill>
+          <a:schemeClr val="tx1"/>
+        </a:solidFill>
+        <a:latin typeface="+mn-lt"/>
+        <a:ea typeface="+mn-ea"/>
+        <a:cs typeface="+mn-cs"/>
+      </a:defRPr>
+    </a:lvl2pPr>
+    <a:lvl3pPr marL="914400" algn="l" defTabSz="914400" rtl="0" eaLnBrk="1" latinLnBrk="0" hangingPunct="1">
+      <a:defRPr sz="1200" kern="1200">
+        <a:solidFill>
+          <a:schemeClr val="tx1"/>
+        </a:solidFill>
+        <a:latin typeface="+mn-lt"/>
+        <a:ea typeface="+mn-ea"/>
+        <a:cs typeface="+mn-cs"/>
+      </a:defRPr>
+    </a:lvl3pPr>
+    <a:lvl4pPr marL="1371600" algn="l" defTabSz="914400" rtl="0" eaLnBrk="1" latinLnBrk="0" hangingPunct="1">
+      <a:defRPr sz="1200" kern="1200">
+        <a:solidFill>
+          <a:schemeClr val="tx1"/>
+        </a:solidFill>
+        <a:latin typeface="+mn-lt"/>
+        <a:ea typeface="+mn-ea"/>
+        <a:cs typeface="+mn-cs"/>
+      </a:defRPr>
+    </a:lvl4pPr>
+    <a:lvl5pPr marL="1828800" algn="l" defTabSz="914400" rtl="0" eaLnBrk="1" latinLnBrk="0" hangingPunct="1">
+      <a:defRPr sz="1200" kern="1200">
+        <a:solidFill>
+          <a:schemeClr val="tx1"/>
+        </a:solidFill>
+        <a:latin typeface="+mn-lt"/>
+        <a:ea typeface="+mn-ea"/>
+        <a:cs typeface="+mn-cs"/>
+      </a:defRPr>
+    </a:lvl5pPr>
+    <a:lvl6pPr marL="2286000" algn="l" defTabSz="914400" rtl="0" eaLnBrk="1" latinLnBrk="0" hangingPunct="1">
+      <a:defRPr sz="1200" kern="1200">
+        <a:solidFill>
+          <a:schemeClr val="tx1"/>
+        </a:solidFill>
+        <a:latin typeface="+mn-lt"/>
+        <a:ea typeface="+mn-ea"/>
+        <a:cs typeface="+mn-cs"/>
+      </a:defRPr>
+    </a:lvl6pPr>
+    <a:lvl7pPr marL="2743200" algn="l" defTabSz="914400" rtl="0" eaLnBrk="1" latinLnBrk="0" hangingPunct="1">
+      <a:defRPr sz="1200" kern="1200">
+        <a:solidFill>
+          <a:schemeClr val="tx1"/>
+        </a:solidFill>
+        <a:latin typeface="+mn-lt"/>
+        <a:ea typeface="+mn-ea"/>
+        <a:cs typeface="+mn-cs"/>
+      </a:defRPr>
+    </a:lvl7pPr>
+    <a:lvl8pPr marL="3200400" algn="l" defTabSz="914400" rtl="0" eaLnBrk="1" latinLnBrk="0" hangingPunct="1">
+      <a:defRPr sz="1200" kern="1200">
+        <a:solidFill>
+          <a:schemeClr val="tx1"/>
+        </a:solidFill>
+        <a:latin typeface="+mn-lt"/>
+        <a:ea typeface="+mn-ea"/>
+        <a:cs typeface="+mn-cs"/>
+      </a:defRPr>
+    </a:lvl8pPr>
+    <a:lvl9pPr marL="3657600" algn="l" defTabSz="914400" rtl="0" eaLnBrk="1" latinLnBrk="0" hangingPunct="1">
+      <a:defRPr sz="1200" kern="1200">
+        <a:solidFill>
+          <a:schemeClr val="tx1"/>
+        </a:solidFill>
+        <a:latin typeface="+mn-lt"/>
+        <a:ea typeface="+mn-ea"/>
+        <a:cs typeface="+mn-cs"/>
+      </a:defRPr>
+    </a:lvl9pPr>
+  </p:notesStyle>
+</p:notesMaster>
+</file>
+
+<file path=ppt/notesSlides/notesSlide1.xml><?xml version="1.0" encoding="utf-8"?>
+<p:notes xmlns:a="http://schemas.openxmlformats.org/drawingml/2006/main" xmlns:r="http://schemas.openxmlformats.org/officeDocument/2006/relationships" xmlns:p="http://schemas.openxmlformats.org/presentationml/2006/main">
+  <p:cSld>
+    <p:spTree>
+      <p:nvGrpSpPr>
+        <p:cNvPr id="1" name=""/>
+        <p:cNvGrpSpPr/>
+        <p:nvPr/>
+      </p:nvGrpSpPr>
+      <p:grpSpPr>
+        <a:xfrm>
+          <a:off x="0" y="0"/>
+          <a:ext cx="0" cy="0"/>
+          <a:chOff x="0" y="0"/>
+          <a:chExt cx="0" cy="0"/>
+        </a:xfrm>
+      </p:grpSpPr>
+      <p:sp>
+        <p:nvSpPr>
+          <p:cNvPr id="2" name="Образ слайда 1"/>
+          <p:cNvSpPr>
+            <a:spLocks noGrp="1" noRot="1" noChangeAspect="1"/>
+          </p:cNvSpPr>
+          <p:nvPr>
+            <p:ph type="sldImg"/>
+          </p:nvPr>
+        </p:nvSpPr>
+        <p:spPr/>
+      </p:sp>
+      <p:sp>
+        <p:nvSpPr>
+          <p:cNvPr id="3" name="Заметки 2"/>
+          <p:cNvSpPr>
+            <a:spLocks noGrp="1"/>
+          </p:cNvSpPr>
+          <p:nvPr>
+            <p:ph type="body" idx="1"/>
+          </p:nvPr>
+        </p:nvSpPr>
+        <p:spPr/>
+        <p:txBody>
+          <a:bodyPr/>
+          <a:lstStyle/>
+          <a:p>
+            <a:endParaRPr lang="ru-RU"/>
+          </a:p>
+        </p:txBody>
+      </p:sp>
+      <p:sp>
+        <p:nvSpPr>
+          <p:cNvPr id="4" name="Номер слайда 3"/>
+          <p:cNvSpPr>
+            <a:spLocks noGrp="1"/>
+          </p:cNvSpPr>
+          <p:nvPr>
+            <p:ph type="sldNum" sz="quarter" idx="10"/>
+          </p:nvPr>
+        </p:nvSpPr>
+        <p:spPr/>
+        <p:txBody>
+          <a:bodyPr/>
+          <a:lstStyle/>
+          <a:p>
+            <a:fld id="{9ED50A87-9950-4549-A3B6-B08DF564A38B}" type="slidenum">
+              <a:rPr lang="ru-RU" smtClean="0"/>
+              <a:t>1</a:t>
+            </a:fld>
+            <a:endParaRPr lang="ru-RU"/>
+          </a:p>
+        </p:txBody>
+      </p:sp>
+    </p:spTree>
+    <p:extLst>
+      <p:ext uri="{BB962C8B-B14F-4D97-AF65-F5344CB8AC3E}">
+        <p14:creationId xmlns:p14="http://schemas.microsoft.com/office/powerpoint/2010/main" val="3174639872"/>
+      </p:ext>
+    </p:extLst>
+  </p:cSld>
+  <p:clrMapOvr>
+    <a:masterClrMapping/>
+  </p:clrMapOvr>
+</p:notes>
+</file>
+
+<file path=ppt/notesSlides/notesSlide2.xml><?xml version="1.0" encoding="utf-8"?>
+<p:notes xmlns:a="http://schemas.openxmlformats.org/drawingml/2006/main" xmlns:r="http://schemas.openxmlformats.org/officeDocument/2006/relationships" xmlns:p="http://schemas.openxmlformats.org/presentationml/2006/main">
+  <p:cSld>
+    <p:spTree>
+      <p:nvGrpSpPr>
+        <p:cNvPr id="1" name=""/>
+        <p:cNvGrpSpPr/>
+        <p:nvPr/>
+      </p:nvGrpSpPr>
+      <p:grpSpPr>
+        <a:xfrm>
+          <a:off x="0" y="0"/>
+          <a:ext cx="0" cy="0"/>
+          <a:chOff x="0" y="0"/>
+          <a:chExt cx="0" cy="0"/>
+        </a:xfrm>
+      </p:grpSpPr>
+      <p:sp>
+        <p:nvSpPr>
+          <p:cNvPr id="2" name="Образ слайда 1"/>
+          <p:cNvSpPr>
+            <a:spLocks noGrp="1" noRot="1" noChangeAspect="1"/>
+          </p:cNvSpPr>
+          <p:nvPr>
+            <p:ph type="sldImg"/>
+          </p:nvPr>
+        </p:nvSpPr>
+        <p:spPr/>
+      </p:sp>
+      <p:sp>
+        <p:nvSpPr>
+          <p:cNvPr id="3" name="Заметки 2"/>
+          <p:cNvSpPr>
+            <a:spLocks noGrp="1"/>
+          </p:cNvSpPr>
+          <p:nvPr>
+            <p:ph type="body" idx="1"/>
+          </p:nvPr>
+        </p:nvSpPr>
+        <p:spPr/>
+        <p:txBody>
+          <a:bodyPr/>
+          <a:lstStyle/>
+          <a:p>
+            <a:pPr marL="0" marR="0" indent="0" algn="l" defTabSz="914400" rtl="0" eaLnBrk="1" fontAlgn="auto" latinLnBrk="0" hangingPunct="1">
+              <a:lnSpc>
+                <a:spcPct val="100000"/>
+              </a:lnSpc>
+              <a:spcBef>
+                <a:spcPts val="0"/>
+              </a:spcBef>
+              <a:spcAft>
+                <a:spcPts val="0"/>
+              </a:spcAft>
+              <a:buClrTx/>
+              <a:buSzTx/>
+              <a:buFontTx/>
+              <a:buNone/>
+              <a:tabLst/>
+              <a:defRPr/>
+            </a:pPr>
+            <a:r>
+              <a:rPr lang="ru-RU" sz="1200" kern="1200" dirty="0" smtClean="0">
+                <a:solidFill>
+                  <a:schemeClr val="tx1"/>
+                </a:solidFill>
+                <a:effectLst/>
+                <a:latin typeface="+mn-lt"/>
+                <a:ea typeface="+mn-ea"/>
+                <a:cs typeface="+mn-cs"/>
+              </a:rPr>
+              <a:t>На протяжении своего развития медицинское сообщество всегда старалось найти более эффективные способы лечения и диагностики болезней. Первоначальные методы были неэффективны из-за применения метода проб и ошибок и интуитивных обобщений. Для решения этой проблемы в медицине сформировалась новая область – доказательная медицина.</a:t>
+            </a:r>
+          </a:p>
+          <a:p>
+            <a:endParaRPr lang="ru-RU" dirty="0"/>
+          </a:p>
+        </p:txBody>
+      </p:sp>
+      <p:sp>
+        <p:nvSpPr>
+          <p:cNvPr id="4" name="Номер слайда 3"/>
+          <p:cNvSpPr>
+            <a:spLocks noGrp="1"/>
+          </p:cNvSpPr>
+          <p:nvPr>
+            <p:ph type="sldNum" sz="quarter" idx="10"/>
+          </p:nvPr>
+        </p:nvSpPr>
+        <p:spPr/>
+        <p:txBody>
+          <a:bodyPr/>
+          <a:lstStyle/>
+          <a:p>
+            <a:fld id="{9ED50A87-9950-4549-A3B6-B08DF564A38B}" type="slidenum">
+              <a:rPr lang="ru-RU" smtClean="0"/>
+              <a:t>2</a:t>
+            </a:fld>
+            <a:endParaRPr lang="ru-RU"/>
+          </a:p>
+        </p:txBody>
+      </p:sp>
+    </p:spTree>
+    <p:extLst>
+      <p:ext uri="{BB962C8B-B14F-4D97-AF65-F5344CB8AC3E}">
+        <p14:creationId xmlns:p14="http://schemas.microsoft.com/office/powerpoint/2010/main" val="3071490720"/>
+      </p:ext>
+    </p:extLst>
+  </p:cSld>
+  <p:clrMapOvr>
+    <a:masterClrMapping/>
+  </p:clrMapOvr>
+</p:notes>
+</file>
+
+<file path=ppt/notesSlides/notesSlide3.xml><?xml version="1.0" encoding="utf-8"?>
+<p:notes xmlns:a="http://schemas.openxmlformats.org/drawingml/2006/main" xmlns:r="http://schemas.openxmlformats.org/officeDocument/2006/relationships" xmlns:p="http://schemas.openxmlformats.org/presentationml/2006/main">
+  <p:cSld>
+    <p:spTree>
+      <p:nvGrpSpPr>
+        <p:cNvPr id="1" name=""/>
+        <p:cNvGrpSpPr/>
+        <p:nvPr/>
+      </p:nvGrpSpPr>
+      <p:grpSpPr>
+        <a:xfrm>
+          <a:off x="0" y="0"/>
+          <a:ext cx="0" cy="0"/>
+          <a:chOff x="0" y="0"/>
+          <a:chExt cx="0" cy="0"/>
+        </a:xfrm>
+      </p:grpSpPr>
+      <p:sp>
+        <p:nvSpPr>
+          <p:cNvPr id="2" name="Образ слайда 1"/>
+          <p:cNvSpPr>
+            <a:spLocks noGrp="1" noRot="1" noChangeAspect="1"/>
+          </p:cNvSpPr>
+          <p:nvPr>
+            <p:ph type="sldImg"/>
+          </p:nvPr>
+        </p:nvSpPr>
+        <p:spPr/>
+      </p:sp>
+      <p:sp>
+        <p:nvSpPr>
+          <p:cNvPr id="3" name="Заметки 2"/>
+          <p:cNvSpPr>
+            <a:spLocks noGrp="1"/>
+          </p:cNvSpPr>
+          <p:nvPr>
+            <p:ph type="body" idx="1"/>
+          </p:nvPr>
+        </p:nvSpPr>
+        <p:spPr/>
+        <p:txBody>
+          <a:bodyPr/>
+          <a:lstStyle/>
+          <a:p>
+            <a:pPr marL="0" marR="0" indent="0" algn="l" defTabSz="914400" rtl="0" eaLnBrk="1" fontAlgn="auto" latinLnBrk="0" hangingPunct="1">
+              <a:lnSpc>
+                <a:spcPct val="100000"/>
+              </a:lnSpc>
+              <a:spcBef>
+                <a:spcPts val="0"/>
+              </a:spcBef>
+              <a:spcAft>
+                <a:spcPts val="0"/>
+              </a:spcAft>
+              <a:buClrTx/>
+              <a:buSzTx/>
+              <a:buFontTx/>
+              <a:buNone/>
+              <a:tabLst/>
+              <a:defRPr/>
+            </a:pPr>
+            <a:r>
+              <a:rPr lang="ru-RU" dirty="0" smtClean="0"/>
+              <a:t>Другой важной проблемой, является наличие выбросов.</a:t>
+            </a:r>
+          </a:p>
+          <a:p>
+            <a:r>
+              <a:rPr lang="ru-RU" dirty="0" smtClean="0"/>
+              <a:t>Почему - словами</a:t>
+            </a:r>
+            <a:endParaRPr lang="ru-RU" dirty="0"/>
+          </a:p>
+        </p:txBody>
+      </p:sp>
+      <p:sp>
+        <p:nvSpPr>
+          <p:cNvPr id="4" name="Номер слайда 3"/>
+          <p:cNvSpPr>
+            <a:spLocks noGrp="1"/>
+          </p:cNvSpPr>
+          <p:nvPr>
+            <p:ph type="sldNum" sz="quarter" idx="10"/>
+          </p:nvPr>
+        </p:nvSpPr>
+        <p:spPr/>
+        <p:txBody>
+          <a:bodyPr/>
+          <a:lstStyle/>
+          <a:p>
+            <a:fld id="{9ED50A87-9950-4549-A3B6-B08DF564A38B}" type="slidenum">
+              <a:rPr lang="ru-RU" smtClean="0"/>
+              <a:t>4</a:t>
+            </a:fld>
+            <a:endParaRPr lang="ru-RU"/>
+          </a:p>
+        </p:txBody>
+      </p:sp>
+    </p:spTree>
+    <p:extLst>
+      <p:ext uri="{BB962C8B-B14F-4D97-AF65-F5344CB8AC3E}">
+        <p14:creationId xmlns:p14="http://schemas.microsoft.com/office/powerpoint/2010/main" val="1849023091"/>
+      </p:ext>
+    </p:extLst>
+  </p:cSld>
+  <p:clrMapOvr>
+    <a:masterClrMapping/>
+  </p:clrMapOvr>
+</p:notes>
 </file>
 
 <file path=ppt/slideLayouts/slideLayout1.xml><?xml version="1.0" encoding="utf-8"?>
@@ -4057,8 +4720,8 @@
         </p:nvSpPr>
         <p:spPr>
           <a:xfrm>
-            <a:off x="899592" y="2348880"/>
-            <a:ext cx="7292188" cy="990600"/>
+            <a:off x="925906" y="1340768"/>
+            <a:ext cx="7292188" cy="1872208"/>
           </a:xfrm>
         </p:spPr>
         <p:txBody>
@@ -4069,7 +4732,7 @@
           <a:p>
             <a:pPr algn="ctr"/>
             <a:r>
-              <a:rPr lang="ru-RU" sz="2000" dirty="0">
+              <a:rPr lang="ru-RU" sz="2800" dirty="0">
                 <a:latin typeface="+mn-lt"/>
                 <a:cs typeface="Times New Roman" panose="02020603050405020304" pitchFamily="18" charset="0"/>
               </a:rPr>
@@ -4090,7 +4753,7 @@
         </p:nvSpPr>
         <p:spPr>
           <a:xfrm>
-            <a:off x="1522600" y="1916832"/>
+            <a:off x="1371600" y="548680"/>
             <a:ext cx="6400800" cy="432048"/>
           </a:xfrm>
         </p:spPr>
@@ -4117,110 +4780,6 @@
       </p:sp>
       <p:sp>
         <p:nvSpPr>
-          <p:cNvPr id="4" name="TextBox 3"/>
-          <p:cNvSpPr txBox="1"/>
-          <p:nvPr/>
-        </p:nvSpPr>
-        <p:spPr>
-          <a:xfrm>
-            <a:off x="539552" y="188640"/>
-            <a:ext cx="8366896" cy="1569660"/>
-          </a:xfrm>
-          <a:prstGeom prst="rect">
-            <a:avLst/>
-          </a:prstGeom>
-          <a:noFill/>
-        </p:spPr>
-        <p:txBody>
-          <a:bodyPr wrap="square" rtlCol="0">
-            <a:spAutoFit/>
-          </a:bodyPr>
-          <a:lstStyle/>
-          <a:p>
-            <a:pPr algn="ctr"/>
-            <a:r>
-              <a:rPr lang="ru-RU" sz="1200" dirty="0">
-                <a:cs typeface="Times New Roman" panose="02020603050405020304" pitchFamily="18" charset="0"/>
-              </a:rPr>
-              <a:t>МИНИСТЕРСТВО ОБРАЗОВАНИЯ И НАУКИ РОССИЙСКОЙ ФЕДЕРАЦИИ</a:t>
-            </a:r>
-          </a:p>
-          <a:p>
-            <a:pPr algn="ctr"/>
-            <a:r>
-              <a:rPr lang="ru-RU" sz="1200" dirty="0">
-                <a:cs typeface="Times New Roman" panose="02020603050405020304" pitchFamily="18" charset="0"/>
-              </a:rPr>
-              <a:t>Федеральное государственное автономное образовательное учреждение</a:t>
-            </a:r>
-          </a:p>
-          <a:p>
-            <a:pPr algn="ctr"/>
-            <a:r>
-              <a:rPr lang="ru-RU" sz="1200" dirty="0">
-                <a:cs typeface="Times New Roman" panose="02020603050405020304" pitchFamily="18" charset="0"/>
-              </a:rPr>
-              <a:t>высшего образования</a:t>
-            </a:r>
-          </a:p>
-          <a:p>
-            <a:pPr algn="ctr"/>
-            <a:r>
-              <a:rPr lang="ru-RU" sz="1200" dirty="0">
-                <a:cs typeface="Times New Roman" panose="02020603050405020304" pitchFamily="18" charset="0"/>
-              </a:rPr>
-              <a:t>«Новосибирский национальный исследовательский государственный университет»</a:t>
-            </a:r>
-          </a:p>
-          <a:p>
-            <a:pPr algn="ctr"/>
-            <a:r>
-              <a:rPr lang="ru-RU" sz="1200" dirty="0">
-                <a:cs typeface="Times New Roman" panose="02020603050405020304" pitchFamily="18" charset="0"/>
-              </a:rPr>
-              <a:t>(Новосибирский государственный университет, НГУ)</a:t>
-            </a:r>
-          </a:p>
-          <a:p>
-            <a:pPr algn="ctr"/>
-            <a:r>
-              <a:rPr lang="ru-RU" sz="1200" dirty="0">
-                <a:cs typeface="Times New Roman" panose="02020603050405020304" pitchFamily="18" charset="0"/>
-              </a:rPr>
-              <a:t>Структурное подразделение Новосибирского государственного университета –</a:t>
-            </a:r>
-          </a:p>
-          <a:p>
-            <a:pPr algn="ctr"/>
-            <a:r>
-              <a:rPr lang="ru-RU" sz="1200" dirty="0">
-                <a:cs typeface="Times New Roman" panose="02020603050405020304" pitchFamily="18" charset="0"/>
-              </a:rPr>
-              <a:t>Высший колледж информатики Университета (ВКИ НГУ)</a:t>
-            </a:r>
-          </a:p>
-          <a:p>
-            <a:pPr algn="ctr"/>
-            <a:r>
-              <a:rPr lang="ru-RU" sz="1200" dirty="0">
-                <a:cs typeface="Times New Roman" panose="02020603050405020304" pitchFamily="18" charset="0"/>
-              </a:rPr>
-              <a:t>КАФЕДРА ИНФОРМАЦИОННЫХ </a:t>
-            </a:r>
-            <a:r>
-              <a:rPr lang="ru-RU" sz="1200" dirty="0" smtClean="0">
-                <a:cs typeface="Times New Roman" panose="02020603050405020304" pitchFamily="18" charset="0"/>
-              </a:rPr>
-              <a:t>ТЕХНОЛОГИЙ</a:t>
-            </a:r>
-            <a:endParaRPr lang="ru-RU" dirty="0">
-              <a:cs typeface="Times New Roman" panose="02020603050405020304" pitchFamily="18" charset="0"/>
-            </a:endParaRPr>
-          </a:p>
-        </p:txBody>
-      </p:sp>
-      <p:sp>
-        <p:nvSpPr>
           <p:cNvPr id="5" name="Прямоугольник 4"/>
           <p:cNvSpPr/>
           <p:nvPr/>
@@ -4322,7 +4881,7 @@
         </p:nvSpPr>
         <p:spPr>
           <a:xfrm>
-            <a:off x="2699792" y="6033482"/>
+            <a:off x="2286000" y="6033482"/>
             <a:ext cx="4572000" cy="584775"/>
           </a:xfrm>
           <a:prstGeom prst="rect">
@@ -4402,10 +4961,15 @@
             <p:ph type="title"/>
           </p:nvPr>
         </p:nvSpPr>
-        <p:spPr/>
+        <p:spPr>
+          <a:xfrm>
+            <a:off x="0" y="782216"/>
+            <a:ext cx="9144000" cy="990600"/>
+          </a:xfrm>
+        </p:spPr>
         <p:txBody>
           <a:bodyPr>
-            <a:normAutofit/>
+            <a:normAutofit fontScale="90000"/>
           </a:bodyPr>
           <a:lstStyle/>
           <a:p>
@@ -4417,11 +4981,82 @@
                 </a:solidFill>
                 <a:latin typeface="+mn-lt"/>
               </a:rPr>
-              <a:t>Вид приложения в процессе счёта</a:t>
-            </a:r>
-            <a:endParaRPr lang="ru-RU" sz="4000" i="1" dirty="0">
+              <a:t>Видеофильм</a:t>
+            </a:r>
+            <a:r>
+              <a:rPr lang="ru-RU" sz="3600" i="1" dirty="0" smtClean="0">
+                <a:solidFill>
+                  <a:srgbClr val="800000"/>
+                </a:solidFill>
+                <a:latin typeface="+mn-lt"/>
+              </a:rPr>
+              <a:t> </a:t>
+            </a:r>
+            <a:r>
+              <a:rPr lang="ru-RU" sz="3600" dirty="0" smtClean="0">
+                <a:solidFill>
+                  <a:srgbClr val="800000"/>
+                </a:solidFill>
+                <a:latin typeface="+mn-lt"/>
+              </a:rPr>
+              <a:t>  </a:t>
+            </a:r>
+            <a:r>
+              <a:rPr lang="en-US" sz="3600" dirty="0" smtClean="0">
+                <a:solidFill>
+                  <a:srgbClr val="800000"/>
+                </a:solidFill>
+                <a:latin typeface="+mn-lt"/>
+              </a:rPr>
+              <a:t/>
+            </a:r>
+            <a:br>
+              <a:rPr lang="en-US" sz="3600" dirty="0" smtClean="0">
+                <a:solidFill>
+                  <a:srgbClr val="800000"/>
+                </a:solidFill>
+                <a:latin typeface="+mn-lt"/>
+              </a:rPr>
+            </a:br>
+            <a:r>
+              <a:rPr lang="ru-RU" sz="2200" dirty="0" smtClean="0">
+                <a:solidFill>
+                  <a:schemeClr val="tx1"/>
+                </a:solidFill>
+                <a:latin typeface="+mn-lt"/>
+              </a:rPr>
+              <a:t>(пятиконечная звезда с расширяющимися лучами, дефект в форме сферической каверны,</a:t>
+            </a:r>
+            <a:r>
+              <a:rPr lang="en-US" sz="2200" dirty="0" smtClean="0">
+                <a:solidFill>
+                  <a:schemeClr val="tx1"/>
+                </a:solidFill>
+                <a:latin typeface="+mn-lt"/>
+              </a:rPr>
+              <a:t> N= 21</a:t>
+            </a:r>
+            <a:r>
+              <a:rPr lang="ru-RU" sz="2200" dirty="0" smtClean="0">
+                <a:solidFill>
+                  <a:schemeClr val="tx1"/>
+                </a:solidFill>
+                <a:latin typeface="+mn-lt"/>
+              </a:rPr>
+              <a:t>)</a:t>
+            </a:r>
+            <a:r>
+              <a:rPr lang="en-US" sz="2200" dirty="0" smtClean="0">
+                <a:solidFill>
+                  <a:schemeClr val="tx1"/>
+                </a:solidFill>
+                <a:latin typeface="+mn-lt"/>
+              </a:rPr>
+              <a:t> </a:t>
+            </a:r>
+            <a:endParaRPr lang="ru-RU" sz="2200" dirty="0">
               <a:solidFill>
-                <a:srgbClr val="800000"/>
+                <a:schemeClr val="tx1"/>
               </a:solidFill>
               <a:latin typeface="+mn-lt"/>
             </a:endParaRPr>
@@ -4466,28 +5101,6 @@
           </a:p>
         </p:txBody>
       </p:sp>
-      <p:pic>
-        <p:nvPicPr>
-          <p:cNvPr id="6" name="Рисунок 5" descr="17.PNG"/>
-          <p:cNvPicPr/>
-          <p:nvPr/>
-        </p:nvPicPr>
-        <p:blipFill>
-          <a:blip r:embed="rId2" cstate="print"/>
-          <a:stretch>
-            <a:fillRect/>
-          </a:stretch>
-        </p:blipFill>
-        <p:spPr>
-          <a:xfrm>
-            <a:off x="1285852" y="1428736"/>
-            <a:ext cx="6929486" cy="4714908"/>
-          </a:xfrm>
-          <a:prstGeom prst="rect">
-            <a:avLst/>
-          </a:prstGeom>
-        </p:spPr>
-      </p:pic>
     </p:spTree>
   </p:cSld>
   <p:clrMapOvr>
@@ -4535,101 +5148,57 @@
         </p:nvSpPr>
         <p:spPr>
           <a:xfrm>
-            <a:off x="0" y="782216"/>
-            <a:ext cx="9144000" cy="990600"/>
+            <a:off x="179512" y="116632"/>
+            <a:ext cx="8729634" cy="990600"/>
           </a:xfrm>
         </p:spPr>
         <p:txBody>
           <a:bodyPr>
-            <a:normAutofit fontScale="90000"/>
+            <a:noAutofit/>
           </a:bodyPr>
           <a:lstStyle/>
           <a:p>
             <a:pPr algn="ctr"/>
             <a:r>
-              <a:rPr lang="ru-RU" sz="4000" i="1" dirty="0" smtClean="0">
+              <a:rPr lang="ru-RU" sz="2400" b="1" i="1" dirty="0" smtClean="0">
+                <a:latin typeface="+mn-lt"/>
+              </a:rPr>
+              <a:t>Диаграммы горения </a:t>
+            </a:r>
+            <a:r>
+              <a:rPr lang="ru-RU" sz="2400" dirty="0" smtClean="0">
+                <a:latin typeface="+mn-lt"/>
+              </a:rPr>
+              <a:t>– принятый  в </a:t>
+            </a:r>
+            <a:r>
+              <a:rPr lang="ru-RU" sz="2400" dirty="0" smtClean="0">
                 <a:solidFill>
-                  <a:srgbClr val="800000"/>
+                  <a:srgbClr val="7030A0"/>
                 </a:solidFill>
                 <a:latin typeface="+mn-lt"/>
               </a:rPr>
-              <a:t>Видеофильм</a:t>
-            </a:r>
-            <a:r>
-              <a:rPr lang="ru-RU" sz="3600" i="1" dirty="0" smtClean="0">
+              <a:t>литературе</a:t>
+            </a:r>
+            <a:r>
+              <a:rPr lang="ru-RU" sz="2400" dirty="0" smtClean="0">
                 <a:solidFill>
-                  <a:srgbClr val="800000"/>
+                  <a:schemeClr val="tx1">
+                    <a:lumMod val="95000"/>
+                    <a:lumOff val="5000"/>
+                  </a:schemeClr>
                 </a:solidFill>
                 <a:latin typeface="+mn-lt"/>
               </a:rPr>
-              <a:t> </a:t>
-            </a:r>
-            <a:r>
-              <a:rPr lang="ru-RU" sz="3600" dirty="0" smtClean="0">
-                <a:solidFill>
-                  <a:srgbClr val="800000"/>
-                </a:solidFill>
+              <a:t>*</a:t>
+            </a:r>
+            <a:r>
+              <a:rPr lang="ru-RU" sz="2400" dirty="0" smtClean="0">
                 <a:latin typeface="+mn-lt"/>
               </a:rPr>
-              <a:t>  </a:t>
-            </a:r>
-            <a:r>
-              <a:rPr lang="en-US" sz="3600" dirty="0" smtClean="0">
-                <a:solidFill>
-                  <a:srgbClr val="800000"/>
-                </a:solidFill>
-                <a:latin typeface="+mn-lt"/>
-              </a:rPr>
-              <a:t/>
-            </a:r>
-            <a:br>
-              <a:rPr lang="en-US" sz="3600" dirty="0" smtClean="0">
-                <a:solidFill>
-                  <a:srgbClr val="800000"/>
-                </a:solidFill>
-                <a:latin typeface="+mn-lt"/>
-              </a:rPr>
-            </a:br>
-            <a:r>
-              <a:rPr lang="ru-RU" sz="2200" dirty="0" smtClean="0">
-                <a:solidFill>
-                  <a:schemeClr val="tx1"/>
-                </a:solidFill>
-                <a:latin typeface="+mn-lt"/>
-              </a:rPr>
-              <a:t>(пятиконечная звезда с расширяющимися лучами, дефект в форме сферической каверны,</a:t>
-            </a:r>
-            <a:r>
-              <a:rPr lang="en-US" sz="2200" dirty="0" smtClean="0">
-                <a:solidFill>
-                  <a:schemeClr val="tx1"/>
-                </a:solidFill>
-                <a:latin typeface="+mn-lt"/>
-              </a:rPr>
-              <a:t> N= 21</a:t>
-            </a:r>
-            <a:r>
-              <a:rPr lang="ru-RU" sz="2200" dirty="0" smtClean="0">
-                <a:solidFill>
-                  <a:schemeClr val="tx1"/>
-                </a:solidFill>
-                <a:latin typeface="+mn-lt"/>
-              </a:rPr>
-              <a:t>)</a:t>
-            </a:r>
-            <a:r>
-              <a:rPr lang="en-US" sz="2200" dirty="0" smtClean="0">
-                <a:solidFill>
-                  <a:schemeClr val="tx1"/>
-                </a:solidFill>
-                <a:latin typeface="+mn-lt"/>
-              </a:rPr>
-              <a:t> </a:t>
-            </a:r>
-            <a:endParaRPr lang="ru-RU" sz="2200" dirty="0">
-              <a:solidFill>
-                <a:schemeClr val="tx1"/>
-              </a:solidFill>
+              <a:t> способ характеризации процесса газообразования при работе двигателя</a:t>
+            </a:r>
+            <a:endParaRPr lang="ru-RU" sz="2400" dirty="0">
               <a:latin typeface="+mn-lt"/>
             </a:endParaRPr>
           </a:p>
@@ -4673,6 +5242,149 @@
           </a:p>
         </p:txBody>
       </p:sp>
+      <p:sp>
+        <p:nvSpPr>
+          <p:cNvPr id="8" name="TextBox 7"/>
+          <p:cNvSpPr txBox="1"/>
+          <p:nvPr/>
+        </p:nvSpPr>
+        <p:spPr>
+          <a:xfrm>
+            <a:off x="539552" y="5013176"/>
+            <a:ext cx="8429684" cy="1723549"/>
+          </a:xfrm>
+          <a:prstGeom prst="rect">
+            <a:avLst/>
+          </a:prstGeom>
+          <a:noFill/>
+        </p:spPr>
+        <p:txBody>
+          <a:bodyPr wrap="square" rtlCol="0">
+            <a:spAutoFit/>
+          </a:bodyPr>
+          <a:lstStyle/>
+          <a:p>
+            <a:r>
+              <a:rPr lang="ru-RU" i="1" dirty="0" smtClean="0"/>
+              <a:t>а</a:t>
+            </a:r>
+            <a:r>
+              <a:rPr lang="ru-RU" dirty="0" smtClean="0"/>
+              <a:t> – </a:t>
+            </a:r>
+            <a:r>
+              <a:rPr lang="ru-RU" dirty="0" err="1" smtClean="0"/>
+              <a:t>бесканальный</a:t>
+            </a:r>
+            <a:r>
+              <a:rPr lang="ru-RU" dirty="0" smtClean="0"/>
+              <a:t> заряд, </a:t>
+            </a:r>
+            <a:r>
+              <a:rPr lang="ru-RU" dirty="0" err="1" smtClean="0"/>
+              <a:t>дегрессивное</a:t>
+            </a:r>
+            <a:r>
+              <a:rPr lang="ru-RU" dirty="0" smtClean="0"/>
+              <a:t> горение; </a:t>
+            </a:r>
+          </a:p>
+          <a:p>
+            <a:r>
+              <a:rPr lang="ru-RU" i="1" dirty="0" smtClean="0"/>
+              <a:t>б </a:t>
+            </a:r>
+            <a:r>
+              <a:rPr lang="ru-RU" dirty="0" smtClean="0"/>
+              <a:t>– одноканальный заряд, слабо </a:t>
+            </a:r>
+            <a:r>
+              <a:rPr lang="ru-RU" dirty="0" err="1" smtClean="0"/>
+              <a:t>дегрессивное</a:t>
+            </a:r>
+            <a:r>
+              <a:rPr lang="ru-RU" dirty="0" smtClean="0"/>
+              <a:t> горение;</a:t>
+            </a:r>
+          </a:p>
+          <a:p>
+            <a:r>
+              <a:rPr lang="ru-RU" i="1" dirty="0" smtClean="0"/>
+              <a:t>в </a:t>
+            </a:r>
+            <a:r>
+              <a:rPr lang="ru-RU" dirty="0" smtClean="0"/>
+              <a:t>– одноканальный заряд с бронировкой торцов, нейтральное горение; </a:t>
+            </a:r>
+          </a:p>
+          <a:p>
+            <a:r>
+              <a:rPr lang="ru-RU" i="1" dirty="0" smtClean="0"/>
+              <a:t>г</a:t>
+            </a:r>
+            <a:r>
+              <a:rPr lang="ru-RU" dirty="0" smtClean="0"/>
+              <a:t> – многоканальный заряд, прогрессивное горние. </a:t>
+            </a:r>
+          </a:p>
+          <a:p>
+            <a:endParaRPr lang="ru-RU" dirty="0" smtClean="0"/>
+          </a:p>
+          <a:p>
+            <a:r>
+              <a:rPr lang="ru-RU" sz="1600" b="1" dirty="0" smtClean="0">
+                <a:solidFill>
+                  <a:srgbClr val="7030A0"/>
+                </a:solidFill>
+              </a:rPr>
+              <a:t>* </a:t>
+            </a:r>
+            <a:r>
+              <a:rPr lang="ru-RU" sz="1600" b="1" dirty="0" err="1" smtClean="0">
+                <a:solidFill>
+                  <a:srgbClr val="7030A0"/>
+                </a:solidFill>
+              </a:rPr>
+              <a:t>Поллард</a:t>
+            </a:r>
+            <a:r>
+              <a:rPr lang="ru-RU" sz="1600" b="1" dirty="0" smtClean="0">
+                <a:solidFill>
+                  <a:srgbClr val="7030A0"/>
+                </a:solidFill>
+              </a:rPr>
+              <a:t> Ф. Б. Вспомогательные системы ракетно-космической техники:— М.: Мир, 1970. </a:t>
+            </a:r>
+            <a:endParaRPr lang="ru-RU" sz="1600" b="1" dirty="0">
+              <a:solidFill>
+                <a:srgbClr val="7030A0"/>
+              </a:solidFill>
+            </a:endParaRPr>
+          </a:p>
+        </p:txBody>
+      </p:sp>
+      <p:pic>
+        <p:nvPicPr>
+          <p:cNvPr id="9" name="Рисунок 8" descr="Копия диаграммы горения.PNG"/>
+          <p:cNvPicPr/>
+          <p:nvPr/>
+        </p:nvPicPr>
+        <p:blipFill>
+          <a:blip r:embed="rId2" cstate="print"/>
+          <a:stretch>
+            <a:fillRect/>
+          </a:stretch>
+        </p:blipFill>
+        <p:spPr>
+          <a:xfrm>
+            <a:off x="857224" y="1440136"/>
+            <a:ext cx="7286676" cy="3429024"/>
+          </a:xfrm>
+          <a:prstGeom prst="rect">
+            <a:avLst/>
+          </a:prstGeom>
+        </p:spPr>
+      </p:pic>
     </p:spTree>
   </p:cSld>
   <p:clrMapOvr>
@@ -4720,290 +5432,6 @@
         </p:nvSpPr>
         <p:spPr>
           <a:xfrm>
-            <a:off x="179512" y="116632"/>
-            <a:ext cx="8729634" cy="990600"/>
-          </a:xfrm>
-        </p:spPr>
-        <p:txBody>
-          <a:bodyPr>
-            <a:noAutofit/>
-          </a:bodyPr>
-          <a:lstStyle/>
-          <a:p>
-            <a:pPr algn="ctr"/>
-            <a:r>
-              <a:rPr lang="ru-RU" sz="2400" b="1" i="1" dirty="0" smtClean="0">
-                <a:latin typeface="+mn-lt"/>
-              </a:rPr>
-              <a:t>Диаграммы горения </a:t>
-            </a:r>
-            <a:r>
-              <a:rPr lang="ru-RU" sz="2400" dirty="0" smtClean="0">
-                <a:latin typeface="+mn-lt"/>
-              </a:rPr>
-              <a:t>– принятый  в </a:t>
-            </a:r>
-            <a:r>
-              <a:rPr lang="ru-RU" sz="2400" dirty="0" smtClean="0">
-                <a:solidFill>
-                  <a:srgbClr val="7030A0"/>
-                </a:solidFill>
-                <a:latin typeface="+mn-lt"/>
-              </a:rPr>
-              <a:t>литературе</a:t>
-            </a:r>
-            <a:r>
-              <a:rPr lang="ru-RU" sz="2400" dirty="0" smtClean="0">
-                <a:solidFill>
-                  <a:schemeClr val="tx1">
-                    <a:lumMod val="95000"/>
-                    <a:lumOff val="5000"/>
-                  </a:schemeClr>
-                </a:solidFill>
-                <a:latin typeface="+mn-lt"/>
-              </a:rPr>
-              <a:t>*</a:t>
-            </a:r>
-            <a:r>
-              <a:rPr lang="ru-RU" sz="2400" dirty="0" smtClean="0">
-                <a:latin typeface="+mn-lt"/>
-              </a:rPr>
-              <a:t> способ характеризации процесса газообразования при работе двигателя</a:t>
-            </a:r>
-            <a:endParaRPr lang="ru-RU" sz="2400" dirty="0">
-              <a:latin typeface="+mn-lt"/>
-            </a:endParaRPr>
-          </a:p>
-        </p:txBody>
-      </p:sp>
-      <p:sp>
-        <p:nvSpPr>
-          <p:cNvPr id="18434" name="Rectangle 2"/>
-          <p:cNvSpPr>
-            <a:spLocks noChangeArrowheads="1"/>
-          </p:cNvSpPr>
-          <p:nvPr/>
-        </p:nvSpPr>
-        <p:spPr bwMode="auto">
-          <a:xfrm>
-            <a:off x="0" y="0"/>
-            <a:ext cx="9144000" cy="0"/>
-          </a:xfrm>
-          <a:prstGeom prst="rect">
-            <a:avLst/>
-          </a:prstGeom>
-          <a:noFill/>
-          <a:ln w="9525">
-            <a:noFill/>
-            <a:miter lim="800000"/>
-            <a:headEnd/>
-            <a:tailEnd/>
-          </a:ln>
-          <a:effectLst/>
-        </p:spPr>
-        <p:txBody>
-          <a:bodyPr vert="horz" wrap="none" lIns="91440" tIns="45720" rIns="91440" bIns="45720" numCol="1" anchor="ctr" anchorCtr="0" compatLnSpc="1">
-            <a:prstTxWarp prst="textNoShape">
-              <a:avLst/>
-            </a:prstTxWarp>
-            <a:spAutoFit/>
-          </a:bodyPr>
-          <a:lstStyle/>
-          <a:p>
-            <a:endParaRPr lang="ru-RU"/>
-          </a:p>
-        </p:txBody>
-      </p:sp>
-      <p:sp>
-        <p:nvSpPr>
-          <p:cNvPr id="8" name="TextBox 7"/>
-          <p:cNvSpPr txBox="1"/>
-          <p:nvPr/>
-        </p:nvSpPr>
-        <p:spPr>
-          <a:xfrm>
-            <a:off x="539552" y="5013176"/>
-            <a:ext cx="8429684" cy="1723549"/>
-          </a:xfrm>
-          <a:prstGeom prst="rect">
-            <a:avLst/>
-          </a:prstGeom>
-          <a:noFill/>
-        </p:spPr>
-        <p:txBody>
-          <a:bodyPr wrap="square" rtlCol="0">
-            <a:spAutoFit/>
-          </a:bodyPr>
-          <a:lstStyle/>
-          <a:p>
-            <a:r>
-              <a:rPr lang="ru-RU" i="1" dirty="0" smtClean="0"/>
-              <a:t>а</a:t>
-            </a:r>
-            <a:r>
-              <a:rPr lang="ru-RU" dirty="0" smtClean="0"/>
-              <a:t> – </a:t>
-            </a:r>
-            <a:r>
-              <a:rPr lang="ru-RU" dirty="0" err="1" smtClean="0"/>
-              <a:t>бесканальный</a:t>
-            </a:r>
-            <a:r>
-              <a:rPr lang="ru-RU" dirty="0" smtClean="0"/>
-              <a:t> заряд, </a:t>
-            </a:r>
-            <a:r>
-              <a:rPr lang="ru-RU" dirty="0" err="1" smtClean="0"/>
-              <a:t>дегрессивное</a:t>
-            </a:r>
-            <a:r>
-              <a:rPr lang="ru-RU" dirty="0" smtClean="0"/>
-              <a:t> горение; </a:t>
-            </a:r>
-          </a:p>
-          <a:p>
-            <a:r>
-              <a:rPr lang="ru-RU" i="1" dirty="0" smtClean="0"/>
-              <a:t>б </a:t>
-            </a:r>
-            <a:r>
-              <a:rPr lang="ru-RU" dirty="0" smtClean="0"/>
-              <a:t>– одноканальный заряд, слабо </a:t>
-            </a:r>
-            <a:r>
-              <a:rPr lang="ru-RU" dirty="0" err="1" smtClean="0"/>
-              <a:t>дегрессивное</a:t>
-            </a:r>
-            <a:r>
-              <a:rPr lang="ru-RU" dirty="0" smtClean="0"/>
-              <a:t> горение;</a:t>
-            </a:r>
-          </a:p>
-          <a:p>
-            <a:r>
-              <a:rPr lang="ru-RU" i="1" dirty="0" smtClean="0"/>
-              <a:t>в </a:t>
-            </a:r>
-            <a:r>
-              <a:rPr lang="ru-RU" dirty="0" smtClean="0"/>
-              <a:t>– одноканальный заряд с бронировкой торцов, нейтральное горение; </a:t>
-            </a:r>
-          </a:p>
-          <a:p>
-            <a:r>
-              <a:rPr lang="ru-RU" i="1" dirty="0" smtClean="0"/>
-              <a:t>г</a:t>
-            </a:r>
-            <a:r>
-              <a:rPr lang="ru-RU" dirty="0" smtClean="0"/>
-              <a:t> – многоканальный заряд, прогрессивное горние. </a:t>
-            </a:r>
-          </a:p>
-          <a:p>
-            <a:endParaRPr lang="ru-RU" dirty="0" smtClean="0"/>
-          </a:p>
-          <a:p>
-            <a:r>
-              <a:rPr lang="ru-RU" sz="1600" b="1" dirty="0" smtClean="0">
-                <a:solidFill>
-                  <a:srgbClr val="7030A0"/>
-                </a:solidFill>
-              </a:rPr>
-              <a:t>* </a:t>
-            </a:r>
-            <a:r>
-              <a:rPr lang="ru-RU" sz="1600" b="1" dirty="0" err="1" smtClean="0">
-                <a:solidFill>
-                  <a:srgbClr val="7030A0"/>
-                </a:solidFill>
-              </a:rPr>
-              <a:t>Поллард</a:t>
-            </a:r>
-            <a:r>
-              <a:rPr lang="ru-RU" sz="1600" b="1" dirty="0" smtClean="0">
-                <a:solidFill>
-                  <a:srgbClr val="7030A0"/>
-                </a:solidFill>
-              </a:rPr>
-              <a:t> Ф. Б. Вспомогательные системы ракетно-космической техники:— М.: Мир, 1970. </a:t>
-            </a:r>
-            <a:endParaRPr lang="ru-RU" sz="1600" b="1" dirty="0">
-              <a:solidFill>
-                <a:srgbClr val="7030A0"/>
-              </a:solidFill>
-            </a:endParaRPr>
-          </a:p>
-        </p:txBody>
-      </p:sp>
-      <p:pic>
-        <p:nvPicPr>
-          <p:cNvPr id="9" name="Рисунок 8" descr="Копия диаграммы горения.PNG"/>
-          <p:cNvPicPr/>
-          <p:nvPr/>
-        </p:nvPicPr>
-        <p:blipFill>
-          <a:blip r:embed="rId2" cstate="print"/>
-          <a:stretch>
-            <a:fillRect/>
-          </a:stretch>
-        </p:blipFill>
-        <p:spPr>
-          <a:xfrm>
-            <a:off x="857224" y="1440136"/>
-            <a:ext cx="7286676" cy="3429024"/>
-          </a:xfrm>
-          <a:prstGeom prst="rect">
-            <a:avLst/>
-          </a:prstGeom>
-        </p:spPr>
-      </p:pic>
-    </p:spTree>
-  </p:cSld>
-  <p:clrMapOvr>
-    <a:masterClrMapping/>
-  </p:clrMapOvr>
-  <p:transition>
-    <p:fade/>
-  </p:transition>
-  <p:timing>
-    <p:tnLst>
-      <p:par>
-        <p:cTn id="1" dur="indefinite" restart="never" nodeType="tmRoot"/>
-      </p:par>
-    </p:tnLst>
-  </p:timing>
-</p:sld>
-</file>
-
-<file path=ppt/slides/slide13.xml><?xml version="1.0" encoding="utf-8"?>
-<p:sld xmlns:a="http://schemas.openxmlformats.org/drawingml/2006/main" xmlns:r="http://schemas.openxmlformats.org/officeDocument/2006/relationships" xmlns:p="http://schemas.openxmlformats.org/presentationml/2006/main">
-  <p:cSld>
-    <p:spTree>
-      <p:nvGrpSpPr>
-        <p:cNvPr id="1" name=""/>
-        <p:cNvGrpSpPr/>
-        <p:nvPr/>
-      </p:nvGrpSpPr>
-      <p:grpSpPr>
-        <a:xfrm>
-          <a:off x="0" y="0"/>
-          <a:ext cx="0" cy="0"/>
-          <a:chOff x="0" y="0"/>
-          <a:chExt cx="0" cy="0"/>
-        </a:xfrm>
-      </p:grpSpPr>
-      <p:sp>
-        <p:nvSpPr>
-          <p:cNvPr id="2" name="Заголовок 1"/>
-          <p:cNvSpPr>
-            <a:spLocks noGrp="1"/>
-          </p:cNvSpPr>
-          <p:nvPr>
-            <p:ph type="title"/>
-          </p:nvPr>
-        </p:nvSpPr>
-        <p:spPr>
-          <a:xfrm>
             <a:off x="457200" y="44624"/>
             <a:ext cx="8229600" cy="990600"/>
           </a:xfrm>
@@ -5123,7 +5551,7 @@
           <a:graphicData uri="http://schemas.openxmlformats.org/presentationml/2006/ole">
             <mc:AlternateContent xmlns:mc="http://schemas.openxmlformats.org/markup-compatibility/2006">
               <mc:Choice xmlns:v="urn:schemas-microsoft-com:vml" Requires="v">
-                <p:oleObj spid="_x0000_s18438" r:id="rId3" imgW="4153814" imgH="2895600" progId="">
+                <p:oleObj spid="_x0000_s18454" r:id="rId3" imgW="4153814" imgH="2895600" progId="">
                   <p:embed/>
                 </p:oleObj>
               </mc:Choice>
@@ -5562,7 +5990,7 @@
 </p:sld>
 </file>
 
-<file path=ppt/slides/slide14.xml><?xml version="1.0" encoding="utf-8"?>
+<file path=ppt/slides/slide13.xml><?xml version="1.0" encoding="utf-8"?>
 <p:sld xmlns:a="http://schemas.openxmlformats.org/drawingml/2006/main" xmlns:r="http://schemas.openxmlformats.org/officeDocument/2006/relationships" xmlns:p="http://schemas.openxmlformats.org/presentationml/2006/main">
   <p:cSld>
     <p:spTree>
@@ -5728,7 +6156,7 @@
           <a:graphicData uri="http://schemas.openxmlformats.org/presentationml/2006/ole">
             <mc:AlternateContent xmlns:mc="http://schemas.openxmlformats.org/markup-compatibility/2006">
               <mc:Choice xmlns:v="urn:schemas-microsoft-com:vml" Requires="v">
-                <p:oleObj spid="_x0000_s22534" r:id="rId3" imgW="4153814" imgH="2895600" progId="">
+                <p:oleObj spid="_x0000_s22550" r:id="rId3" imgW="4153814" imgH="2895600" progId="">
                   <p:embed/>
                 </p:oleObj>
               </mc:Choice>
@@ -6108,6 +6536,115 @@
 </p:sld>
 </file>
 
+<file path=ppt/slides/slide14.xml><?xml version="1.0" encoding="utf-8"?>
+<p:sld xmlns:a="http://schemas.openxmlformats.org/drawingml/2006/main" xmlns:r="http://schemas.openxmlformats.org/officeDocument/2006/relationships" xmlns:p="http://schemas.openxmlformats.org/presentationml/2006/main">
+  <p:cSld>
+    <p:spTree>
+      <p:nvGrpSpPr>
+        <p:cNvPr id="1" name=""/>
+        <p:cNvGrpSpPr/>
+        <p:nvPr/>
+      </p:nvGrpSpPr>
+      <p:grpSpPr>
+        <a:xfrm>
+          <a:off x="0" y="0"/>
+          <a:ext cx="0" cy="0"/>
+          <a:chOff x="0" y="0"/>
+          <a:chExt cx="0" cy="0"/>
+        </a:xfrm>
+      </p:grpSpPr>
+      <p:sp>
+        <p:nvSpPr>
+          <p:cNvPr id="2" name="Заголовок 1"/>
+          <p:cNvSpPr>
+            <a:spLocks noGrp="1"/>
+          </p:cNvSpPr>
+          <p:nvPr>
+            <p:ph type="title"/>
+          </p:nvPr>
+        </p:nvSpPr>
+        <p:spPr/>
+        <p:txBody>
+          <a:bodyPr>
+            <a:normAutofit/>
+          </a:bodyPr>
+          <a:lstStyle/>
+          <a:p>
+            <a:pPr algn="ctr"/>
+            <a:r>
+              <a:rPr lang="ru-RU" sz="4000" i="1" dirty="0" smtClean="0">
+                <a:solidFill>
+                  <a:srgbClr val="800000"/>
+                </a:solidFill>
+                <a:latin typeface="+mn-lt"/>
+              </a:rPr>
+              <a:t>Заключение</a:t>
+            </a:r>
+            <a:endParaRPr lang="ru-RU" sz="4000" i="1" dirty="0">
+              <a:solidFill>
+                <a:srgbClr val="800000"/>
+              </a:solidFill>
+              <a:latin typeface="+mn-lt"/>
+            </a:endParaRPr>
+          </a:p>
+        </p:txBody>
+      </p:sp>
+      <p:sp>
+        <p:nvSpPr>
+          <p:cNvPr id="3" name="Содержимое 2"/>
+          <p:cNvSpPr>
+            <a:spLocks noGrp="1"/>
+          </p:cNvSpPr>
+          <p:nvPr>
+            <p:ph sz="quarter" idx="1"/>
+          </p:nvPr>
+        </p:nvSpPr>
+        <p:spPr>
+          <a:xfrm>
+            <a:off x="612648" y="1600200"/>
+            <a:ext cx="8153400" cy="3543312"/>
+          </a:xfrm>
+        </p:spPr>
+        <p:txBody>
+          <a:bodyPr>
+            <a:noAutofit/>
+          </a:bodyPr>
+          <a:lstStyle/>
+          <a:p>
+            <a:r>
+              <a:rPr lang="ru-RU" sz="2400" dirty="0"/>
+              <a:t>Разработанная библиотека решает проблему подготовки входных данных для статистического анализа в автоматическом режиме. Библиотека сводит к минимуму затраченное на это время, а также позволяет биостатистикам в удобной форме анализировать данные исследования. </a:t>
+            </a:r>
+            <a:r>
+              <a:rPr lang="ru-RU" sz="2400" dirty="0"/>
+              <a:t> </a:t>
+            </a:r>
+            <a:r>
+              <a:rPr lang="ru-RU" sz="2400" dirty="0"/>
+              <a:t> </a:t>
+            </a:r>
+            <a:endParaRPr lang="ru-RU" sz="2400" dirty="0"/>
+          </a:p>
+        </p:txBody>
+      </p:sp>
+    </p:spTree>
+  </p:cSld>
+  <p:clrMapOvr>
+    <a:masterClrMapping/>
+  </p:clrMapOvr>
+  <p:transition>
+    <p:fade/>
+  </p:transition>
+  <p:timing>
+    <p:tnLst>
+      <p:par>
+        <p:cTn id="1" dur="indefinite" restart="never" nodeType="tmRoot"/>
+      </p:par>
+    </p:tnLst>
+  </p:timing>
+</p:sld>
+</file>
+
 <file path=ppt/slides/slide15.xml><?xml version="1.0" encoding="utf-8"?>
 <p:sld xmlns:a="http://schemas.openxmlformats.org/drawingml/2006/main" xmlns:r="http://schemas.openxmlformats.org/officeDocument/2006/relationships" xmlns:p="http://schemas.openxmlformats.org/presentationml/2006/main">
   <p:cSld>
@@ -6135,67 +6672,36 @@
             <p:ph type="title"/>
           </p:nvPr>
         </p:nvSpPr>
-        <p:spPr/>
+        <p:spPr>
+          <a:xfrm>
+            <a:off x="611560" y="3068960"/>
+            <a:ext cx="8153400" cy="990600"/>
+          </a:xfrm>
+        </p:spPr>
         <p:txBody>
           <a:bodyPr>
-            <a:normAutofit/>
+            <a:normAutofit fontScale="90000"/>
           </a:bodyPr>
           <a:lstStyle/>
           <a:p>
             <a:pPr algn="ctr"/>
             <a:r>
-              <a:rPr lang="ru-RU" sz="4000" i="1" dirty="0" smtClean="0">
+              <a:rPr lang="ru-RU" sz="4900" i="1" dirty="0" smtClean="0">
                 <a:solidFill>
                   <a:srgbClr val="800000"/>
                 </a:solidFill>
                 <a:latin typeface="+mn-lt"/>
               </a:rPr>
-              <a:t>Заключение</a:t>
-            </a:r>
-            <a:endParaRPr lang="ru-RU" sz="4000" i="1" dirty="0">
-              <a:solidFill>
-                <a:srgbClr val="800000"/>
-              </a:solidFill>
-              <a:latin typeface="+mn-lt"/>
-            </a:endParaRPr>
-          </a:p>
-        </p:txBody>
-      </p:sp>
-      <p:sp>
-        <p:nvSpPr>
-          <p:cNvPr id="3" name="Содержимое 2"/>
-          <p:cNvSpPr>
-            <a:spLocks noGrp="1"/>
-          </p:cNvSpPr>
-          <p:nvPr>
-            <p:ph sz="quarter" idx="1"/>
-          </p:nvPr>
-        </p:nvSpPr>
-        <p:spPr>
-          <a:xfrm>
-            <a:off x="612648" y="1600200"/>
-            <a:ext cx="8153400" cy="3543312"/>
-          </a:xfrm>
-        </p:spPr>
-        <p:txBody>
-          <a:bodyPr>
-            <a:noAutofit/>
-          </a:bodyPr>
-          <a:lstStyle/>
-          <a:p>
-            <a:r>
-              <a:rPr lang="ru-RU" sz="2400" dirty="0"/>
-              <a:t>Разработанная библиотека решает проблему подготовки входных данных для статистического анализа в автоматическом режиме. Библиотека сводит к минимуму затраченное на это время, а также позволяет биостатистикам в удобной форме анализировать данные исследования. </a:t>
-            </a:r>
-            <a:r>
-              <a:rPr lang="ru-RU" sz="2400" dirty="0"/>
-              <a:t> </a:t>
-            </a:r>
-            <a:r>
-              <a:rPr lang="ru-RU" sz="2400" dirty="0"/>
-              <a:t> </a:t>
-            </a:r>
-            <a:endParaRPr lang="ru-RU" sz="2400" dirty="0"/>
+              <a:t>Спасибо за внимание!</a:t>
+            </a:r>
+            <a:r>
+              <a:rPr lang="ru-RU" dirty="0" smtClean="0"/>
+              <a:t/>
+            </a:r>
+            <a:br>
+              <a:rPr lang="ru-RU" dirty="0" smtClean="0"/>
+            </a:br>
+            <a:endParaRPr lang="ru-RU" dirty="0"/>
           </a:p>
         </p:txBody>
       </p:sp>
@@ -6244,36 +6750,125 @@
             <p:ph type="title"/>
           </p:nvPr>
         </p:nvSpPr>
-        <p:spPr>
-          <a:xfrm>
-            <a:off x="611560" y="3068960"/>
-            <a:ext cx="8153400" cy="990600"/>
-          </a:xfrm>
-        </p:spPr>
+        <p:spPr/>
         <p:txBody>
           <a:bodyPr>
-            <a:normAutofit fontScale="90000"/>
+            <a:normAutofit/>
           </a:bodyPr>
           <a:lstStyle/>
           <a:p>
             <a:pPr algn="ctr"/>
             <a:r>
-              <a:rPr lang="ru-RU" sz="4900" i="1" dirty="0" smtClean="0">
+              <a:rPr lang="ru-RU" sz="4000" i="1" dirty="0" smtClean="0">
                 <a:solidFill>
                   <a:srgbClr val="800000"/>
                 </a:solidFill>
                 <a:latin typeface="+mn-lt"/>
               </a:rPr>
-              <a:t>Спасибо за внимание!</a:t>
+              <a:t>Задачи</a:t>
+            </a:r>
+            <a:endParaRPr lang="ru-RU" sz="4000" i="1" dirty="0">
+              <a:solidFill>
+                <a:srgbClr val="800000"/>
+              </a:solidFill>
+              <a:latin typeface="+mn-lt"/>
+            </a:endParaRPr>
+          </a:p>
+        </p:txBody>
+      </p:sp>
+      <p:sp>
+        <p:nvSpPr>
+          <p:cNvPr id="3" name="Содержимое 2"/>
+          <p:cNvSpPr>
+            <a:spLocks noGrp="1"/>
+          </p:cNvSpPr>
+          <p:nvPr>
+            <p:ph sz="quarter" idx="1"/>
+          </p:nvPr>
+        </p:nvSpPr>
+        <p:spPr>
+          <a:xfrm>
+            <a:off x="467544" y="1412776"/>
+            <a:ext cx="8229600" cy="4793744"/>
+          </a:xfrm>
+        </p:spPr>
+        <p:txBody>
+          <a:bodyPr>
+            <a:normAutofit lnSpcReduction="10000"/>
+          </a:bodyPr>
+          <a:lstStyle/>
+          <a:p>
+            <a:r>
+              <a:rPr lang="ru-RU" dirty="0"/>
+              <a:t>Выявление пропущенных значений (незаполненных полей</a:t>
             </a:r>
             <a:r>
               <a:rPr lang="ru-RU" dirty="0" smtClean="0"/>
-              <a:t/>
-            </a:r>
-            <a:br>
+              <a:t>).</a:t>
+            </a:r>
+          </a:p>
+          <a:p>
+            <a:endParaRPr lang="ru-RU" dirty="0"/>
+          </a:p>
+          <a:p>
+            <a:pPr lvl="0"/>
+            <a:r>
+              <a:rPr lang="ru-RU" dirty="0"/>
+              <a:t>Поиск опечаток</a:t>
+            </a:r>
+            <a:r>
               <a:rPr lang="ru-RU" dirty="0" smtClean="0"/>
-            </a:br>
+              <a:t>.</a:t>
+            </a:r>
+          </a:p>
+          <a:p>
+            <a:pPr lvl="0"/>
             <a:endParaRPr lang="ru-RU" dirty="0"/>
+          </a:p>
+          <a:p>
+            <a:pPr lvl="0"/>
+            <a:r>
+              <a:rPr lang="ru-RU" dirty="0"/>
+              <a:t>Поиск «выдающихся значений» или «выбросов</a:t>
+            </a:r>
+            <a:r>
+              <a:rPr lang="ru-RU" dirty="0" smtClean="0"/>
+              <a:t>».</a:t>
+            </a:r>
+          </a:p>
+          <a:p>
+            <a:pPr lvl="0"/>
+            <a:endParaRPr lang="ru-RU" dirty="0"/>
+          </a:p>
+          <a:p>
+            <a:pPr lvl="0"/>
+            <a:r>
+              <a:rPr lang="ru-RU" dirty="0"/>
+              <a:t>Проверка на упорядочение дат</a:t>
+            </a:r>
+            <a:r>
+              <a:rPr lang="ru-RU" dirty="0" smtClean="0"/>
+              <a:t>;</a:t>
+            </a:r>
+          </a:p>
+          <a:p>
+            <a:pPr lvl="0"/>
+            <a:endParaRPr lang="ru-RU" dirty="0"/>
+          </a:p>
+          <a:p>
+            <a:pPr lvl="0"/>
+            <a:r>
+              <a:rPr lang="ru-RU" dirty="0"/>
+              <a:t>Исследование нормальности распределения различными статистическими </a:t>
+            </a:r>
+            <a:r>
+              <a:rPr lang="ru-RU" dirty="0"/>
+              <a:t>методами.</a:t>
+            </a:r>
+            <a:endParaRPr lang="ru-RU" dirty="0"/>
+          </a:p>
+          <a:p>
+            <a:endParaRPr lang="ru-RU" sz="2000" dirty="0"/>
           </a:p>
         </p:txBody>
       </p:sp>
@@ -6508,6 +7103,128 @@
                       </p:childTnLst>
                     </p:cTn>
                   </p:par>
+                  <p:par>
+                    <p:cTn id="8" fill="hold">
+                      <p:stCondLst>
+                        <p:cond delay="indefinite"/>
+                      </p:stCondLst>
+                      <p:childTnLst>
+                        <p:par>
+                          <p:cTn id="9" fill="hold">
+                            <p:stCondLst>
+                              <p:cond delay="0"/>
+                            </p:stCondLst>
+                            <p:childTnLst>
+                              <p:par>
+                                <p:cTn id="10" presetID="10" presetClass="entr" presetSubtype="0" fill="hold" nodeType="clickEffect">
+                                  <p:stCondLst>
+                                    <p:cond delay="0"/>
+                                  </p:stCondLst>
+                                  <p:childTnLst>
+                                    <p:set>
+                                      <p:cBhvr>
+                                        <p:cTn id="11" dur="1" fill="hold">
+                                          <p:stCondLst>
+                                            <p:cond delay="0"/>
+                                          </p:stCondLst>
+                                        </p:cTn>
+                                        <p:tgtEl>
+                                          <p:spTgt spid="3">
+                                            <p:txEl>
+                                              <p:pRg st="2" end="2"/>
+                                            </p:txEl>
+                                          </p:spTgt>
+                                        </p:tgtEl>
+                                        <p:attrNameLst>
+                                          <p:attrName>style.visibility</p:attrName>
+                                        </p:attrNameLst>
+                                      </p:cBhvr>
+                                      <p:to>
+                                        <p:strVal val="visible"/>
+                                      </p:to>
+                                    </p:set>
+                                    <p:animEffect transition="in" filter="fade">
+                                      <p:cBhvr>
+                                        <p:cTn id="12" dur="500"/>
+                                        <p:tgtEl>
+                                          <p:spTgt spid="3">
+                                            <p:txEl>
+                                              <p:pRg st="2" end="2"/>
+                                            </p:txEl>
+                                          </p:spTgt>
+                                        </p:tgtEl>
+                                      </p:cBhvr>
+                                    </p:animEffect>
+                                  </p:childTnLst>
+                                </p:cTn>
+                              </p:par>
+                            </p:childTnLst>
+                          </p:cTn>
+                        </p:par>
+                      </p:childTnLst>
+                    </p:cTn>
+                  </p:par>
+                  <p:par>
+                    <p:cTn id="13" fill="hold">
+                      <p:stCondLst>
+                        <p:cond delay="indefinite"/>
+                      </p:stCondLst>
+                      <p:childTnLst>
+                        <p:par>
+                          <p:cTn id="14" fill="hold">
+                            <p:stCondLst>
+                              <p:cond delay="0"/>
+                            </p:stCondLst>
+                            <p:childTnLst>
+                              <p:par>
+                                <p:cTn id="15" presetID="10" presetClass="entr" presetSubtype="0" fill="hold" nodeType="clickEffect">
+                                  <p:stCondLst>
+                                    <p:cond delay="0"/>
+                                  </p:stCondLst>
+                                  <p:childTnLst>
+                                    <p:set>
+                                      <p:cBhvr>
+                                        <p:cTn id="16" dur="1" fill="hold">
+                                          <p:stCondLst>
+                                            <p:cond delay="0"/>
+                                          </p:stCondLst>
+                                        </p:cTn>
+                                        <p:tgtEl>
+                                          <p:spTgt spid="3">
+                                            <p:txEl>
+                                              <p:pRg st="4" end="4"/>
+                                            </p:txEl>
+                                          </p:spTgt>
+                                        </p:tgtEl>
+                                        <p:attrNameLst>
+                                          <p:attrName>style.visibility</p:attrName>
+                                        </p:attrNameLst>
+                                      </p:cBhvr>
+                                      <p:to>
+                                        <p:strVal val="visible"/>
+                                      </p:to>
+                                    </p:set>
+                                    <p:animEffect transition="in" filter="fade">
+                                      <p:cBhvr>
+                                        <p:cTn id="17" dur="500"/>
+                                        <p:tgtEl>
+                                          <p:spTgt spid="3">
+                                            <p:txEl>
+                                              <p:pRg st="4" end="4"/>
+                                            </p:txEl>
+                                          </p:spTgt>
+                                        </p:tgtEl>
+                                      </p:cBhvr>
+                                    </p:animEffect>
+                                  </p:childTnLst>
+                                </p:cTn>
+                              </p:par>
+                            </p:childTnLst>
+                          </p:cTn>
+                        </p:par>
+                      </p:childTnLst>
+                    </p:cTn>
+                  </p:par>
                 </p:childTnLst>
               </p:cTn>
               <p:prevCondLst>
@@ -6562,16 +7279,17 @@
         </p:nvSpPr>
         <p:spPr/>
         <p:txBody>
-          <a:bodyPr/>
-          <a:lstStyle/>
-          <a:p>
-            <a:pPr algn="ctr"/>
-            <a:r>
-              <a:rPr lang="ru-RU" sz="4000" i="1" dirty="0" smtClean="0">
+          <a:bodyPr>
+            <a:normAutofit/>
+          </a:bodyPr>
+          <a:lstStyle/>
+          <a:p>
+            <a:pPr marL="0" indent="0" algn="ctr"/>
+            <a:r>
+              <a:rPr lang="ru-RU" sz="4000" i="1" dirty="0">
                 <a:solidFill>
                   <a:srgbClr val="800000"/>
                 </a:solidFill>
-                <a:latin typeface="+mn-lt"/>
               </a:rPr>
               <a:t>Актуальность работы</a:t>
             </a:r>
@@ -6586,7 +7304,7 @@
       </p:sp>
       <p:sp>
         <p:nvSpPr>
-          <p:cNvPr id="3" name="Объект 2"/>
+          <p:cNvPr id="3" name="Содержимое 2"/>
           <p:cNvSpPr>
             <a:spLocks noGrp="1"/>
           </p:cNvSpPr>
@@ -6596,77 +7314,93 @@
         </p:nvSpPr>
         <p:spPr>
           <a:xfrm>
-            <a:off x="467544" y="1412776"/>
-            <a:ext cx="8229600" cy="5032216"/>
+            <a:off x="539552" y="1484784"/>
+            <a:ext cx="8153400" cy="4495800"/>
           </a:xfrm>
         </p:spPr>
         <p:txBody>
           <a:bodyPr>
-            <a:normAutofit fontScale="92500" lnSpcReduction="10000"/>
+            <a:noAutofit/>
           </a:bodyPr>
           <a:lstStyle/>
           <a:p>
             <a:r>
+              <a:rPr lang="ru-RU" dirty="0" err="1"/>
+              <a:t>Биомедики</a:t>
+            </a:r>
+            <a:r>
+              <a:rPr lang="ru-RU" dirty="0"/>
+              <a:t> </a:t>
+            </a:r>
+            <a:endParaRPr lang="ru-RU" dirty="0" smtClean="0"/>
+          </a:p>
+          <a:p>
+            <a:r>
               <a:rPr lang="ru-RU" dirty="0" smtClean="0"/>
-              <a:t>Статистический </a:t>
+              <a:t>На </a:t>
             </a:r>
             <a:r>
               <a:rPr lang="ru-RU" dirty="0"/>
-              <a:t>анализ  - это неотъемлемая часть практически любого медицинского исследования, и только с его помощью можно объективно судить о результатах.</a:t>
+              <a:t>данный момент выполнение </a:t>
+            </a:r>
+            <a:r>
+              <a:rPr lang="ru-RU" dirty="0"/>
+              <a:t>процедур </a:t>
+            </a:r>
+            <a:r>
+              <a:rPr lang="ru-RU" dirty="0" smtClean="0"/>
+              <a:t>поиска ошибок во входных данных происходит </a:t>
+            </a:r>
+            <a:r>
+              <a:rPr lang="ru-RU" dirty="0"/>
+              <a:t>в ручном режиме</a:t>
+            </a:r>
+            <a:r>
+              <a:rPr lang="ru-RU" dirty="0" smtClean="0"/>
+              <a:t>.</a:t>
+            </a:r>
+          </a:p>
+          <a:p>
+            <a:endParaRPr lang="ru-RU" dirty="0" smtClean="0"/>
+          </a:p>
+          <a:p>
+            <a:r>
+              <a:rPr lang="ru-RU" dirty="0" smtClean="0"/>
+              <a:t>Ручной поиск является </a:t>
+            </a:r>
+            <a:r>
+              <a:rPr lang="ru-RU" dirty="0"/>
+              <a:t>неэффективным из-за невнимательности проверяющего человека. </a:t>
+            </a:r>
+            <a:endParaRPr lang="ru-RU" dirty="0" smtClean="0"/>
+          </a:p>
+          <a:p>
+            <a:endParaRPr lang="ru-RU" dirty="0" smtClean="0"/>
+          </a:p>
+          <a:p>
+            <a:r>
+              <a:rPr lang="ru-RU" dirty="0" smtClean="0"/>
+              <a:t>При </a:t>
+            </a:r>
+            <a:r>
+              <a:rPr lang="ru-RU" dirty="0"/>
+              <a:t>таком подходе </a:t>
+            </a:r>
+            <a:r>
+              <a:rPr lang="ru-RU" dirty="0" smtClean="0"/>
+              <a:t>невозможно </a:t>
+            </a:r>
+            <a:r>
+              <a:rPr lang="ru-RU" dirty="0"/>
+              <a:t>обработать большой объем данных за разумное время.</a:t>
             </a:r>
           </a:p>
           <a:p>
             <a:endParaRPr lang="ru-RU" dirty="0"/>
           </a:p>
-          <a:p>
-            <a:r>
-              <a:rPr lang="ru-RU" u="sng" dirty="0" smtClean="0"/>
-              <a:t>Трудности:</a:t>
-            </a:r>
-            <a:r>
-              <a:rPr lang="ru-RU" dirty="0" smtClean="0"/>
-              <a:t> Опечатки </a:t>
-            </a:r>
-            <a:r>
-              <a:rPr lang="ru-RU" dirty="0"/>
-              <a:t>и пропуски отдельных значений в данных исследований являются постоянной проблемой. Другой важной </a:t>
-            </a:r>
-            <a:r>
-              <a:rPr lang="ru-RU" dirty="0" smtClean="0"/>
-              <a:t>проблемой, серьезно влияющей на  работу статистических моделей, является </a:t>
-            </a:r>
-            <a:r>
-              <a:rPr lang="ru-RU" dirty="0"/>
-              <a:t>наличие выбросов.  Нарушение нормальности распределения данных влияет на выбор статистического метода.</a:t>
-            </a:r>
-          </a:p>
-          <a:p>
-            <a:endParaRPr lang="ru-RU" dirty="0"/>
-          </a:p>
-          <a:p>
-            <a:r>
-              <a:rPr lang="ru-RU" u="sng" dirty="0"/>
-              <a:t>Решение: </a:t>
-            </a:r>
-            <a:r>
-              <a:rPr lang="ru-RU" dirty="0"/>
-              <a:t> Проверка начальных данных на валидность перед проведением статистического анализа.</a:t>
-            </a:r>
-          </a:p>
-          <a:p>
-            <a:endParaRPr lang="ru-RU" dirty="0"/>
-          </a:p>
-          <a:p>
-            <a:endParaRPr lang="en-US" dirty="0" smtClean="0"/>
-          </a:p>
         </p:txBody>
       </p:sp>
     </p:spTree>
-    <p:extLst>
-      <p:ext uri="{BB962C8B-B14F-4D97-AF65-F5344CB8AC3E}">
-        <p14:creationId xmlns:p14="http://schemas.microsoft.com/office/powerpoint/2010/main" val="545166999"/>
-      </p:ext>
-    </p:extLst>
   </p:cSld>
   <p:clrMapOvr>
     <a:masterClrMapping/>
@@ -6714,28 +7448,31 @@
         <p:spPr/>
         <p:txBody>
           <a:bodyPr>
-            <a:normAutofit/>
+            <a:normAutofit fontScale="90000"/>
           </a:bodyPr>
           <a:lstStyle/>
           <a:p>
-            <a:pPr marL="0" indent="0" algn="ctr"/>
-            <a:r>
-              <a:rPr lang="ru-RU" sz="4000" i="1" dirty="0">
+            <a:pPr algn="ctr"/>
+            <a:r>
+              <a:rPr lang="ru-RU" sz="4000" i="1" dirty="0" smtClean="0">
                 <a:solidFill>
                   <a:srgbClr val="800000"/>
                 </a:solidFill>
                 <a:latin typeface="+mn-lt"/>
               </a:rPr>
-              <a:t>Текущее положение </a:t>
-            </a:r>
-            <a:r>
-              <a:rPr lang="ru-RU" sz="4000" i="1" dirty="0">
-                <a:solidFill>
-                  <a:srgbClr val="800000"/>
-                </a:solidFill>
-                <a:latin typeface="+mn-lt"/>
-              </a:rPr>
-              <a:t>дел</a:t>
+              <a:t>Трудности ?</a:t>
+            </a:r>
+            <a:r>
+              <a:rPr lang="ru-RU" sz="4000" dirty="0" smtClean="0"/>
+              <a:t>Статистический </a:t>
+            </a:r>
+            <a:r>
+              <a:rPr lang="ru-RU" sz="4000" dirty="0"/>
+              <a:t>анализ </a:t>
+            </a:r>
+            <a:r>
+              <a:rPr lang="ru-RU" sz="4000" dirty="0" smtClean="0"/>
+              <a:t>?</a:t>
             </a:r>
             <a:endParaRPr lang="ru-RU" sz="4000" i="1" dirty="0">
               <a:solidFill>
@@ -6748,7 +7485,7 @@
       </p:sp>
       <p:sp>
         <p:nvSpPr>
-          <p:cNvPr id="3" name="Содержимое 2"/>
+          <p:cNvPr id="3" name="Объект 2"/>
           <p:cNvSpPr>
             <a:spLocks noGrp="1"/>
           </p:cNvSpPr>
@@ -6758,23 +7495,23 @@
         </p:nvSpPr>
         <p:spPr>
           <a:xfrm>
-            <a:off x="539552" y="1484784"/>
-            <a:ext cx="8153400" cy="4495800"/>
+            <a:off x="467544" y="1412776"/>
+            <a:ext cx="8229600" cy="5032216"/>
           </a:xfrm>
         </p:spPr>
         <p:txBody>
           <a:bodyPr>
-            <a:noAutofit/>
+            <a:normAutofit/>
           </a:bodyPr>
           <a:lstStyle/>
           <a:p>
             <a:r>
               <a:rPr lang="ru-RU" dirty="0" smtClean="0"/>
-              <a:t>На </a:t>
+              <a:t>Опечатки </a:t>
             </a:r>
             <a:r>
               <a:rPr lang="ru-RU" dirty="0"/>
-              <a:t>данный момент выполнение этих процедур происходит в ручном режиме</a:t>
+              <a:t>и пропуски отдельных значений в данных исследований являются постоянной проблемой</a:t>
             </a:r>
             <a:r>
               <a:rPr lang="ru-RU" dirty="0" smtClean="0"/>
@@ -6782,38 +7519,75 @@
             </a:r>
           </a:p>
           <a:p>
-            <a:endParaRPr lang="ru-RU" dirty="0" smtClean="0"/>
-          </a:p>
-          <a:p>
             <a:r>
               <a:rPr lang="ru-RU" dirty="0" smtClean="0"/>
-              <a:t> </a:t>
+              <a:t>Другой </a:t>
             </a:r>
             <a:r>
               <a:rPr lang="ru-RU" dirty="0"/>
-              <a:t>Такой подход является неэффективным из-за невнимательности проверяющего человека. </a:t>
-            </a:r>
-            <a:endParaRPr lang="ru-RU" dirty="0" smtClean="0"/>
-          </a:p>
-          <a:p>
-            <a:endParaRPr lang="ru-RU" dirty="0" smtClean="0"/>
-          </a:p>
-          <a:p>
+              <a:t>важной </a:t>
+            </a:r>
             <a:r>
               <a:rPr lang="ru-RU" dirty="0" smtClean="0"/>
-              <a:t>При </a:t>
+              <a:t>проблемой, является </a:t>
             </a:r>
             <a:r>
               <a:rPr lang="ru-RU" dirty="0"/>
-              <a:t>таком подходе не возможно обработать большой объем данных за разумное время.</a:t>
-            </a:r>
-          </a:p>
-          <a:p>
+              <a:t>наличие выбросов</a:t>
+            </a:r>
+            <a:r>
+              <a:rPr lang="ru-RU" dirty="0" smtClean="0"/>
+              <a:t>.</a:t>
+            </a:r>
+          </a:p>
+          <a:p>
+            <a:r>
+              <a:rPr lang="ru-RU" dirty="0" smtClean="0"/>
+              <a:t>Нарушение </a:t>
+            </a:r>
+            <a:r>
+              <a:rPr lang="ru-RU" dirty="0"/>
+              <a:t>нормальности распределения данных влияет на выбор статистического метода</a:t>
+            </a:r>
+            <a:r>
+              <a:rPr lang="ru-RU" dirty="0" smtClean="0"/>
+              <a:t>.</a:t>
+            </a:r>
+          </a:p>
+          <a:p>
+            <a:r>
+              <a:rPr lang="ru-RU" dirty="0" smtClean="0"/>
+              <a:t>Сортировку дат???</a:t>
+            </a:r>
             <a:endParaRPr lang="ru-RU" dirty="0"/>
           </a:p>
+          <a:p>
+            <a:endParaRPr lang="ru-RU" dirty="0"/>
+          </a:p>
+          <a:p>
+            <a:r>
+              <a:rPr lang="ru-RU" u="sng" dirty="0"/>
+              <a:t>Решение: </a:t>
+            </a:r>
+            <a:r>
+              <a:rPr lang="ru-RU" dirty="0"/>
+              <a:t> Проверка начальных данных на валидность перед проведением статистического анализа.</a:t>
+            </a:r>
+          </a:p>
+          <a:p>
+            <a:endParaRPr lang="ru-RU" dirty="0"/>
+          </a:p>
+          <a:p>
+            <a:endParaRPr lang="en-US" dirty="0" smtClean="0"/>
+          </a:p>
         </p:txBody>
       </p:sp>
     </p:spTree>
+    <p:extLst>
+      <p:ext uri="{BB962C8B-B14F-4D97-AF65-F5344CB8AC3E}">
+        <p14:creationId xmlns:p14="http://schemas.microsoft.com/office/powerpoint/2010/main" val="1700037025"/>
+      </p:ext>
+    </p:extLst>
   </p:cSld>
   <p:clrMapOvr>
     <a:masterClrMapping/>
@@ -6824,9 +7598,340 @@
   <p:timing>
     <p:tnLst>
       <p:par>
-        <p:cTn id="1" dur="indefinite" restart="never" nodeType="tmRoot"/>
+        <p:cTn id="1" dur="indefinite" restart="never" nodeType="tmRoot">
+          <p:childTnLst>
+            <p:seq concurrent="1" nextAc="seek">
+              <p:cTn id="2" dur="indefinite" nodeType="mainSeq">
+                <p:childTnLst>
+                  <p:par>
+                    <p:cTn id="3" fill="hold">
+                      <p:stCondLst>
+                        <p:cond delay="indefinite"/>
+                      </p:stCondLst>
+                      <p:childTnLst>
+                        <p:par>
+                          <p:cTn id="4" fill="hold">
+                            <p:stCondLst>
+                              <p:cond delay="0"/>
+                            </p:stCondLst>
+                            <p:childTnLst>
+                              <p:par>
+                                <p:cTn id="5" presetID="10" presetClass="entr" presetSubtype="0" fill="hold" grpId="0" nodeType="clickEffect">
+                                  <p:stCondLst>
+                                    <p:cond delay="0"/>
+                                  </p:stCondLst>
+                                  <p:childTnLst>
+                                    <p:set>
+                                      <p:cBhvr>
+                                        <p:cTn id="6" dur="1" fill="hold">
+                                          <p:stCondLst>
+                                            <p:cond delay="0"/>
+                                          </p:stCondLst>
+                                        </p:cTn>
+                                        <p:tgtEl>
+                                          <p:spTgt spid="3">
+                                            <p:txEl>
+                                              <p:pRg st="0" end="0"/>
+                                            </p:txEl>
+                                          </p:spTgt>
+                                        </p:tgtEl>
+                                        <p:attrNameLst>
+                                          <p:attrName>style.visibility</p:attrName>
+                                        </p:attrNameLst>
+                                      </p:cBhvr>
+                                      <p:to>
+                                        <p:strVal val="visible"/>
+                                      </p:to>
+                                    </p:set>
+                                    <p:animEffect transition="in" filter="fade">
+                                      <p:cBhvr>
+                                        <p:cTn id="7" dur="500"/>
+                                        <p:tgtEl>
+                                          <p:spTgt spid="3">
+                                            <p:txEl>
+                                              <p:pRg st="0" end="0"/>
+                                            </p:txEl>
+                                          </p:spTgt>
+                                        </p:tgtEl>
+                                      </p:cBhvr>
+                                    </p:animEffect>
+                                  </p:childTnLst>
+                                </p:cTn>
+                              </p:par>
+                            </p:childTnLst>
+                          </p:cTn>
+                        </p:par>
+                      </p:childTnLst>
+                    </p:cTn>
+                  </p:par>
+                  <p:par>
+                    <p:cTn id="8" fill="hold">
+                      <p:stCondLst>
+                        <p:cond delay="indefinite"/>
+                      </p:stCondLst>
+                      <p:childTnLst>
+                        <p:par>
+                          <p:cTn id="9" fill="hold">
+                            <p:stCondLst>
+                              <p:cond delay="0"/>
+                            </p:stCondLst>
+                            <p:childTnLst>
+                              <p:par>
+                                <p:cTn id="10" presetID="10" presetClass="entr" presetSubtype="0" fill="hold" grpId="0" nodeType="clickEffect">
+                                  <p:stCondLst>
+                                    <p:cond delay="0"/>
+                                  </p:stCondLst>
+                                  <p:childTnLst>
+                                    <p:set>
+                                      <p:cBhvr>
+                                        <p:cTn id="11" dur="1" fill="hold">
+                                          <p:stCondLst>
+                                            <p:cond delay="0"/>
+                                          </p:stCondLst>
+                                        </p:cTn>
+                                        <p:tgtEl>
+                                          <p:spTgt spid="3">
+                                            <p:txEl>
+                                              <p:pRg st="1" end="1"/>
+                                            </p:txEl>
+                                          </p:spTgt>
+                                        </p:tgtEl>
+                                        <p:attrNameLst>
+                                          <p:attrName>style.visibility</p:attrName>
+                                        </p:attrNameLst>
+                                      </p:cBhvr>
+                                      <p:to>
+                                        <p:strVal val="visible"/>
+                                      </p:to>
+                                    </p:set>
+                                    <p:animEffect transition="in" filter="fade">
+                                      <p:cBhvr>
+                                        <p:cTn id="12" dur="500"/>
+                                        <p:tgtEl>
+                                          <p:spTgt spid="3">
+                                            <p:txEl>
+                                              <p:pRg st="1" end="1"/>
+                                            </p:txEl>
+                                          </p:spTgt>
+                                        </p:tgtEl>
+                                      </p:cBhvr>
+                                    </p:animEffect>
+                                  </p:childTnLst>
+                                </p:cTn>
+                              </p:par>
+                            </p:childTnLst>
+                          </p:cTn>
+                        </p:par>
+                      </p:childTnLst>
+                    </p:cTn>
+                  </p:par>
+                  <p:par>
+                    <p:cTn id="13" fill="hold">
+                      <p:stCondLst>
+                        <p:cond delay="indefinite"/>
+                      </p:stCondLst>
+                      <p:childTnLst>
+                        <p:par>
+                          <p:cTn id="14" fill="hold">
+                            <p:stCondLst>
+                              <p:cond delay="0"/>
+                            </p:stCondLst>
+                            <p:childTnLst>
+                              <p:par>
+                                <p:cTn id="15" presetID="10" presetClass="entr" presetSubtype="0" fill="hold" grpId="0" nodeType="clickEffect">
+                                  <p:stCondLst>
+                                    <p:cond delay="0"/>
+                                  </p:stCondLst>
+                                  <p:childTnLst>
+                                    <p:set>
+                                      <p:cBhvr>
+                                        <p:cTn id="16" dur="1" fill="hold">
+                                          <p:stCondLst>
+                                            <p:cond delay="0"/>
+                                          </p:stCondLst>
+                                        </p:cTn>
+                                        <p:tgtEl>
+                                          <p:spTgt spid="3">
+                                            <p:txEl>
+                                              <p:pRg st="2" end="2"/>
+                                            </p:txEl>
+                                          </p:spTgt>
+                                        </p:tgtEl>
+                                        <p:attrNameLst>
+                                          <p:attrName>style.visibility</p:attrName>
+                                        </p:attrNameLst>
+                                      </p:cBhvr>
+                                      <p:to>
+                                        <p:strVal val="visible"/>
+                                      </p:to>
+                                    </p:set>
+                                    <p:animEffect transition="in" filter="fade">
+                                      <p:cBhvr>
+                                        <p:cTn id="17" dur="500"/>
+                                        <p:tgtEl>
+                                          <p:spTgt spid="3">
+                                            <p:txEl>
+                                              <p:pRg st="2" end="2"/>
+                                            </p:txEl>
+                                          </p:spTgt>
+                                        </p:tgtEl>
+                                      </p:cBhvr>
+                                    </p:animEffect>
+                                  </p:childTnLst>
+                                </p:cTn>
+                              </p:par>
+                            </p:childTnLst>
+                          </p:cTn>
+                        </p:par>
+                      </p:childTnLst>
+                    </p:cTn>
+                  </p:par>
+                  <p:par>
+                    <p:cTn id="18" fill="hold">
+                      <p:stCondLst>
+                        <p:cond delay="indefinite"/>
+                      </p:stCondLst>
+                      <p:childTnLst>
+                        <p:par>
+                          <p:cTn id="19" fill="hold">
+                            <p:stCondLst>
+                              <p:cond delay="0"/>
+                            </p:stCondLst>
+                            <p:childTnLst>
+                              <p:par>
+                                <p:cTn id="20" presetID="10" presetClass="entr" presetSubtype="0" fill="hold" grpId="0" nodeType="clickEffect">
+                                  <p:stCondLst>
+                                    <p:cond delay="0"/>
+                                  </p:stCondLst>
+                                  <p:childTnLst>
+                                    <p:set>
+                                      <p:cBhvr>
+                                        <p:cTn id="21" dur="1" fill="hold">
+                                          <p:stCondLst>
+                                            <p:cond delay="0"/>
+                                          </p:stCondLst>
+                                        </p:cTn>
+                                        <p:tgtEl>
+                                          <p:spTgt spid="3">
+                                            <p:txEl>
+                                              <p:pRg st="3" end="3"/>
+                                            </p:txEl>
+                                          </p:spTgt>
+                                        </p:tgtEl>
+                                        <p:attrNameLst>
+                                          <p:attrName>style.visibility</p:attrName>
+                                        </p:attrNameLst>
+                                      </p:cBhvr>
+                                      <p:to>
+                                        <p:strVal val="visible"/>
+                                      </p:to>
+                                    </p:set>
+                                    <p:animEffect transition="in" filter="fade">
+                                      <p:cBhvr>
+                                        <p:cTn id="22" dur="500"/>
+                                        <p:tgtEl>
+                                          <p:spTgt spid="3">
+                                            <p:txEl>
+                                              <p:pRg st="3" end="3"/>
+                                            </p:txEl>
+                                          </p:spTgt>
+                                        </p:tgtEl>
+                                      </p:cBhvr>
+                                    </p:animEffect>
+                                  </p:childTnLst>
+                                </p:cTn>
+                              </p:par>
+                            </p:childTnLst>
+                          </p:cTn>
+                        </p:par>
+                      </p:childTnLst>
+                    </p:cTn>
+                  </p:par>
+                  <p:par>
+                    <p:cTn id="23" fill="hold">
+                      <p:stCondLst>
+                        <p:cond delay="indefinite"/>
+                      </p:stCondLst>
+                      <p:childTnLst>
+                        <p:par>
+                          <p:cTn id="24" fill="hold">
+                            <p:stCondLst>
+                              <p:cond delay="0"/>
+                            </p:stCondLst>
+                            <p:childTnLst>
+                              <p:par>
+                                <p:cTn id="25" presetID="10" presetClass="entr" presetSubtype="0" fill="hold" grpId="0" nodeType="clickEffect">
+                                  <p:stCondLst>
+                                    <p:cond delay="0"/>
+                                  </p:stCondLst>
+                                  <p:childTnLst>
+                                    <p:set>
+                                      <p:cBhvr>
+                                        <p:cTn id="26" dur="1" fill="hold">
+                                          <p:stCondLst>
+                                            <p:cond delay="0"/>
+                                          </p:stCondLst>
+                                        </p:cTn>
+                                        <p:tgtEl>
+                                          <p:spTgt spid="3">
+                                            <p:txEl>
+                                              <p:pRg st="5" end="5"/>
+                                            </p:txEl>
+                                          </p:spTgt>
+                                        </p:tgtEl>
+                                        <p:attrNameLst>
+                                          <p:attrName>style.visibility</p:attrName>
+                                        </p:attrNameLst>
+                                      </p:cBhvr>
+                                      <p:to>
+                                        <p:strVal val="visible"/>
+                                      </p:to>
+                                    </p:set>
+                                    <p:animEffect transition="in" filter="fade">
+                                      <p:cBhvr>
+                                        <p:cTn id="27" dur="500"/>
+                                        <p:tgtEl>
+                                          <p:spTgt spid="3">
+                                            <p:txEl>
+                                              <p:pRg st="5" end="5"/>
+                                            </p:txEl>
+                                          </p:spTgt>
+                                        </p:tgtEl>
+                                      </p:cBhvr>
+                                    </p:animEffect>
+                                  </p:childTnLst>
+                                </p:cTn>
+                              </p:par>
+                            </p:childTnLst>
+                          </p:cTn>
+                        </p:par>
+                      </p:childTnLst>
+                    </p:cTn>
+                  </p:par>
+                </p:childTnLst>
+              </p:cTn>
+              <p:prevCondLst>
+                <p:cond evt="onPrev" delay="0">
+                  <p:tgtEl>
+                    <p:sldTgt/>
+                  </p:tgtEl>
+                </p:cond>
+              </p:prevCondLst>
+              <p:nextCondLst>
+                <p:cond evt="onNext" delay="0">
+                  <p:tgtEl>
+                    <p:sldTgt/>
+                  </p:tgtEl>
+                </p:cond>
+              </p:nextCondLst>
+            </p:seq>
+          </p:childTnLst>
+        </p:cTn>
       </p:par>
     </p:tnLst>
+    <p:bldLst>
+      <p:bldP spid="3" grpId="0" build="p"/>
+    </p:bldLst>
   </p:timing>
 </p:sld>
 </file>
@@ -6867,15 +7972,15 @@
           <a:p>
             <a:pPr algn="ctr"/>
             <a:r>
-              <a:rPr lang="ru-RU" sz="4000" i="1" dirty="0" smtClean="0">
+              <a:rPr lang="ru-RU" sz="3600" i="1" dirty="0">
                 <a:solidFill>
                   <a:srgbClr val="800000"/>
                 </a:solidFill>
                 <a:latin typeface="+mn-lt"/>
               </a:rPr>
-              <a:t>Новый подход</a:t>
-            </a:r>
-            <a:endParaRPr lang="ru-RU" sz="4000" i="1" dirty="0">
+              <a:t>Решение проблемы</a:t>
+            </a:r>
+            <a:endParaRPr lang="ru-RU" sz="3600" i="1" dirty="0">
               <a:solidFill>
                 <a:srgbClr val="800000"/>
               </a:solidFill>
@@ -7037,33 +8142,20 @@
         </p:nvSpPr>
         <p:spPr/>
         <p:txBody>
-          <a:bodyPr>
-            <a:normAutofit/>
-          </a:bodyPr>
+          <a:bodyPr/>
           <a:lstStyle/>
           <a:p>
             <a:pPr algn="ctr"/>
             <a:r>
-              <a:rPr lang="ru-RU" sz="4000" i="1" dirty="0" smtClean="0">
-                <a:solidFill>
-                  <a:srgbClr val="800000"/>
-                </a:solidFill>
-                <a:latin typeface="+mn-lt"/>
-              </a:rPr>
-              <a:t>Задачи</a:t>
-            </a:r>
-            <a:endParaRPr lang="ru-RU" sz="4000" i="1" dirty="0">
-              <a:solidFill>
-                <a:srgbClr val="800000"/>
-              </a:solidFill>
-              <a:latin typeface="+mn-lt"/>
-            </a:endParaRPr>
-          </a:p>
-        </p:txBody>
-      </p:sp>
-      <p:sp>
-        <p:nvSpPr>
-          <p:cNvPr id="3" name="Содержимое 2"/>
+              <a:rPr lang="ru-RU" dirty="0"/>
+              <a:t>Опечатки</a:t>
+            </a:r>
+          </a:p>
+        </p:txBody>
+      </p:sp>
+      <p:sp>
+        <p:nvSpPr>
+          <p:cNvPr id="3" name="Объект 2"/>
           <p:cNvSpPr>
             <a:spLocks noGrp="1"/>
           </p:cNvSpPr>
@@ -7071,35 +8163,25 @@
             <p:ph sz="quarter" idx="1"/>
           </p:nvPr>
         </p:nvSpPr>
-        <p:spPr>
-          <a:xfrm>
-            <a:off x="467544" y="1412776"/>
-            <a:ext cx="8229600" cy="4793744"/>
-          </a:xfrm>
-        </p:spPr>
-        <p:txBody>
-          <a:bodyPr>
-            <a:normAutofit lnSpcReduction="10000"/>
-          </a:bodyPr>
-          <a:lstStyle/>
-          <a:p>
+        <p:spPr/>
+        <p:txBody>
+          <a:bodyPr/>
+          <a:lstStyle/>
+          <a:p>
+            <a:pPr marL="0" indent="0">
+              <a:buNone/>
+            </a:pPr>
+            <a:r>
+              <a:rPr lang="ru-RU" i="1" u="sng" dirty="0"/>
+              <a:t>Опечатки</a:t>
+            </a:r>
+            <a:r>
+              <a:rPr lang="ru-RU" i="1" dirty="0"/>
+              <a:t> </a:t>
+            </a:r>
             <a:r>
               <a:rPr lang="ru-RU" dirty="0"/>
-              <a:t>Выявление пропущенных значений (незаполненных полей</a:t>
-            </a:r>
-            <a:r>
-              <a:rPr lang="ru-RU" dirty="0" smtClean="0"/>
-              <a:t>).</a:t>
-            </a:r>
-          </a:p>
-          <a:p>
-            <a:endParaRPr lang="ru-RU" dirty="0"/>
-          </a:p>
-          <a:p>
-            <a:pPr lvl="0"/>
-            <a:r>
-              <a:rPr lang="ru-RU" dirty="0"/>
-              <a:t>Поиск опечаток</a:t>
+              <a:t>– это некорректно введенные пользователем данные</a:t>
             </a:r>
             <a:r>
               <a:rPr lang="ru-RU" dirty="0" smtClean="0"/>
@@ -7107,57 +8189,211 @@
             </a:r>
           </a:p>
           <a:p>
+            <a:pPr marL="0" indent="0">
+              <a:buNone/>
+            </a:pPr>
+            <a:r>
+              <a:rPr lang="ru-RU" dirty="0" smtClean="0"/>
+              <a:t>Примером </a:t>
+            </a:r>
+            <a:r>
+              <a:rPr lang="ru-RU" dirty="0"/>
+              <a:t>опечаток может служить:</a:t>
+            </a:r>
+          </a:p>
+          <a:p>
             <a:pPr lvl="0"/>
+            <a:r>
+              <a:rPr lang="ru-RU" dirty="0"/>
+              <a:t>Наличие букв в числовых данных</a:t>
+            </a:r>
+            <a:r>
+              <a:rPr lang="ru-RU" dirty="0" smtClean="0"/>
+              <a:t>; </a:t>
+            </a:r>
+            <a:r>
+              <a:rPr lang="ru-RU" b="1" dirty="0" smtClean="0"/>
+              <a:t>пример</a:t>
+            </a:r>
+            <a:endParaRPr lang="ru-RU" b="1" dirty="0"/>
+          </a:p>
+          <a:p>
+            <a:pPr lvl="0"/>
+            <a:r>
+              <a:rPr lang="ru-RU" dirty="0"/>
+              <a:t>Неправильные разделители между числами в датах</a:t>
+            </a:r>
+            <a:r>
+              <a:rPr lang="ru-RU" dirty="0" smtClean="0"/>
+              <a:t>; </a:t>
+            </a:r>
+            <a:r>
+              <a:rPr lang="ru-RU" b="1" dirty="0"/>
+              <a:t>пример</a:t>
+            </a:r>
             <a:endParaRPr lang="ru-RU" dirty="0"/>
           </a:p>
           <a:p>
             <a:pPr lvl="0"/>
             <a:r>
               <a:rPr lang="ru-RU" dirty="0"/>
-              <a:t>Поиск «выдающихся значений» или «выбросов</a:t>
+              <a:t>Лишние пробелы в записи десятичных дробей</a:t>
             </a:r>
             <a:r>
               <a:rPr lang="ru-RU" dirty="0" smtClean="0"/>
-              <a:t>».</a:t>
+              <a:t>. </a:t>
+            </a:r>
+            <a:r>
+              <a:rPr lang="ru-RU" b="1" dirty="0" smtClean="0"/>
+              <a:t>Пример</a:t>
             </a:r>
           </a:p>
           <a:p>
             <a:pPr lvl="0"/>
+            <a:endParaRPr lang="ru-RU" b="1" dirty="0"/>
+          </a:p>
+          <a:p>
+            <a:pPr lvl="0"/>
+            <a:r>
+              <a:rPr lang="ru-RU" b="1" dirty="0" err="1" smtClean="0"/>
+              <a:t>Скрин</a:t>
+            </a:r>
+            <a:r>
+              <a:rPr lang="ru-RU" b="1" dirty="0" smtClean="0"/>
+              <a:t> с </a:t>
+            </a:r>
+            <a:r>
+              <a:rPr lang="ru-RU" b="1" dirty="0" err="1" smtClean="0"/>
+              <a:t>диплома:результаты</a:t>
+            </a:r>
+            <a:r>
+              <a:rPr lang="ru-RU" b="1" dirty="0" smtClean="0"/>
+              <a:t> </a:t>
+            </a:r>
+            <a:br>
+              <a:rPr lang="ru-RU" b="1" dirty="0" smtClean="0"/>
+            </a:br>
             <a:endParaRPr lang="ru-RU" dirty="0"/>
           </a:p>
           <a:p>
-            <a:pPr lvl="0"/>
-            <a:r>
-              <a:rPr lang="ru-RU" dirty="0"/>
-              <a:t>Проверка на упорядочение дат</a:t>
-            </a:r>
-            <a:r>
-              <a:rPr lang="ru-RU" dirty="0" smtClean="0"/>
-              <a:t>;</a:t>
-            </a:r>
-          </a:p>
-          <a:p>
-            <a:pPr lvl="0"/>
             <a:endParaRPr lang="ru-RU" dirty="0"/>
           </a:p>
-          <a:p>
-            <a:pPr lvl="0"/>
-            <a:r>
-              <a:rPr lang="ru-RU" dirty="0"/>
-              <a:t>Исследование нормальности распределения различными статистическими </a:t>
-            </a:r>
-            <a:r>
-              <a:rPr lang="ru-RU" dirty="0"/>
-              <a:t>методами.</a:t>
-            </a:r>
-            <a:endParaRPr lang="ru-RU" dirty="0"/>
-          </a:p>
-          <a:p>
-            <a:endParaRPr lang="ru-RU" sz="2000" dirty="0"/>
-          </a:p>
-        </p:txBody>
-      </p:sp>
+        </p:txBody>
+      </p:sp>
+      <p:pic>
+        <p:nvPicPr>
+          <p:cNvPr id="23554" name="Picture 2"/>
+          <p:cNvPicPr>
+            <a:picLocks noChangeAspect="1" noChangeArrowheads="1"/>
+          </p:cNvPicPr>
+          <p:nvPr/>
+        </p:nvPicPr>
+        <p:blipFill>
+          <a:blip r:embed="rId2">
+            <a:extLst>
+              <a:ext uri="{28A0092B-C50C-407E-A947-70E740481C1C}">
+                <a14:useLocalDpi xmlns:a14="http://schemas.microsoft.com/office/drawing/2010/main" val="0"/>
+              </a:ext>
+            </a:extLst>
+          </a:blip>
+          <a:srcRect/>
+          <a:stretch>
+            <a:fillRect/>
+          </a:stretch>
+        </p:blipFill>
+        <p:spPr bwMode="auto">
+          <a:xfrm rot="298389">
+            <a:off x="8652410" y="2359218"/>
+            <a:ext cx="4291677" cy="2592288"/>
+          </a:xfrm>
+          <a:prstGeom prst="rect">
+            <a:avLst/>
+          </a:prstGeom>
+          <a:noFill/>
+          <a:ln>
+            <a:noFill/>
+          </a:ln>
+          <a:extLst>
+            <a:ext uri="{909E8E84-426E-40DD-AFC4-6F175D3DCCD1}">
+              <a14:hiddenFill xmlns:a14="http://schemas.microsoft.com/office/drawing/2010/main">
+                <a:solidFill>
+                  <a:schemeClr val="accent1"/>
+                </a:solidFill>
+              </a14:hiddenFill>
+            </a:ext>
+            <a:ext uri="{91240B29-F687-4F45-9708-019B960494DF}">
+              <a14:hiddenLine xmlns:a14="http://schemas.microsoft.com/office/drawing/2010/main" w="9525">
+                <a:solidFill>
+                  <a:schemeClr val="tx1"/>
+                </a:solidFill>
+                <a:miter lim="800000"/>
+                <a:headEnd/>
+                <a:tailEnd/>
+              </a14:hiddenLine>
+            </a:ext>
+          </a:extLst>
+        </p:spPr>
+      </p:pic>
+      <p:pic>
+        <p:nvPicPr>
+          <p:cNvPr id="23555" name="Picture 3"/>
+          <p:cNvPicPr>
+            <a:picLocks noChangeAspect="1" noChangeArrowheads="1"/>
+          </p:cNvPicPr>
+          <p:nvPr/>
+        </p:nvPicPr>
+        <p:blipFill>
+          <a:blip r:embed="rId3">
+            <a:extLst>
+              <a:ext uri="{28A0092B-C50C-407E-A947-70E740481C1C}">
+                <a14:useLocalDpi xmlns:a14="http://schemas.microsoft.com/office/drawing/2010/main" val="0"/>
+              </a:ext>
+            </a:extLst>
+          </a:blip>
+          <a:srcRect/>
+          <a:stretch>
+            <a:fillRect/>
+          </a:stretch>
+        </p:blipFill>
+        <p:spPr bwMode="auto">
+          <a:xfrm>
+            <a:off x="7908754" y="4797152"/>
+            <a:ext cx="2470492" cy="1186805"/>
+          </a:xfrm>
+          <a:prstGeom prst="rect">
+            <a:avLst/>
+          </a:prstGeom>
+          <a:noFill/>
+          <a:ln>
+            <a:noFill/>
+          </a:ln>
+          <a:extLst>
+            <a:ext uri="{909E8E84-426E-40DD-AFC4-6F175D3DCCD1}">
+              <a14:hiddenFill xmlns:a14="http://schemas.microsoft.com/office/drawing/2010/main">
+                <a:solidFill>
+                  <a:schemeClr val="accent1"/>
+                </a:solidFill>
+              </a14:hiddenFill>
+            </a:ext>
+            <a:ext uri="{91240B29-F687-4F45-9708-019B960494DF}">
+              <a14:hiddenLine xmlns:a14="http://schemas.microsoft.com/office/drawing/2010/main" w="9525">
+                <a:solidFill>
+                  <a:schemeClr val="tx1"/>
+                </a:solidFill>
+                <a:miter lim="800000"/>
+                <a:headEnd/>
+                <a:tailEnd/>
+              </a14:hiddenLine>
+            </a:ext>
+          </a:extLst>
+        </p:spPr>
+      </p:pic>
     </p:spTree>
+    <p:extLst>
+      <p:ext uri="{BB962C8B-B14F-4D97-AF65-F5344CB8AC3E}">
+        <p14:creationId xmlns:p14="http://schemas.microsoft.com/office/powerpoint/2010/main" val="752837119"/>
+      </p:ext>
+    </p:extLst>
   </p:cSld>
   <p:clrMapOvr>
     <a:masterClrMapping/>
@@ -7168,7 +8404,121 @@
   <p:timing>
     <p:tnLst>
       <p:par>
-        <p:cTn id="1" dur="indefinite" restart="never" nodeType="tmRoot"/>
+        <p:cTn id="1" dur="indefinite" restart="never" nodeType="tmRoot">
+          <p:childTnLst>
+            <p:seq concurrent="1" nextAc="seek">
+              <p:cTn id="2" dur="indefinite" nodeType="mainSeq">
+                <p:childTnLst>
+                  <p:par>
+                    <p:cTn id="3" fill="hold">
+                      <p:stCondLst>
+                        <p:cond delay="indefinite"/>
+                      </p:stCondLst>
+                      <p:childTnLst>
+                        <p:par>
+                          <p:cTn id="4" fill="hold">
+                            <p:stCondLst>
+                              <p:cond delay="0"/>
+                            </p:stCondLst>
+                            <p:childTnLst>
+                              <p:par>
+                                <p:cTn id="5" presetID="2" presetClass="entr" presetSubtype="3" fill="hold" nodeType="clickEffect">
+                                  <p:stCondLst>
+                                    <p:cond delay="0"/>
+                                  </p:stCondLst>
+                                  <p:childTnLst>
+                                    <p:set>
+                                      <p:cBhvr>
+                                        <p:cTn id="6" dur="1" fill="hold">
+                                          <p:stCondLst>
+                                            <p:cond delay="0"/>
+                                          </p:stCondLst>
+                                        </p:cTn>
+                                        <p:tgtEl>
+                                          <p:spTgt spid="23554"/>
+                                        </p:tgtEl>
+                                        <p:attrNameLst>
+                                          <p:attrName>style.visibility</p:attrName>
+                                        </p:attrNameLst>
+                                      </p:cBhvr>
+                                      <p:to>
+                                        <p:strVal val="visible"/>
+                                      </p:to>
+                                    </p:set>
+                                    <p:anim calcmode="lin" valueType="num">
+                                      <p:cBhvr additive="base">
+                                        <p:cTn id="7" dur="500" fill="hold"/>
+                                        <p:tgtEl>
+                                          <p:spTgt spid="23554"/>
+                                        </p:tgtEl>
+                                        <p:attrNameLst>
+                                          <p:attrName>ppt_x</p:attrName>
+                                        </p:attrNameLst>
+                                      </p:cBhvr>
+                                      <p:tavLst>
+                                        <p:tav tm="0">
+                                          <p:val>
+                                            <p:strVal val="1+#ppt_w/2"/>
+                                          </p:val>
+                                        </p:tav>
+                                        <p:tav tm="100000">
+                                          <p:val>
+                                            <p:strVal val="#ppt_x"/>
+                                          </p:val>
+                                        </p:tav>
+                                      </p:tavLst>
+                                    </p:anim>
+                                    <p:anim calcmode="lin" valueType="num">
+                                      <p:cBhvr additive="base">
+                                        <p:cTn id="8" dur="500" fill="hold"/>
+                                        <p:tgtEl>
+                                          <p:spTgt spid="23554"/>
+                                        </p:tgtEl>
+                                        <p:attrNameLst>
+                                          <p:attrName>ppt_y</p:attrName>
+                                        </p:attrNameLst>
+                                      </p:cBhvr>
+                                      <p:tavLst>
+                                        <p:tav tm="0">
+                                          <p:val>
+                                            <p:strVal val="0-#ppt_h/2"/>
+                                          </p:val>
+                                        </p:tav>
+                                        <p:tav tm="100000">
+                                          <p:val>
+                                            <p:strVal val="#ppt_y"/>
+                                          </p:val>
+                                        </p:tav>
+                                      </p:tavLst>
+                                    </p:anim>
+                                  </p:childTnLst>
+                                </p:cTn>
+                              </p:par>
+                            </p:childTnLst>
+                          </p:cTn>
+                        </p:par>
+                      </p:childTnLst>
+                    </p:cTn>
+                  </p:par>
+                </p:childTnLst>
+              </p:cTn>
+              <p:prevCondLst>
+                <p:cond evt="onPrev" delay="0">
+                  <p:tgtEl>
+                    <p:sldTgt/>
+                  </p:tgtEl>
+                </p:cond>
+              </p:prevCondLst>
+              <p:nextCondLst>
+                <p:cond evt="onNext" delay="0">
+                  <p:tgtEl>
+                    <p:sldTgt/>
+                  </p:tgtEl>
+                </p:cond>
+              </p:nextCondLst>
+            </p:seq>
+          </p:childTnLst>
+        </p:cTn>
       </p:par>
     </p:tnLst>
   </p:timing>
@@ -7204,97 +8554,242 @@
         </p:nvSpPr>
         <p:spPr/>
         <p:txBody>
-          <a:bodyPr/>
+          <a:bodyPr>
+            <a:normAutofit/>
+          </a:bodyPr>
           <a:lstStyle/>
           <a:p>
             <a:pPr algn="ctr"/>
             <a:r>
-              <a:rPr lang="ru-RU" dirty="0"/>
-              <a:t>Опечатки</a:t>
-            </a:r>
-          </a:p>
-        </p:txBody>
-      </p:sp>
-      <p:sp>
-        <p:nvSpPr>
-          <p:cNvPr id="3" name="Объект 2"/>
-          <p:cNvSpPr>
-            <a:spLocks noGrp="1"/>
-          </p:cNvSpPr>
-          <p:nvPr>
-            <p:ph sz="quarter" idx="1"/>
-          </p:nvPr>
-        </p:nvSpPr>
-        <p:spPr/>
-        <p:txBody>
-          <a:bodyPr/>
-          <a:lstStyle/>
-          <a:p>
-            <a:pPr marL="0" indent="0">
-              <a:buNone/>
-            </a:pPr>
-            <a:r>
-              <a:rPr lang="ru-RU" i="1" u="sng" dirty="0"/>
-              <a:t>Опечатки</a:t>
-            </a:r>
-            <a:r>
-              <a:rPr lang="ru-RU" i="1" dirty="0"/>
-              <a:t> </a:t>
-            </a:r>
-            <a:r>
-              <a:rPr lang="ru-RU" dirty="0"/>
-              <a:t>– это некорректно введенные пользователем данные</a:t>
+              <a:rPr lang="ru-RU" sz="4000" i="1" dirty="0" smtClean="0">
+                <a:solidFill>
+                  <a:srgbClr val="800000"/>
+                </a:solidFill>
+                <a:latin typeface="+mn-lt"/>
+              </a:rPr>
+              <a:t>Формы канала</a:t>
+            </a:r>
+            <a:endParaRPr lang="ru-RU" sz="4000" i="1" dirty="0">
+              <a:solidFill>
+                <a:srgbClr val="800000"/>
+              </a:solidFill>
+              <a:latin typeface="+mn-lt"/>
+            </a:endParaRPr>
+          </a:p>
+        </p:txBody>
+      </p:sp>
+      <p:sp>
+        <p:nvSpPr>
+          <p:cNvPr id="6" name="TextBox 5"/>
+          <p:cNvSpPr txBox="1"/>
+          <p:nvPr/>
+        </p:nvSpPr>
+        <p:spPr>
+          <a:xfrm>
+            <a:off x="142844" y="4643446"/>
+            <a:ext cx="2765501" cy="646331"/>
+          </a:xfrm>
+          <a:prstGeom prst="rect">
+            <a:avLst/>
+          </a:prstGeom>
+          <a:noFill/>
+        </p:spPr>
+        <p:txBody>
+          <a:bodyPr wrap="none" rtlCol="0">
+            <a:spAutoFit/>
+          </a:bodyPr>
+          <a:lstStyle/>
+          <a:p>
+            <a:pPr algn="ctr"/>
+            <a:r>
+              <a:rPr lang="ru-RU" dirty="0" err="1" smtClean="0"/>
+              <a:t>Трёхлучевая</a:t>
             </a:r>
             <a:r>
               <a:rPr lang="ru-RU" dirty="0" smtClean="0"/>
-              <a:t>.</a:t>
-            </a:r>
-          </a:p>
-          <a:p>
-            <a:pPr marL="0" indent="0">
-              <a:buNone/>
-            </a:pPr>
+              <a:t> звезда с</a:t>
+            </a:r>
+          </a:p>
+          <a:p>
+            <a:pPr algn="ctr"/>
             <a:r>
               <a:rPr lang="ru-RU" dirty="0" smtClean="0"/>
-              <a:t>Примером </a:t>
-            </a:r>
-            <a:r>
-              <a:rPr lang="ru-RU" dirty="0"/>
-              <a:t>опечаток может служить:</a:t>
-            </a:r>
-          </a:p>
-          <a:p>
-            <a:pPr lvl="0"/>
-            <a:r>
-              <a:rPr lang="ru-RU" dirty="0"/>
-              <a:t>Наличие букв в числовых данных;</a:t>
-            </a:r>
-          </a:p>
-          <a:p>
-            <a:pPr lvl="0"/>
-            <a:r>
-              <a:rPr lang="ru-RU" dirty="0"/>
-              <a:t>Неправильные разделители между числами в датах;</a:t>
-            </a:r>
-          </a:p>
-          <a:p>
-            <a:pPr lvl="0"/>
-            <a:r>
-              <a:rPr lang="ru-RU" dirty="0"/>
-              <a:t>Лишние пробелы в записи десятичных дробей.</a:t>
-            </a:r>
-          </a:p>
-          <a:p>
+              <a:t>расширяющимися лучами</a:t>
+            </a:r>
             <a:endParaRPr lang="ru-RU" dirty="0"/>
           </a:p>
         </p:txBody>
       </p:sp>
+      <p:sp>
+        <p:nvSpPr>
+          <p:cNvPr id="7" name="Прямоугольник 6"/>
+          <p:cNvSpPr/>
+          <p:nvPr/>
+        </p:nvSpPr>
+        <p:spPr>
+          <a:xfrm>
+            <a:off x="6143636" y="4786322"/>
+            <a:ext cx="2534540" cy="646331"/>
+          </a:xfrm>
+          <a:prstGeom prst="rect">
+            <a:avLst/>
+          </a:prstGeom>
+        </p:spPr>
+        <p:txBody>
+          <a:bodyPr wrap="none">
+            <a:spAutoFit/>
+          </a:bodyPr>
+          <a:lstStyle/>
+          <a:p>
+            <a:r>
+              <a:rPr lang="ru-RU" dirty="0" err="1" smtClean="0"/>
+              <a:t>Семиконечная</a:t>
+            </a:r>
+            <a:r>
+              <a:rPr lang="ru-RU" dirty="0" smtClean="0"/>
+              <a:t> звезда с </a:t>
+            </a:r>
+          </a:p>
+          <a:p>
+            <a:r>
+              <a:rPr lang="ru-RU" dirty="0" smtClean="0"/>
+              <a:t>сужающимися лучами</a:t>
+            </a:r>
+            <a:endParaRPr lang="ru-RU" dirty="0"/>
+          </a:p>
+        </p:txBody>
+      </p:sp>
+      <p:sp>
+        <p:nvSpPr>
+          <p:cNvPr id="8" name="TextBox 7"/>
+          <p:cNvSpPr txBox="1"/>
+          <p:nvPr/>
+        </p:nvSpPr>
+        <p:spPr>
+          <a:xfrm>
+            <a:off x="4071934" y="4786322"/>
+            <a:ext cx="614207" cy="369332"/>
+          </a:xfrm>
+          <a:prstGeom prst="rect">
+            <a:avLst/>
+          </a:prstGeom>
+          <a:noFill/>
+        </p:spPr>
+        <p:txBody>
+          <a:bodyPr wrap="none" rtlCol="0">
+            <a:spAutoFit/>
+          </a:bodyPr>
+          <a:lstStyle/>
+          <a:p>
+            <a:pPr algn="ctr"/>
+            <a:r>
+              <a:rPr lang="ru-RU" dirty="0" smtClean="0"/>
+              <a:t>Круг</a:t>
+            </a:r>
+            <a:endParaRPr lang="ru-RU" dirty="0"/>
+          </a:p>
+        </p:txBody>
+      </p:sp>
+      <p:pic>
+        <p:nvPicPr>
+          <p:cNvPr id="20482" name="Picture 2"/>
+          <p:cNvPicPr>
+            <a:picLocks noChangeAspect="1" noChangeArrowheads="1"/>
+          </p:cNvPicPr>
+          <p:nvPr/>
+        </p:nvPicPr>
+        <p:blipFill>
+          <a:blip r:embed="rId2" cstate="print"/>
+          <a:srcRect/>
+          <a:stretch>
+            <a:fillRect/>
+          </a:stretch>
+        </p:blipFill>
+        <p:spPr bwMode="auto">
+          <a:xfrm>
+            <a:off x="3143241" y="2145454"/>
+            <a:ext cx="2500329" cy="2419997"/>
+          </a:xfrm>
+          <a:prstGeom prst="rect">
+            <a:avLst/>
+          </a:prstGeom>
+          <a:noFill/>
+          <a:ln w="9525">
+            <a:noFill/>
+            <a:miter lim="800000"/>
+            <a:headEnd/>
+            <a:tailEnd/>
+          </a:ln>
+          <a:effectLst/>
+        </p:spPr>
+      </p:pic>
+      <p:pic>
+        <p:nvPicPr>
+          <p:cNvPr id="20483" name="Picture 3"/>
+          <p:cNvPicPr>
+            <a:picLocks noChangeAspect="1" noChangeArrowheads="1"/>
+          </p:cNvPicPr>
+          <p:nvPr/>
+        </p:nvPicPr>
+        <p:blipFill>
+          <a:blip r:embed="rId3" cstate="print"/>
+          <a:srcRect/>
+          <a:stretch>
+            <a:fillRect/>
+          </a:stretch>
+        </p:blipFill>
+        <p:spPr bwMode="auto">
+          <a:xfrm>
+            <a:off x="5786446" y="1857364"/>
+            <a:ext cx="3000396" cy="2800259"/>
+          </a:xfrm>
+          <a:prstGeom prst="rect">
+            <a:avLst/>
+          </a:prstGeom>
+          <a:noFill/>
+          <a:ln w="9525">
+            <a:noFill/>
+            <a:miter lim="800000"/>
+            <a:headEnd/>
+            <a:tailEnd/>
+          </a:ln>
+          <a:effectLst/>
+        </p:spPr>
+      </p:pic>
+      <p:pic>
+        <p:nvPicPr>
+          <p:cNvPr id="20484" name="Picture 4"/>
+          <p:cNvPicPr>
+            <a:picLocks noChangeAspect="1" noChangeArrowheads="1"/>
+          </p:cNvPicPr>
+          <p:nvPr/>
+        </p:nvPicPr>
+        <p:blipFill>
+          <a:blip r:embed="rId4" cstate="print"/>
+          <a:srcRect/>
+          <a:stretch>
+            <a:fillRect/>
+          </a:stretch>
+        </p:blipFill>
+        <p:spPr bwMode="auto">
+          <a:xfrm>
+            <a:off x="142844" y="1928802"/>
+            <a:ext cx="2857339" cy="2643206"/>
+          </a:xfrm>
+          <a:prstGeom prst="rect">
+            <a:avLst/>
+          </a:prstGeom>
+          <a:noFill/>
+          <a:ln w="9525">
+            <a:noFill/>
+            <a:miter lim="800000"/>
+            <a:headEnd/>
+            <a:tailEnd/>
+          </a:ln>
+          <a:effectLst/>
+        </p:spPr>
+      </p:pic>
     </p:spTree>
-    <p:extLst>
-      <p:ext uri="{BB962C8B-B14F-4D97-AF65-F5344CB8AC3E}">
-        <p14:creationId xmlns:p14="http://schemas.microsoft.com/office/powerpoint/2010/main" val="752837119"/>
-      </p:ext>
-    </p:extLst>
   </p:cSld>
   <p:clrMapOvr>
     <a:masterClrMapping/>
@@ -7349,17 +8844,11 @@
             <a:pPr algn="ctr"/>
             <a:r>
               <a:rPr lang="ru-RU" sz="4000" i="1" dirty="0" smtClean="0">
-                <a:solidFill>
-                  <a:srgbClr val="800000"/>
-                </a:solidFill>
                 <a:latin typeface="+mn-lt"/>
               </a:rPr>
-              <a:t>Формы канала</a:t>
+              <a:t>Входные и выходные данные</a:t>
             </a:r>
             <a:endParaRPr lang="ru-RU" sz="4000" i="1" dirty="0">
-              <a:solidFill>
-                <a:srgbClr val="800000"/>
-              </a:solidFill>
               <a:latin typeface="+mn-lt"/>
             </a:endParaRPr>
           </a:p>
@@ -7367,215 +8856,247 @@
       </p:sp>
       <p:sp>
         <p:nvSpPr>
-          <p:cNvPr id="6" name="TextBox 5"/>
-          <p:cNvSpPr txBox="1"/>
-          <p:nvPr/>
+          <p:cNvPr id="3" name="Содержимое 2"/>
+          <p:cNvSpPr>
+            <a:spLocks noGrp="1"/>
+          </p:cNvSpPr>
+          <p:nvPr>
+            <p:ph sz="quarter" idx="1"/>
+          </p:nvPr>
         </p:nvSpPr>
         <p:spPr>
           <a:xfrm>
-            <a:off x="142844" y="4643446"/>
-            <a:ext cx="2765501" cy="646331"/>
+            <a:off x="683568" y="1916832"/>
+            <a:ext cx="7388894" cy="1512168"/>
+          </a:xfrm>
+        </p:spPr>
+        <p:txBody>
+          <a:bodyPr>
+            <a:noAutofit/>
+          </a:bodyPr>
+          <a:lstStyle/>
+          <a:p>
+            <a:pPr>
+              <a:buNone/>
+            </a:pPr>
+            <a:r>
+              <a:rPr lang="ru-RU" sz="2000" b="1" i="1" dirty="0" smtClean="0">
+                <a:solidFill>
+                  <a:srgbClr val="7030A0"/>
+                </a:solidFill>
+              </a:rPr>
+              <a:t>Входные данные:</a:t>
+            </a:r>
+          </a:p>
+          <a:p>
+            <a:pPr>
+              <a:buFont typeface="Wingdings 3" pitchFamily="18" charset="2"/>
+              <a:buChar char="}"/>
+            </a:pPr>
+            <a:r>
+              <a:rPr lang="ru-RU" sz="2000" dirty="0" smtClean="0"/>
+              <a:t>Задание размерности клеточного пространства (меню).</a:t>
+            </a:r>
+          </a:p>
+          <a:p>
+            <a:pPr>
+              <a:buFont typeface="Wingdings 3" pitchFamily="18" charset="2"/>
+              <a:buChar char=""/>
+            </a:pPr>
+            <a:r>
+              <a:rPr lang="ru-RU" sz="2000" dirty="0" smtClean="0"/>
+              <a:t>Задание формы канала (меню).</a:t>
+            </a:r>
+          </a:p>
+          <a:p>
+            <a:pPr>
+              <a:buFont typeface="Wingdings 3" pitchFamily="18" charset="2"/>
+              <a:buChar char="}"/>
+            </a:pPr>
+            <a:r>
+              <a:rPr lang="ru-RU" sz="2000" dirty="0" smtClean="0"/>
+              <a:t>Задание области воспламенения (меню).</a:t>
+            </a:r>
+          </a:p>
+          <a:p>
+            <a:pPr>
+              <a:buFont typeface="Wingdings 3" pitchFamily="18" charset="2"/>
+              <a:buChar char="}"/>
+            </a:pPr>
+            <a:r>
+              <a:rPr lang="ru-RU" sz="2000" dirty="0" smtClean="0"/>
+              <a:t>Задание  параметров дефекта (файл). </a:t>
+            </a:r>
+            <a:endParaRPr lang="ru-RU" sz="2000" dirty="0"/>
+          </a:p>
+        </p:txBody>
+      </p:sp>
+      <p:sp>
+        <p:nvSpPr>
+          <p:cNvPr id="7" name="Содержимое 2"/>
+          <p:cNvSpPr txBox="1">
+            <a:spLocks/>
+          </p:cNvSpPr>
+          <p:nvPr/>
+        </p:nvSpPr>
+        <p:spPr>
+          <a:xfrm>
+            <a:off x="3357554" y="4143380"/>
+            <a:ext cx="5255496" cy="1828800"/>
           </a:xfrm>
           <a:prstGeom prst="rect">
             <a:avLst/>
           </a:prstGeom>
-          <a:noFill/>
-        </p:spPr>
-        <p:txBody>
-          <a:bodyPr wrap="none" rtlCol="0">
-            <a:spAutoFit/>
+        </p:spPr>
+        <p:txBody>
+          <a:bodyPr vert="horz">
+            <a:noAutofit/>
           </a:bodyPr>
           <a:lstStyle/>
           <a:p>
-            <a:pPr algn="ctr"/>
-            <a:r>
-              <a:rPr lang="ru-RU" dirty="0" err="1" smtClean="0"/>
-              <a:t>Трёхлучевая</a:t>
-            </a:r>
-            <a:r>
-              <a:rPr lang="ru-RU" dirty="0" smtClean="0"/>
-              <a:t> звезда с</a:t>
-            </a:r>
-          </a:p>
-          <a:p>
-            <a:pPr algn="ctr"/>
-            <a:r>
-              <a:rPr lang="ru-RU" dirty="0" smtClean="0"/>
-              <a:t>расширяющимися лучами</a:t>
-            </a:r>
-            <a:endParaRPr lang="ru-RU" dirty="0"/>
-          </a:p>
-        </p:txBody>
-      </p:sp>
-      <p:sp>
-        <p:nvSpPr>
-          <p:cNvPr id="7" name="Прямоугольник 6"/>
-          <p:cNvSpPr/>
-          <p:nvPr/>
-        </p:nvSpPr>
-        <p:spPr>
-          <a:xfrm>
-            <a:off x="6143636" y="4786322"/>
-            <a:ext cx="2534540" cy="646331"/>
-          </a:xfrm>
-          <a:prstGeom prst="rect">
-            <a:avLst/>
-          </a:prstGeom>
-        </p:spPr>
-        <p:txBody>
-          <a:bodyPr wrap="none">
-            <a:spAutoFit/>
-          </a:bodyPr>
-          <a:lstStyle/>
-          <a:p>
-            <a:r>
-              <a:rPr lang="ru-RU" dirty="0" err="1" smtClean="0"/>
-              <a:t>Семиконечная</a:t>
-            </a:r>
-            <a:r>
-              <a:rPr lang="ru-RU" dirty="0" smtClean="0"/>
-              <a:t> звезда с </a:t>
-            </a:r>
-          </a:p>
-          <a:p>
-            <a:r>
-              <a:rPr lang="ru-RU" dirty="0" smtClean="0"/>
-              <a:t>сужающимися лучами</a:t>
-            </a:r>
-            <a:endParaRPr lang="ru-RU" dirty="0"/>
-          </a:p>
-        </p:txBody>
-      </p:sp>
-      <p:sp>
-        <p:nvSpPr>
-          <p:cNvPr id="8" name="TextBox 7"/>
-          <p:cNvSpPr txBox="1"/>
-          <p:nvPr/>
-        </p:nvSpPr>
-        <p:spPr>
-          <a:xfrm>
-            <a:off x="4071934" y="4786322"/>
-            <a:ext cx="614207" cy="369332"/>
-          </a:xfrm>
-          <a:prstGeom prst="rect">
-            <a:avLst/>
-          </a:prstGeom>
-          <a:noFill/>
-        </p:spPr>
-        <p:txBody>
-          <a:bodyPr wrap="none" rtlCol="0">
-            <a:spAutoFit/>
-          </a:bodyPr>
-          <a:lstStyle/>
-          <a:p>
-            <a:pPr algn="ctr"/>
-            <a:r>
-              <a:rPr lang="ru-RU" dirty="0" smtClean="0"/>
-              <a:t>Круг</a:t>
-            </a:r>
-            <a:endParaRPr lang="ru-RU" dirty="0"/>
-          </a:p>
-        </p:txBody>
-      </p:sp>
-      <p:pic>
-        <p:nvPicPr>
-          <p:cNvPr id="20482" name="Picture 2"/>
-          <p:cNvPicPr>
-            <a:picLocks noChangeAspect="1" noChangeArrowheads="1"/>
-          </p:cNvPicPr>
-          <p:nvPr/>
-        </p:nvPicPr>
-        <p:blipFill>
-          <a:blip r:embed="rId2" cstate="print"/>
-          <a:srcRect/>
-          <a:stretch>
-            <a:fillRect/>
-          </a:stretch>
-        </p:blipFill>
-        <p:spPr bwMode="auto">
-          <a:xfrm>
-            <a:off x="3143241" y="2145454"/>
-            <a:ext cx="2500329" cy="2419997"/>
-          </a:xfrm>
-          <a:prstGeom prst="rect">
-            <a:avLst/>
-          </a:prstGeom>
-          <a:noFill/>
-          <a:ln w="9525">
-            <a:noFill/>
-            <a:miter lim="800000"/>
-            <a:headEnd/>
-            <a:tailEnd/>
-          </a:ln>
-          <a:effectLst/>
-        </p:spPr>
-      </p:pic>
-      <p:pic>
-        <p:nvPicPr>
-          <p:cNvPr id="20483" name="Picture 3"/>
-          <p:cNvPicPr>
-            <a:picLocks noChangeAspect="1" noChangeArrowheads="1"/>
-          </p:cNvPicPr>
-          <p:nvPr/>
-        </p:nvPicPr>
-        <p:blipFill>
-          <a:blip r:embed="rId3" cstate="print"/>
-          <a:srcRect/>
-          <a:stretch>
-            <a:fillRect/>
-          </a:stretch>
-        </p:blipFill>
-        <p:spPr bwMode="auto">
-          <a:xfrm>
-            <a:off x="5786446" y="1857364"/>
-            <a:ext cx="3000396" cy="2800259"/>
-          </a:xfrm>
-          <a:prstGeom prst="rect">
-            <a:avLst/>
-          </a:prstGeom>
-          <a:noFill/>
-          <a:ln w="9525">
-            <a:noFill/>
-            <a:miter lim="800000"/>
-            <a:headEnd/>
-            <a:tailEnd/>
-          </a:ln>
-          <a:effectLst/>
-        </p:spPr>
-      </p:pic>
-      <p:pic>
-        <p:nvPicPr>
-          <p:cNvPr id="20484" name="Picture 4"/>
-          <p:cNvPicPr>
-            <a:picLocks noChangeAspect="1" noChangeArrowheads="1"/>
-          </p:cNvPicPr>
-          <p:nvPr/>
-        </p:nvPicPr>
-        <p:blipFill>
-          <a:blip r:embed="rId4" cstate="print"/>
-          <a:srcRect/>
-          <a:stretch>
-            <a:fillRect/>
-          </a:stretch>
-        </p:blipFill>
-        <p:spPr bwMode="auto">
-          <a:xfrm>
-            <a:off x="142844" y="1928802"/>
-            <a:ext cx="2857339" cy="2643206"/>
-          </a:xfrm>
-          <a:prstGeom prst="rect">
-            <a:avLst/>
-          </a:prstGeom>
-          <a:noFill/>
-          <a:ln w="9525">
-            <a:noFill/>
-            <a:miter lim="800000"/>
-            <a:headEnd/>
-            <a:tailEnd/>
-          </a:ln>
-          <a:effectLst/>
-        </p:spPr>
-      </p:pic>
+            <a:pPr marL="320040" marR="0" lvl="0" indent="-320040" algn="l" defTabSz="914400" rtl="0" eaLnBrk="1" fontAlgn="auto" latinLnBrk="0" hangingPunct="1">
+              <a:lnSpc>
+                <a:spcPct val="100000"/>
+              </a:lnSpc>
+              <a:spcBef>
+                <a:spcPts val="700"/>
+              </a:spcBef>
+              <a:spcAft>
+                <a:spcPts val="0"/>
+              </a:spcAft>
+              <a:buClr>
+                <a:schemeClr val="accent2"/>
+              </a:buClr>
+              <a:buSzPct val="60000"/>
+              <a:tabLst/>
+              <a:defRPr/>
+            </a:pPr>
+            <a:r>
+              <a:rPr kumimoji="0" lang="ru-RU" sz="2000" b="1" i="1" u="none" strike="noStrike" kern="1200" cap="none" spc="0" normalizeH="0" baseline="0" noProof="0" dirty="0" smtClean="0">
+                <a:ln>
+                  <a:noFill/>
+                </a:ln>
+                <a:solidFill>
+                  <a:srgbClr val="7030A0"/>
+                </a:solidFill>
+                <a:effectLst/>
+                <a:uLnTx/>
+                <a:uFillTx/>
+                <a:latin typeface="+mn-lt"/>
+                <a:ea typeface="+mn-ea"/>
+                <a:cs typeface="+mn-cs"/>
+              </a:rPr>
+              <a:t>Выходные данные:</a:t>
+            </a:r>
+          </a:p>
+          <a:p>
+            <a:pPr marL="320040" indent="-320040">
+              <a:spcBef>
+                <a:spcPts val="700"/>
+              </a:spcBef>
+              <a:buClr>
+                <a:schemeClr val="accent1"/>
+              </a:buClr>
+              <a:buSzPct val="76000"/>
+              <a:buFont typeface="Wingdings 3" pitchFamily="18" charset="2"/>
+              <a:buChar char="}"/>
+              <a:defRPr/>
+            </a:pPr>
+            <a:r>
+              <a:rPr lang="ru-RU" sz="2000" dirty="0" smtClean="0"/>
+              <a:t>Собственно 3</a:t>
+            </a:r>
+            <a:r>
+              <a:rPr lang="en-US" sz="2000" dirty="0" smtClean="0"/>
+              <a:t>D</a:t>
+            </a:r>
+            <a:r>
+              <a:rPr lang="ru-RU" sz="2000" dirty="0" smtClean="0"/>
+              <a:t>-визуализация.</a:t>
+            </a:r>
+          </a:p>
+          <a:p>
+            <a:pPr marL="320040" marR="0" lvl="0" indent="-320040" algn="l" defTabSz="914400" rtl="0" eaLnBrk="1" fontAlgn="auto" latinLnBrk="0" hangingPunct="1">
+              <a:lnSpc>
+                <a:spcPct val="100000"/>
+              </a:lnSpc>
+              <a:spcBef>
+                <a:spcPts val="700"/>
+              </a:spcBef>
+              <a:spcAft>
+                <a:spcPts val="0"/>
+              </a:spcAft>
+              <a:buClr>
+                <a:schemeClr val="accent1"/>
+              </a:buClr>
+              <a:buSzPct val="76000"/>
+              <a:buFont typeface="Wingdings 3" pitchFamily="18" charset="2"/>
+              <a:buChar char="}"/>
+              <a:tabLst/>
+              <a:defRPr/>
+            </a:pPr>
+            <a:r>
+              <a:rPr lang="ru-RU" sz="2000" noProof="0" dirty="0" smtClean="0"/>
+              <a:t>В</a:t>
+            </a:r>
+            <a:r>
+              <a:rPr kumimoji="0" lang="ru-RU" sz="2000" b="0" i="0" u="none" strike="noStrike" kern="1200" cap="none" spc="0" normalizeH="0" baseline="0" noProof="0" dirty="0" smtClean="0">
+                <a:ln>
+                  <a:noFill/>
+                </a:ln>
+                <a:solidFill>
+                  <a:schemeClr val="tx1"/>
+                </a:solidFill>
+                <a:effectLst/>
+                <a:uLnTx/>
+                <a:uFillTx/>
+                <a:latin typeface="+mn-lt"/>
+                <a:ea typeface="+mn-ea"/>
+                <a:cs typeface="+mn-cs"/>
+              </a:rPr>
+              <a:t>идеофайл с записью распространения волны горения.</a:t>
+            </a:r>
+          </a:p>
+          <a:p>
+            <a:pPr marL="320040" marR="0" lvl="0" indent="-320040" algn="l" defTabSz="914400" rtl="0" eaLnBrk="1" fontAlgn="auto" latinLnBrk="0" hangingPunct="1">
+              <a:lnSpc>
+                <a:spcPct val="100000"/>
+              </a:lnSpc>
+              <a:spcBef>
+                <a:spcPts val="700"/>
+              </a:spcBef>
+              <a:spcAft>
+                <a:spcPts val="0"/>
+              </a:spcAft>
+              <a:buClr>
+                <a:schemeClr val="accent1"/>
+              </a:buClr>
+              <a:buSzPct val="76000"/>
+              <a:buFont typeface="Wingdings 3" pitchFamily="18" charset="2"/>
+              <a:buChar char="}"/>
+              <a:tabLst/>
+              <a:defRPr/>
+            </a:pPr>
+            <a:r>
+              <a:rPr kumimoji="0" lang="ru-RU" sz="2000" b="0" i="0" u="none" strike="noStrike" kern="1200" cap="none" spc="0" normalizeH="0" baseline="0" noProof="0" dirty="0" smtClean="0">
+                <a:ln>
+                  <a:noFill/>
+                </a:ln>
+                <a:solidFill>
+                  <a:schemeClr val="tx1"/>
+                </a:solidFill>
+                <a:effectLst/>
+                <a:uLnTx/>
+                <a:uFillTx/>
+                <a:latin typeface="+mn-lt"/>
+                <a:ea typeface="+mn-ea"/>
+                <a:cs typeface="+mn-cs"/>
+              </a:rPr>
+              <a:t>Текстовый файл-таблица результатов.</a:t>
+            </a:r>
+          </a:p>
+        </p:txBody>
+      </p:sp>
     </p:spTree>
   </p:cSld>
   <p:clrMapOvr>
@@ -7631,11 +9152,17 @@
             <a:pPr algn="ctr"/>
             <a:r>
               <a:rPr lang="ru-RU" sz="4000" i="1" dirty="0" smtClean="0">
+                <a:solidFill>
+                  <a:srgbClr val="800000"/>
+                </a:solidFill>
                 <a:latin typeface="+mn-lt"/>
               </a:rPr>
-              <a:t>Входные и выходные данные</a:t>
+              <a:t>Вид приложения в процессе счёта</a:t>
             </a:r>
             <a:endParaRPr lang="ru-RU" sz="4000" i="1" dirty="0">
+              <a:solidFill>
+                <a:srgbClr val="800000"/>
+              </a:solidFill>
               <a:latin typeface="+mn-lt"/>
             </a:endParaRPr>
           </a:p>
@@ -7643,247 +9170,64 @@
       </p:sp>
       <p:sp>
         <p:nvSpPr>
-          <p:cNvPr id="3" name="Содержимое 2"/>
-          <p:cNvSpPr>
-            <a:spLocks noGrp="1"/>
-          </p:cNvSpPr>
-          <p:nvPr>
-            <p:ph sz="quarter" idx="1"/>
-          </p:nvPr>
-        </p:nvSpPr>
-        <p:spPr>
+          <p:cNvPr id="18434" name="Rectangle 2"/>
+          <p:cNvSpPr>
+            <a:spLocks noChangeArrowheads="1"/>
+          </p:cNvSpPr>
+          <p:nvPr/>
+        </p:nvSpPr>
+        <p:spPr bwMode="auto">
           <a:xfrm>
-            <a:off x="683568" y="1916832"/>
-            <a:ext cx="7388894" cy="1512168"/>
-          </a:xfrm>
-        </p:spPr>
-        <p:txBody>
-          <a:bodyPr>
-            <a:noAutofit/>
-          </a:bodyPr>
-          <a:lstStyle/>
-          <a:p>
-            <a:pPr>
-              <a:buNone/>
-            </a:pPr>
-            <a:r>
-              <a:rPr lang="ru-RU" sz="2000" b="1" i="1" dirty="0" smtClean="0">
-                <a:solidFill>
-                  <a:srgbClr val="7030A0"/>
-                </a:solidFill>
-              </a:rPr>
-              <a:t>Входные данные:</a:t>
-            </a:r>
-          </a:p>
-          <a:p>
-            <a:pPr>
-              <a:buFont typeface="Wingdings 3" pitchFamily="18" charset="2"/>
-              <a:buChar char="}"/>
-            </a:pPr>
-            <a:r>
-              <a:rPr lang="ru-RU" sz="2000" dirty="0" smtClean="0"/>
-              <a:t>Задание размерности клеточного пространства (меню).</a:t>
-            </a:r>
-          </a:p>
-          <a:p>
-            <a:pPr>
-              <a:buFont typeface="Wingdings 3" pitchFamily="18" charset="2"/>
-              <a:buChar char=""/>
-            </a:pPr>
-            <a:r>
-              <a:rPr lang="ru-RU" sz="2000" dirty="0" smtClean="0"/>
-              <a:t>Задание формы канала (меню).</a:t>
-            </a:r>
-          </a:p>
-          <a:p>
-            <a:pPr>
-              <a:buFont typeface="Wingdings 3" pitchFamily="18" charset="2"/>
-              <a:buChar char="}"/>
-            </a:pPr>
-            <a:r>
-              <a:rPr lang="ru-RU" sz="2000" dirty="0" smtClean="0"/>
-              <a:t>Задание области воспламенения (меню).</a:t>
-            </a:r>
-          </a:p>
-          <a:p>
-            <a:pPr>
-              <a:buFont typeface="Wingdings 3" pitchFamily="18" charset="2"/>
-              <a:buChar char="}"/>
-            </a:pPr>
-            <a:r>
-              <a:rPr lang="ru-RU" sz="2000" dirty="0" smtClean="0"/>
-              <a:t>Задание  параметров дефекта (файл). </a:t>
-            </a:r>
-            <a:endParaRPr lang="ru-RU" sz="2000" dirty="0"/>
-          </a:p>
-        </p:txBody>
-      </p:sp>
-      <p:sp>
-        <p:nvSpPr>
-          <p:cNvPr id="7" name="Содержимое 2"/>
-          <p:cNvSpPr txBox="1">
-            <a:spLocks/>
-          </p:cNvSpPr>
-          <p:nvPr/>
-        </p:nvSpPr>
-        <p:spPr>
-          <a:xfrm>
-            <a:off x="3357554" y="4143380"/>
-            <a:ext cx="5255496" cy="1828800"/>
+            <a:off x="0" y="0"/>
+            <a:ext cx="9144000" cy="0"/>
           </a:xfrm>
           <a:prstGeom prst="rect">
             <a:avLst/>
           </a:prstGeom>
-        </p:spPr>
-        <p:txBody>
-          <a:bodyPr vert="horz">
-            <a:noAutofit/>
+          <a:noFill/>
+          <a:ln w="9525">
+            <a:noFill/>
+            <a:miter lim="800000"/>
+            <a:headEnd/>
+            <a:tailEnd/>
+          </a:ln>
+          <a:effectLst/>
+        </p:spPr>
+        <p:txBody>
+          <a:bodyPr vert="horz" wrap="none" lIns="91440" tIns="45720" rIns="91440" bIns="45720" numCol="1" anchor="ctr" anchorCtr="0" compatLnSpc="1">
+            <a:prstTxWarp prst="textNoShape">
+              <a:avLst/>
+            </a:prstTxWarp>
+            <a:spAutoFit/>
           </a:bodyPr>
           <a:lstStyle/>
           <a:p>
-            <a:pPr marL="320040" marR="0" lvl="0" indent="-320040" algn="l" defTabSz="914400" rtl="0" eaLnBrk="1" fontAlgn="auto" latinLnBrk="0" hangingPunct="1">
-              <a:lnSpc>
-                <a:spcPct val="100000"/>
-              </a:lnSpc>
-              <a:spcBef>
-                <a:spcPts val="700"/>
-              </a:spcBef>
-              <a:spcAft>
-                <a:spcPts val="0"/>
-              </a:spcAft>
-              <a:buClr>
-                <a:schemeClr val="accent2"/>
-              </a:buClr>
-              <a:buSzPct val="60000"/>
-              <a:tabLst/>
-              <a:defRPr/>
-            </a:pPr>
-            <a:r>
-              <a:rPr kumimoji="0" lang="ru-RU" sz="2000" b="1" i="1" u="none" strike="noStrike" kern="1200" cap="none" spc="0" normalizeH="0" baseline="0" noProof="0" dirty="0" smtClean="0">
-                <a:ln>
-                  <a:noFill/>
-                </a:ln>
-                <a:solidFill>
-                  <a:srgbClr val="7030A0"/>
-                </a:solidFill>
-                <a:effectLst/>
-                <a:uLnTx/>
-                <a:uFillTx/>
-                <a:latin typeface="+mn-lt"/>
-                <a:ea typeface="+mn-ea"/>
-                <a:cs typeface="+mn-cs"/>
-              </a:rPr>
-              <a:t>Выходные данные:</a:t>
-            </a:r>
-          </a:p>
-          <a:p>
-            <a:pPr marL="320040" indent="-320040">
-              <a:spcBef>
-                <a:spcPts val="700"/>
-              </a:spcBef>
-              <a:buClr>
-                <a:schemeClr val="accent1"/>
-              </a:buClr>
-              <a:buSzPct val="76000"/>
-              <a:buFont typeface="Wingdings 3" pitchFamily="18" charset="2"/>
-              <a:buChar char="}"/>
-              <a:defRPr/>
-            </a:pPr>
-            <a:r>
-              <a:rPr lang="ru-RU" sz="2000" dirty="0" smtClean="0"/>
-              <a:t>Собственно 3</a:t>
-            </a:r>
-            <a:r>
-              <a:rPr lang="en-US" sz="2000" dirty="0" smtClean="0"/>
-              <a:t>D</a:t>
-            </a:r>
-            <a:r>
-              <a:rPr lang="ru-RU" sz="2000" dirty="0" smtClean="0"/>
-              <a:t>-визуализация.</a:t>
-            </a:r>
-          </a:p>
-          <a:p>
-            <a:pPr marL="320040" marR="0" lvl="0" indent="-320040" algn="l" defTabSz="914400" rtl="0" eaLnBrk="1" fontAlgn="auto" latinLnBrk="0" hangingPunct="1">
-              <a:lnSpc>
-                <a:spcPct val="100000"/>
-              </a:lnSpc>
-              <a:spcBef>
-                <a:spcPts val="700"/>
-              </a:spcBef>
-              <a:spcAft>
-                <a:spcPts val="0"/>
-              </a:spcAft>
-              <a:buClr>
-                <a:schemeClr val="accent1"/>
-              </a:buClr>
-              <a:buSzPct val="76000"/>
-              <a:buFont typeface="Wingdings 3" pitchFamily="18" charset="2"/>
-              <a:buChar char="}"/>
-              <a:tabLst/>
-              <a:defRPr/>
-            </a:pPr>
-            <a:r>
-              <a:rPr lang="ru-RU" sz="2000" noProof="0" dirty="0" smtClean="0"/>
-              <a:t>В</a:t>
-            </a:r>
-            <a:r>
-              <a:rPr kumimoji="0" lang="ru-RU" sz="2000" b="0" i="0" u="none" strike="noStrike" kern="1200" cap="none" spc="0" normalizeH="0" baseline="0" noProof="0" dirty="0" smtClean="0">
-                <a:ln>
-                  <a:noFill/>
-                </a:ln>
-                <a:solidFill>
-                  <a:schemeClr val="tx1"/>
-                </a:solidFill>
-                <a:effectLst/>
-                <a:uLnTx/>
-                <a:uFillTx/>
-                <a:latin typeface="+mn-lt"/>
-                <a:ea typeface="+mn-ea"/>
-                <a:cs typeface="+mn-cs"/>
-              </a:rPr>
-              <a:t>идеофайл с записью распространения волны горения.</a:t>
-            </a:r>
-          </a:p>
-          <a:p>
-            <a:pPr marL="320040" marR="0" lvl="0" indent="-320040" algn="l" defTabSz="914400" rtl="0" eaLnBrk="1" fontAlgn="auto" latinLnBrk="0" hangingPunct="1">
-              <a:lnSpc>
-                <a:spcPct val="100000"/>
-              </a:lnSpc>
-              <a:spcBef>
-                <a:spcPts val="700"/>
-              </a:spcBef>
-              <a:spcAft>
-                <a:spcPts val="0"/>
-              </a:spcAft>
-              <a:buClr>
-                <a:schemeClr val="accent1"/>
-              </a:buClr>
-              <a:buSzPct val="76000"/>
-              <a:buFont typeface="Wingdings 3" pitchFamily="18" charset="2"/>
-              <a:buChar char="}"/>
-              <a:tabLst/>
-              <a:defRPr/>
-            </a:pPr>
-            <a:r>
-              <a:rPr kumimoji="0" lang="ru-RU" sz="2000" b="0" i="0" u="none" strike="noStrike" kern="1200" cap="none" spc="0" normalizeH="0" baseline="0" noProof="0" dirty="0" smtClean="0">
-                <a:ln>
-                  <a:noFill/>
-                </a:ln>
-                <a:solidFill>
-                  <a:schemeClr val="tx1"/>
-                </a:solidFill>
-                <a:effectLst/>
-                <a:uLnTx/>
-                <a:uFillTx/>
-                <a:latin typeface="+mn-lt"/>
-                <a:ea typeface="+mn-ea"/>
-                <a:cs typeface="+mn-cs"/>
-              </a:rPr>
-              <a:t>Текстовый файл-таблица результатов.</a:t>
-            </a:r>
-          </a:p>
-        </p:txBody>
-      </p:sp>
+            <a:endParaRPr lang="ru-RU"/>
+          </a:p>
+        </p:txBody>
+      </p:sp>
+      <p:pic>
+        <p:nvPicPr>
+          <p:cNvPr id="6" name="Рисунок 5" descr="17.PNG"/>
+          <p:cNvPicPr/>
+          <p:nvPr/>
+        </p:nvPicPr>
+        <p:blipFill>
+          <a:blip r:embed="rId2" cstate="print"/>
+          <a:stretch>
+            <a:fillRect/>
+          </a:stretch>
+        </p:blipFill>
+        <p:spPr>
+          <a:xfrm>
+            <a:off x="1285852" y="1428736"/>
+            <a:ext cx="6929486" cy="4714908"/>
+          </a:xfrm>
+          <a:prstGeom prst="rect">
+            <a:avLst/>
+          </a:prstGeom>
+        </p:spPr>
+      </p:pic>
     </p:spTree>
   </p:cSld>
   <p:clrMapOvr>
@@ -8309,6 +9653,291 @@
         <a:font script="Mong" typeface="Mongolian Baiti"/>
         <a:font script="Viet" typeface="Times New Roman"/>
         <a:font script="Uigh" typeface="Microsoft Uighur"/>
+        <a:font script="Geor" typeface="Sylfaen"/>
+      </a:majorFont>
+      <a:minorFont>
+        <a:latin typeface="Calibri"/>
+        <a:ea typeface=""/>
+        <a:cs typeface=""/>
+        <a:font script="Jpan" typeface="ＭＳ Ｐゴシック"/>
+        <a:font script="Hang" typeface="맑은 고딕"/>
+        <a:font script="Hans" typeface="宋体"/>
+        <a:font script="Hant" typeface="新細明體"/>
+        <a:font script="Arab" typeface="Arial"/>
+        <a:font script="Hebr" typeface="Arial"/>
+        <a:font script="Thai" typeface="Cordia New"/>
+        <a:font script="Ethi" typeface="Nyala"/>
+        <a:font script="Beng" typeface="Vrinda"/>
+        <a:font script="Gujr" typeface="Shruti"/>
+        <a:font script="Khmr" typeface="DaunPenh"/>
+        <a:font script="Knda" typeface="Tunga"/>
+        <a:font script="Guru" typeface="Raavi"/>
+        <a:font script="Cans" typeface="Euphemia"/>
+        <a:font script="Cher" typeface="Plantagenet Cherokee"/>
+        <a:font script="Yiii" typeface="Microsoft Yi Baiti"/>
+        <a:font script="Tibt" typeface="Microsoft Himalaya"/>
+        <a:font script="Thaa" typeface="MV Boli"/>
+        <a:font script="Deva" typeface="Mangal"/>
+        <a:font script="Telu" typeface="Gautami"/>
+        <a:font script="Taml" typeface="Latha"/>
+        <a:font script="Syrc" typeface="Estrangelo Edessa"/>
+        <a:font script="Orya" typeface="Kalinga"/>
+        <a:font script="Mlym" typeface="Kartika"/>
+        <a:font script="Laoo" typeface="DokChampa"/>
+        <a:font script="Sinh" typeface="Iskoola Pota"/>
+        <a:font script="Mong" typeface="Mongolian Baiti"/>
+        <a:font script="Viet" typeface="Arial"/>
+        <a:font script="Uigh" typeface="Microsoft Uighur"/>
+        <a:font script="Geor" typeface="Sylfaen"/>
+      </a:minorFont>
+    </a:fontScheme>
+    <a:fmtScheme name="Стандартная">
+      <a:fillStyleLst>
+        <a:solidFill>
+          <a:schemeClr val="phClr"/>
+        </a:solidFill>
+        <a:gradFill rotWithShape="1">
+          <a:gsLst>
+            <a:gs pos="0">
+              <a:schemeClr val="phClr">
+                <a:tint val="50000"/>
+                <a:satMod val="300000"/>
+              </a:schemeClr>
+            </a:gs>
+            <a:gs pos="35000">
+              <a:schemeClr val="phClr">
+                <a:tint val="37000"/>
+                <a:satMod val="300000"/>
+              </a:schemeClr>
+            </a:gs>
+            <a:gs pos="100000">
+              <a:schemeClr val="phClr">
+                <a:tint val="15000"/>
+                <a:satMod val="350000"/>
+              </a:schemeClr>
+            </a:gs>
+          </a:gsLst>
+          <a:lin ang="16200000" scaled="1"/>
+        </a:gradFill>
+        <a:gradFill rotWithShape="1">
+          <a:gsLst>
+            <a:gs pos="0">
+              <a:schemeClr val="phClr">
+                <a:shade val="51000"/>
+                <a:satMod val="130000"/>
+              </a:schemeClr>
+            </a:gs>
+            <a:gs pos="80000">
+              <a:schemeClr val="phClr">
+                <a:shade val="93000"/>
+                <a:satMod val="130000"/>
+              </a:schemeClr>
+            </a:gs>
+            <a:gs pos="100000">
+              <a:schemeClr val="phClr">
+                <a:shade val="94000"/>
+                <a:satMod val="135000"/>
+              </a:schemeClr>
+            </a:gs>
+          </a:gsLst>
+          <a:lin ang="16200000" scaled="0"/>
+        </a:gradFill>
+      </a:fillStyleLst>
+      <a:lnStyleLst>
+        <a:ln w="9525" cap="flat" cmpd="sng" algn="ctr">
+          <a:solidFill>
+            <a:schemeClr val="phClr">
+              <a:shade val="95000"/>
+              <a:satMod val="105000"/>
+            </a:schemeClr>
+          </a:solidFill>
+          <a:prstDash val="solid"/>
+        </a:ln>
+        <a:ln w="25400" cap="flat" cmpd="sng" algn="ctr">
+          <a:solidFill>
+            <a:schemeClr val="phClr"/>
+          </a:solidFill>
+          <a:prstDash val="solid"/>
+        </a:ln>
+        <a:ln w="38100" cap="flat" cmpd="sng" algn="ctr">
+          <a:solidFill>
+            <a:schemeClr val="phClr"/>
+          </a:solidFill>
+          <a:prstDash val="solid"/>
+        </a:ln>
+      </a:lnStyleLst>
+      <a:effectStyleLst>
+        <a:effectStyle>
+          <a:effectLst>
+            <a:outerShdw blurRad="40000" dist="20000" dir="5400000" rotWithShape="0">
+              <a:srgbClr val="000000">
+                <a:alpha val="38000"/>
+              </a:srgbClr>
+            </a:outerShdw>
+          </a:effectLst>
+        </a:effectStyle>
+        <a:effectStyle>
+          <a:effectLst>
+            <a:outerShdw blurRad="40000" dist="23000" dir="5400000" rotWithShape="0">
+              <a:srgbClr val="000000">
+                <a:alpha val="35000"/>
+              </a:srgbClr>
+            </a:outerShdw>
+          </a:effectLst>
+        </a:effectStyle>
+        <a:effectStyle>
+          <a:effectLst>
+            <a:outerShdw blurRad="40000" dist="23000" dir="5400000" rotWithShape="0">
+              <a:srgbClr val="000000">
+                <a:alpha val="35000"/>
+              </a:srgbClr>
+            </a:outerShdw>
+          </a:effectLst>
+          <a:scene3d>
+            <a:camera prst="orthographicFront">
+              <a:rot lat="0" lon="0" rev="0"/>
+            </a:camera>
+            <a:lightRig rig="threePt" dir="t">
+              <a:rot lat="0" lon="0" rev="1200000"/>
+            </a:lightRig>
+          </a:scene3d>
+          <a:sp3d>
+            <a:bevelT w="63500" h="25400"/>
+          </a:sp3d>
+        </a:effectStyle>
+      </a:effectStyleLst>
+      <a:bgFillStyleLst>
+        <a:solidFill>
+          <a:schemeClr val="phClr"/>
+        </a:solidFill>
+        <a:gradFill rotWithShape="1">
+          <a:gsLst>
+            <a:gs pos="0">
+              <a:schemeClr val="phClr">
+                <a:tint val="40000"/>
+                <a:satMod val="350000"/>
+              </a:schemeClr>
+            </a:gs>
+            <a:gs pos="40000">
+              <a:schemeClr val="phClr">
+                <a:tint val="45000"/>
+                <a:shade val="99000"/>
+                <a:satMod val="350000"/>
+              </a:schemeClr>
+            </a:gs>
+            <a:gs pos="100000">
+              <a:schemeClr val="phClr">
+                <a:shade val="20000"/>
+                <a:satMod val="255000"/>
+              </a:schemeClr>
+            </a:gs>
+          </a:gsLst>
+          <a:path path="circle">
+            <a:fillToRect l="50000" t="-80000" r="50000" b="180000"/>
+          </a:path>
+        </a:gradFill>
+        <a:gradFill rotWithShape="1">
+          <a:gsLst>
+            <a:gs pos="0">
+              <a:schemeClr val="phClr">
+                <a:tint val="80000"/>
+                <a:satMod val="300000"/>
+              </a:schemeClr>
+            </a:gs>
+            <a:gs pos="100000">
+              <a:schemeClr val="phClr">
+                <a:shade val="30000"/>
+                <a:satMod val="200000"/>
+              </a:schemeClr>
+            </a:gs>
+          </a:gsLst>
+          <a:path path="circle">
+            <a:fillToRect l="50000" t="50000" r="50000" b="50000"/>
+          </a:path>
+        </a:gradFill>
+      </a:bgFillStyleLst>
+    </a:fmtScheme>
+  </a:themeElements>
+  <a:objectDefaults/>
+  <a:extraClrSchemeLst/>
+</a:theme>
+</file>
+
+<file path=ppt/theme/theme3.xml><?xml version="1.0" encoding="utf-8"?>
+<a:theme xmlns:a="http://schemas.openxmlformats.org/drawingml/2006/main" name="Тема Office">
+  <a:themeElements>
+    <a:clrScheme name="Стандартная">
+      <a:dk1>
+        <a:sysClr val="windowText" lastClr="000000"/>
+      </a:dk1>
+      <a:lt1>
+        <a:sysClr val="window" lastClr="FFFFFF"/>
+      </a:lt1>
+      <a:dk2>
+        <a:srgbClr val="1F497D"/>
+      </a:dk2>
+      <a:lt2>
+        <a:srgbClr val="EEECE1"/>
+      </a:lt2>
+      <a:accent1>
+        <a:srgbClr val="4F81BD"/>
+      </a:accent1>
+      <a:accent2>
+        <a:srgbClr val="C0504D"/>
+      </a:accent2>
+      <a:accent3>
+        <a:srgbClr val="9BBB59"/>
+      </a:accent3>
+      <a:accent4>
+        <a:srgbClr val="8064A2"/>
+      </a:accent4>
+      <a:accent5>
+        <a:srgbClr val="4BACC6"/>
+      </a:accent5>
+      <a:accent6>
+        <a:srgbClr val="F79646"/>
+      </a:accent6>
+      <a:hlink>
+        <a:srgbClr val="0000FF"/>
+      </a:hlink>
+      <a:folHlink>
+        <a:srgbClr val="800080"/>
+      </a:folHlink>
+    </a:clrScheme>
+    <a:fontScheme name="Стандартная">
+      <a:majorFont>
+        <a:latin typeface="Calibri"/>
+        <a:ea typeface=""/>
+        <a:cs typeface=""/>
+        <a:font script="Jpan" typeface="ＭＳ Ｐゴシック"/>
+        <a:font script="Hang" typeface="맑은 고딕"/>
+        <a:font script="Hans" typeface="宋体"/>
+        <a:font script="Hant" typeface="新細明體"/>
+        <a:font script="Arab" typeface="Times New Roman"/>
+        <a:font script="Hebr" typeface="Times New Roman"/>
+        <a:font script="Thai" typeface="Angsana New"/>
+        <a:font script="Ethi" typeface="Nyala"/>
+        <a:font script="Beng" typeface="Vrinda"/>
+        <a:font script="Gujr" typeface="Shruti"/>
+        <a:font script="Khmr" typeface="MoolBoran"/>
+        <a:font script="Knda" typeface="Tunga"/>
+        <a:font script="Guru" typeface="Raavi"/>
+        <a:font script="Cans" typeface="Euphemia"/>
+        <a:font script="Cher" typeface="Plantagenet Cherokee"/>
+        <a:font script="Yiii" typeface="Microsoft Yi Baiti"/>
+        <a:font script="Tibt" typeface="Microsoft Himalaya"/>
+        <a:font script="Thaa" typeface="MV Boli"/>
+        <a:font script="Deva" typeface="Mangal"/>
+        <a:font script="Telu" typeface="Gautami"/>
+        <a:font script="Taml" typeface="Latha"/>
+        <a:font script="Syrc" typeface="Estrangelo Edessa"/>
+        <a:font script="Orya" typeface="Kalinga"/>
+        <a:font script="Mlym" typeface="Kartika"/>
+        <a:font script="Laoo" typeface="DokChampa"/>
+        <a:font script="Sinh" typeface="Iskoola Pota"/>
+        <a:font script="Mong" typeface="Mongolian Baiti"/>
+        <a:font script="Viet" typeface="Times New Roman"/>
+        <a:font script="Uigh" typeface="Microsoft Uighur"/>
       </a:majorFont>
       <a:minorFont>
         <a:latin typeface="Calibri"/>
